--- a/LAST_TERM/2042_TranChiKha_SS32_MentorMentee_26G.pptx
+++ b/LAST_TERM/2042_TranChiKha_SS32_MentorMentee_26G.pptx
@@ -7095,7 +7095,7 @@
           <a:p>
             <a:fld id="{6417C3E4-834A-4FDE-8876-3ED4986C368E}" type="datetimeFigureOut">
               <a:rPr lang="en-US" smtClean="0"/>
-              <a:t>11/19/2019</a:t>
+              <a:t>11/20/2019</a:t>
             </a:fld>
             <a:endParaRPr lang="en-US"/>
           </a:p>
@@ -21987,12 +21987,12 @@
           <a:p>
             <a:r>
               <a:rPr lang="en-US" dirty="0" smtClean="0"/>
-              <a:t>SYSTEM SOLUTION 32 Group</a:t>
-            </a:r>
-          </a:p>
-          <a:p>
-            <a:r>
-              <a:rPr lang="en-US" smtClean="0"/>
+              <a:t>Software SOLUTION 32 Group</a:t>
+            </a:r>
+          </a:p>
+          <a:p>
+            <a:r>
+              <a:rPr lang="en-US" dirty="0" smtClean="0"/>
               <a:t>RZ/G TEAM</a:t>
             </a:r>
             <a:endParaRPr lang="en-US" dirty="0"/>
@@ -22228,7 +22228,23 @@
                     <a:schemeClr val="tx1"/>
                   </a:solidFill>
                 </a:rPr>
-                <a:t>Learn verification skills from experience member to create test specification and organize test items.</a:t>
+                <a:t>Refer verification skill from Triet-san to improve my verification skill and try to create</a:t>
+              </a:r>
+              <a:r>
+                <a:rPr lang="en-US" sz="1400" b="1" dirty="0" smtClean="0">
+                  <a:solidFill>
+                    <a:srgbClr val="0070C0"/>
+                  </a:solidFill>
+                </a:rPr>
+                <a:t> test specification </a:t>
+              </a:r>
+              <a:r>
+                <a:rPr lang="en-US" sz="1400" dirty="0" smtClean="0">
+                  <a:solidFill>
+                    <a:schemeClr val="tx1"/>
+                  </a:solidFill>
+                </a:rPr>
+                <a:t>before making test case.</a:t>
               </a:r>
             </a:p>
             <a:p>
@@ -22253,7 +22269,15 @@
                     <a:srgbClr val="0070C0"/>
                   </a:solidFill>
                 </a:rPr>
-                <a:t>review</a:t>
+                <a:t>create</a:t>
+              </a:r>
+              <a:r>
+                <a:rPr lang="en-US" sz="1400" dirty="0">
+                  <a:solidFill>
+                    <a:schemeClr val="tx1"/>
+                  </a:solidFill>
+                </a:rPr>
+                <a:t>,</a:t>
               </a:r>
               <a:r>
                 <a:rPr lang="en-US" sz="1400" dirty="0" smtClean="0">
@@ -22261,7 +22285,7 @@
                     <a:schemeClr val="tx1"/>
                   </a:solidFill>
                 </a:rPr>
-                <a:t> and </a:t>
+                <a:t> </a:t>
               </a:r>
               <a:r>
                 <a:rPr lang="en-US" sz="1400" b="1" dirty="0" smtClean="0">
@@ -22269,7 +22293,7 @@
                     <a:srgbClr val="0070C0"/>
                   </a:solidFill>
                 </a:rPr>
-                <a:t>create</a:t>
+                <a:t>review</a:t>
               </a:r>
               <a:r>
                 <a:rPr lang="en-US" sz="1400" dirty="0" smtClean="0">
@@ -22622,7 +22646,7 @@
                     <a:schemeClr val="tx1"/>
                   </a:solidFill>
                 </a:rPr>
-                <a:t>investigate task requirement, create </a:t>
+                <a:t>investigate task requirement, create my </a:t>
               </a:r>
               <a:r>
                 <a:rPr lang="en-US" sz="1400" b="1" dirty="0" smtClean="0">
@@ -22993,15 +23017,23 @@
                   <a:srgbClr val="0070C0"/>
                 </a:solidFill>
               </a:rPr>
-              <a:t>communicate</a:t>
+              <a:t>explain</a:t>
             </a:r>
             <a:r>
               <a:rPr lang="en-US" sz="1400" dirty="0" smtClean="0">
                 <a:solidFill>
+                  <a:schemeClr val="tx1"/>
+                </a:solidFill>
+              </a:rPr>
+              <a:t> my idea </a:t>
+            </a:r>
+            <a:r>
+              <a:rPr lang="en-US" sz="1400" b="1" dirty="0" smtClean="0">
+                <a:solidFill>
                   <a:srgbClr val="0070C0"/>
                 </a:solidFill>
               </a:rPr>
-              <a:t> </a:t>
+              <a:t>clearly</a:t>
             </a:r>
             <a:r>
               <a:rPr lang="en-US" sz="1400" dirty="0" smtClean="0">
@@ -23009,21 +23041,8 @@
                   <a:schemeClr val="tx1"/>
                 </a:solidFill>
               </a:rPr>
-              <a:t>well with others colleague</a:t>
-            </a:r>
-            <a:r>
-              <a:rPr lang="en-US" sz="1400" dirty="0" smtClean="0">
-                <a:solidFill>
-                  <a:srgbClr val="0070C0"/>
-                </a:solidFill>
-              </a:rPr>
-              <a:t>.</a:t>
-            </a:r>
-            <a:endParaRPr lang="en-US" sz="1400" dirty="0">
-              <a:solidFill>
-                <a:srgbClr val="0070C0"/>
-              </a:solidFill>
-            </a:endParaRPr>
+              <a:t> to others colleague.</a:t>
+            </a:r>
           </a:p>
           <a:p>
             <a:pPr marL="171450" indent="-171450">
@@ -23034,12 +23053,20 @@
               <a:buChar char="•"/>
             </a:pPr>
             <a:r>
+              <a:rPr lang="en-US" sz="1400" b="1" dirty="0" smtClean="0">
+                <a:solidFill>
+                  <a:srgbClr val="0070C0"/>
+                </a:solidFill>
+              </a:rPr>
+              <a:t>Always</a:t>
+            </a:r>
+            <a:r>
               <a:rPr lang="en-US" sz="1400" dirty="0" smtClean="0">
                 <a:solidFill>
                   <a:schemeClr val="tx1"/>
                 </a:solidFill>
               </a:rPr>
-              <a:t>Can </a:t>
+              <a:t> try to </a:t>
             </a:r>
             <a:r>
               <a:rPr lang="en-US" sz="1400" b="1" dirty="0" smtClean="0">
@@ -23047,7 +23074,7 @@
                   <a:srgbClr val="0070C0"/>
                 </a:solidFill>
               </a:rPr>
-              <a:t>explain</a:t>
+              <a:t>listen</a:t>
             </a:r>
             <a:r>
               <a:rPr lang="en-US" sz="1400" dirty="0" smtClean="0">
@@ -23055,7 +23082,7 @@
                   <a:schemeClr val="tx1"/>
                 </a:solidFill>
               </a:rPr>
-              <a:t> my idea </a:t>
+              <a:t>, </a:t>
             </a:r>
             <a:r>
               <a:rPr lang="en-US" sz="1400" b="1" dirty="0" smtClean="0">
@@ -23063,7 +23090,7 @@
                   <a:srgbClr val="0070C0"/>
                 </a:solidFill>
               </a:rPr>
-              <a:t>clearly</a:t>
+              <a:t>discuss</a:t>
             </a:r>
             <a:r>
               <a:rPr lang="en-US" sz="1400" dirty="0" smtClean="0">
@@ -23071,7 +23098,23 @@
                   <a:schemeClr val="tx1"/>
                 </a:solidFill>
               </a:rPr>
-              <a:t> to others colleague.</a:t>
+              <a:t> and </a:t>
+            </a:r>
+            <a:r>
+              <a:rPr lang="en-US" sz="1400" b="1" dirty="0" smtClean="0">
+                <a:solidFill>
+                  <a:srgbClr val="0070C0"/>
+                </a:solidFill>
+              </a:rPr>
+              <a:t>support</a:t>
+            </a:r>
+            <a:r>
+              <a:rPr lang="en-US" sz="1400" dirty="0" smtClean="0">
+                <a:solidFill>
+                  <a:schemeClr val="tx1"/>
+                </a:solidFill>
+              </a:rPr>
+              <a:t> new members in their work. Listening is an important skill that helps me to get knowledge from other colleagues. </a:t>
             </a:r>
           </a:p>
           <a:p>
@@ -23088,40 +23131,23 @@
                   <a:schemeClr val="tx1"/>
                 </a:solidFill>
               </a:rPr>
-              <a:t>Always try to discuss and support new members in their work. Especially for Android tasks.</a:t>
-            </a:r>
-          </a:p>
-          <a:p>
-            <a:pPr marL="171450" indent="-171450">
-              <a:spcBef>
-                <a:spcPts val="400"/>
-              </a:spcBef>
-              <a:buFont typeface="Arial" panose="020B0604020202020204" pitchFamily="34" charset="0"/>
-              <a:buChar char="•"/>
-            </a:pPr>
+              <a:t>For English, it is </a:t>
+            </a:r>
+            <a:r>
+              <a:rPr lang="en-US" sz="1400" b="1" dirty="0" smtClean="0">
+                <a:solidFill>
+                  <a:srgbClr val="0070C0"/>
+                </a:solidFill>
+              </a:rPr>
+              <a:t>acceptable</a:t>
+            </a:r>
             <a:r>
               <a:rPr lang="en-US" sz="1400" dirty="0" smtClean="0">
                 <a:solidFill>
                   <a:schemeClr val="tx1"/>
                 </a:solidFill>
               </a:rPr>
-              <a:t>For English, </a:t>
-            </a:r>
-            <a:r>
-              <a:rPr lang="en-US" sz="1400" dirty="0">
-                <a:solidFill>
-                  <a:schemeClr val="tx1"/>
-                </a:solidFill>
-              </a:rPr>
-              <a:t>reading, </a:t>
-            </a:r>
-            <a:r>
-              <a:rPr lang="en-US" sz="1400" dirty="0" smtClean="0">
-                <a:solidFill>
-                  <a:schemeClr val="tx1"/>
-                </a:solidFill>
-              </a:rPr>
-              <a:t>listening skill is acceptable. and writing skill still need to improve more.</a:t>
+              <a:t> for current work.</a:t>
             </a:r>
           </a:p>
         </p:txBody>
@@ -23271,15 +23297,7 @@
                   <a:schemeClr val="tx1"/>
                 </a:solidFill>
               </a:rPr>
-              <a:t>task well. </a:t>
-            </a:r>
-            <a:r>
-              <a:rPr lang="en-US" sz="1400" dirty="0" smtClean="0">
-                <a:solidFill>
-                  <a:schemeClr val="tx1"/>
-                </a:solidFill>
-              </a:rPr>
-              <a:t>During 6 last months, I </a:t>
+              <a:t>task well by making plan for each task. During 6 last months, I </a:t>
             </a:r>
             <a:r>
               <a:rPr lang="en-US" sz="1400" b="1" dirty="0" smtClean="0">
@@ -23295,23 +23313,7 @@
                   <a:schemeClr val="tx1"/>
                 </a:solidFill>
               </a:rPr>
-              <a:t> </a:t>
-            </a:r>
-            <a:r>
-              <a:rPr lang="en-US" sz="1400" dirty="0" smtClean="0">
-                <a:solidFill>
-                  <a:schemeClr val="tx1"/>
-                </a:solidFill>
-              </a:rPr>
-              <a:t>new 29G member </a:t>
-            </a:r>
-            <a:r>
-              <a:rPr lang="en-US" sz="1400" dirty="0" smtClean="0">
-                <a:solidFill>
-                  <a:schemeClr val="tx1"/>
-                </a:solidFill>
-              </a:rPr>
-              <a:t>and also </a:t>
+              <a:t> new 29G member and also </a:t>
             </a:r>
             <a:r>
               <a:rPr lang="en-US" sz="1400" b="1" dirty="0" smtClean="0">
@@ -23327,10 +23329,10 @@
                   <a:schemeClr val="tx1"/>
                 </a:solidFill>
               </a:rPr>
-              <a:t>to</a:t>
-            </a:r>
-            <a:r>
-              <a:rPr lang="en-US" sz="1400" dirty="0" smtClean="0">
+              <a:t>him</a:t>
+            </a:r>
+            <a:r>
+              <a:rPr lang="en-US" sz="1400" b="1" dirty="0" smtClean="0">
                 <a:solidFill>
                   <a:srgbClr val="0070C0"/>
                 </a:solidFill>
@@ -23343,6 +23345,22 @@
                   <a:schemeClr val="tx1"/>
                 </a:solidFill>
               </a:rPr>
+              <a:t>to</a:t>
+            </a:r>
+            <a:r>
+              <a:rPr lang="en-US" sz="1400" dirty="0" smtClean="0">
+                <a:solidFill>
+                  <a:srgbClr val="0070C0"/>
+                </a:solidFill>
+              </a:rPr>
+              <a:t> </a:t>
+            </a:r>
+            <a:r>
+              <a:rPr lang="en-US" sz="1400" dirty="0" smtClean="0">
+                <a:solidFill>
+                  <a:schemeClr val="tx1"/>
+                </a:solidFill>
+              </a:rPr>
               <a:t>debug </a:t>
             </a:r>
             <a:r>
@@ -23359,21 +23377,8 @@
                   <a:schemeClr val="tx1"/>
                 </a:solidFill>
               </a:rPr>
-              <a:t> issues</a:t>
-            </a:r>
-            <a:r>
-              <a:rPr lang="en-US" sz="1400" dirty="0" smtClean="0">
-                <a:solidFill>
-                  <a:schemeClr val="tx1"/>
-                </a:solidFill>
-              </a:rPr>
-              <a:t>. It helps to improve time and workload management.</a:t>
-            </a:r>
-            <a:endParaRPr lang="en-US" sz="1400" dirty="0" smtClean="0">
-              <a:solidFill>
-                <a:schemeClr val="tx1"/>
-              </a:solidFill>
-            </a:endParaRPr>
+              <a:t> issues. It also helps to improve time and workload management.</a:t>
+            </a:r>
           </a:p>
           <a:p>
             <a:pPr marL="171450" indent="-171450">
@@ -23977,7 +23982,7 @@
         <p:spPr>
           <a:xfrm>
             <a:off x="1080000" y="1800000"/>
-            <a:ext cx="10488608" cy="3836948"/>
+            <a:ext cx="10488608" cy="1969770"/>
           </a:xfrm>
         </p:spPr>
         <p:txBody>
@@ -24021,8 +24026,13 @@
             </a:r>
             <a:r>
               <a:rPr lang="en-US" sz="1800" dirty="0" smtClean="0"/>
-              <a:t>The development environment is huge and complex. Some Android parts (Android graphics, OMX) are close source.</a:t>
-            </a:r>
+              <a:t>The development environment is huge and </a:t>
+            </a:r>
+            <a:r>
+              <a:rPr lang="en-US" sz="1800" dirty="0" smtClean="0"/>
+              <a:t>consists of many modules. </a:t>
+            </a:r>
+            <a:endParaRPr lang="en-US" sz="1800" dirty="0" smtClean="0"/>
           </a:p>
           <a:p>
             <a:pPr marL="285750" indent="-285750">
@@ -24033,62 +24043,35 @@
               <a:rPr lang="en-US" sz="1800" b="1" dirty="0" smtClean="0"/>
               <a:t>Impact: </a:t>
             </a:r>
-          </a:p>
-          <a:p>
-            <a:pPr marL="641350" lvl="2" indent="-285750">
-              <a:buFont typeface="Courier New" panose="02070309020205020404" pitchFamily="49" charset="0"/>
-              <a:buChar char="o"/>
-            </a:pPr>
             <a:r>
               <a:rPr lang="en-US" sz="1800" dirty="0" smtClean="0"/>
-              <a:t>With some difficult issues, I must take </a:t>
+              <a:t> I </a:t>
+            </a:r>
+            <a:r>
+              <a:rPr lang="en-US" sz="1800" dirty="0" smtClean="0"/>
+              <a:t>do </a:t>
             </a:r>
             <a:r>
               <a:rPr lang="en-US" sz="1800" b="1" dirty="0" smtClean="0">
                 <a:solidFill>
-                  <a:srgbClr val="0070C0"/>
+                  <a:srgbClr val="FF0000"/>
                 </a:solidFill>
               </a:rPr>
-              <a:t>more time</a:t>
+              <a:t>NOT</a:t>
             </a:r>
             <a:r>
               <a:rPr lang="en-US" sz="1800" dirty="0" smtClean="0"/>
-              <a:t> to investigate whether it is issue from close parts and ask REL to support. Because we have </a:t>
-            </a:r>
-            <a:r>
-              <a:rPr lang="en-US" sz="1800" b="1" dirty="0" smtClean="0">
-                <a:solidFill>
-                  <a:srgbClr val="FF0000"/>
-                </a:solidFill>
-              </a:rPr>
-              <a:t>NO</a:t>
+              <a:t> have deep knowledge to handle difficult tasks well</a:t>
             </a:r>
             <a:r>
               <a:rPr lang="en-US" sz="1800" dirty="0" smtClean="0"/>
-              <a:t> source code and </a:t>
-            </a:r>
-            <a:r>
-              <a:rPr lang="en-US" sz="1800" b="1" dirty="0" smtClean="0">
-                <a:solidFill>
-                  <a:srgbClr val="FF0000"/>
-                </a:solidFill>
-              </a:rPr>
-              <a:t>NO</a:t>
+              <a:t>. So </a:t>
             </a:r>
             <a:r>
               <a:rPr lang="en-US" sz="1800" dirty="0" smtClean="0"/>
-              <a:t> experience.</a:t>
-            </a:r>
-          </a:p>
-          <a:p>
-            <a:pPr marL="641350" lvl="2" indent="-285750">
-              <a:buFont typeface="Courier New" panose="02070309020205020404" pitchFamily="49" charset="0"/>
-              <a:buChar char="o"/>
-            </a:pPr>
-            <a:r>
-              <a:rPr lang="en-US" sz="1800" dirty="0" smtClean="0"/>
-              <a:t>As mention, the Android environment is huge. So I do NOT have deep knowledge to handle difficult tasks well.</a:t>
-            </a:r>
+              <a:t>I must take more time to investigate and create clear steps to handle issue.</a:t>
+            </a:r>
+            <a:endParaRPr lang="en-US" sz="1800" dirty="0" smtClean="0"/>
           </a:p>
           <a:p>
             <a:pPr marL="285750" indent="-285750">
@@ -24101,7 +24084,19 @@
             </a:r>
             <a:r>
               <a:rPr lang="en-US" sz="1800" dirty="0" smtClean="0"/>
-              <a:t>Take time to read and learn about the concept and workflow of graphics, codecs. Even though it is close source, we can still learn frameworks parts to understand basic workflow.</a:t>
+              <a:t>Take time to read and learn about </a:t>
+            </a:r>
+            <a:r>
+              <a:rPr lang="en-US" sz="1800" dirty="0" smtClean="0"/>
+              <a:t>Android</a:t>
+            </a:r>
+            <a:r>
+              <a:rPr lang="en-US" sz="1800" dirty="0"/>
+              <a:t> </a:t>
+            </a:r>
+            <a:r>
+              <a:rPr lang="en-US" sz="1800" dirty="0" smtClean="0"/>
+              <a:t>framework.</a:t>
             </a:r>
             <a:endParaRPr lang="en-US" dirty="0" smtClean="0"/>
           </a:p>
@@ -24204,8 +24199,8 @@
         </p:nvSpPr>
         <p:spPr>
           <a:xfrm>
-            <a:off x="4663519" y="1844825"/>
-            <a:ext cx="7337137" cy="3240359"/>
+            <a:off x="695400" y="1772816"/>
+            <a:ext cx="10482583" cy="3672409"/>
           </a:xfrm>
           <a:prstGeom prst="roundRect">
             <a:avLst/>
@@ -24213,7 +24208,9 @@
           <a:solidFill>
             <a:schemeClr val="bg1"/>
           </a:solidFill>
-          <a:ln w="44450"/>
+          <a:ln w="44450">
+            <a:noFill/>
+          </a:ln>
         </p:spPr>
         <p:style>
           <a:lnRef idx="2">
@@ -24236,11 +24233,14 @@
           <a:lstStyle/>
           <a:p>
             <a:pPr marL="285750" indent="-285750">
+              <a:lnSpc>
+                <a:spcPct val="150000"/>
+              </a:lnSpc>
               <a:buFont typeface="Arial" panose="020B0604020202020204" pitchFamily="34" charset="0"/>
               <a:buChar char="•"/>
             </a:pPr>
             <a:r>
-              <a:rPr lang="en-US" sz="1700" b="1" dirty="0">
+              <a:rPr lang="en-US" b="1" dirty="0">
                 <a:solidFill>
                   <a:schemeClr val="tx1"/>
                 </a:solidFill>
@@ -24248,7 +24248,7 @@
               <a:t>Category: </a:t>
             </a:r>
             <a:r>
-              <a:rPr lang="en-US" sz="1700" b="1" dirty="0">
+              <a:rPr lang="en-US" b="1" dirty="0">
                 <a:solidFill>
                   <a:srgbClr val="0070C0"/>
                 </a:solidFill>
@@ -24260,11 +24260,14 @@
           </a:p>
           <a:p>
             <a:pPr marL="285750" indent="-285750">
+              <a:lnSpc>
+                <a:spcPct val="150000"/>
+              </a:lnSpc>
               <a:buFont typeface="Arial" panose="020B0604020202020204" pitchFamily="34" charset="0"/>
               <a:buChar char="•"/>
             </a:pPr>
             <a:r>
-              <a:rPr lang="en-US" sz="1700" b="1" dirty="0">
+              <a:rPr lang="en-US" b="1" dirty="0">
                 <a:solidFill>
                   <a:schemeClr val="tx1"/>
                 </a:solidFill>
@@ -24272,7 +24275,7 @@
               <a:t>Problem: </a:t>
             </a:r>
             <a:r>
-              <a:rPr lang="en-US" sz="1700" dirty="0">
+              <a:rPr lang="en-US" dirty="0">
                 <a:solidFill>
                   <a:schemeClr val="tx1"/>
                 </a:solidFill>
@@ -24280,7 +24283,7 @@
               <a:t>The Android task is </a:t>
             </a:r>
             <a:r>
-              <a:rPr lang="en-US" sz="1700" b="1" dirty="0">
+              <a:rPr lang="en-US" b="1" dirty="0">
                 <a:solidFill>
                   <a:srgbClr val="FF0000"/>
                 </a:solidFill>
@@ -24288,7 +24291,7 @@
               <a:t>TOO</a:t>
             </a:r>
             <a:r>
-              <a:rPr lang="en-US" sz="1700" dirty="0">
+              <a:rPr lang="en-US" dirty="0">
                 <a:solidFill>
                   <a:srgbClr val="FF0000"/>
                 </a:solidFill>
@@ -24296,7 +24299,7 @@
               <a:t> </a:t>
             </a:r>
             <a:r>
-              <a:rPr lang="en-US" sz="1700" dirty="0">
+              <a:rPr lang="en-US" dirty="0">
                 <a:solidFill>
                   <a:schemeClr val="tx1"/>
                 </a:solidFill>
@@ -24304,7 +24307,7 @@
               <a:t>big and require to do many tasks. But there are </a:t>
             </a:r>
             <a:r>
-              <a:rPr lang="en-US" sz="1700" b="1" dirty="0">
+              <a:rPr lang="en-US" b="1" dirty="0">
                 <a:solidFill>
                   <a:srgbClr val="FF0000"/>
                 </a:solidFill>
@@ -24312,7 +24315,7 @@
               <a:t>ONLY</a:t>
             </a:r>
             <a:r>
-              <a:rPr lang="en-US" sz="1700" dirty="0">
+              <a:rPr lang="en-US" dirty="0">
                 <a:solidFill>
                   <a:srgbClr val="FF0000"/>
                 </a:solidFill>
@@ -24320,7 +24323,7 @@
               <a:t> </a:t>
             </a:r>
             <a:r>
-              <a:rPr lang="en-US" sz="1700" dirty="0">
+              <a:rPr lang="en-US" dirty="0">
                 <a:solidFill>
                   <a:schemeClr val="tx1"/>
                 </a:solidFill>
@@ -24328,7 +24331,7 @@
               <a:t>3 members who are assigned to this task. Lack of resource. So I must </a:t>
             </a:r>
             <a:r>
-              <a:rPr lang="en-US" sz="1700" dirty="0" smtClean="0">
+              <a:rPr lang="en-US" dirty="0" smtClean="0">
                 <a:solidFill>
                   <a:schemeClr val="tx1"/>
                 </a:solidFill>
@@ -24336,7 +24339,7 @@
               <a:t>do </a:t>
             </a:r>
             <a:r>
-              <a:rPr lang="en-US" sz="1700" b="1" dirty="0">
+              <a:rPr lang="en-US" b="1" dirty="0">
                 <a:solidFill>
                   <a:srgbClr val="FF0000"/>
                 </a:solidFill>
@@ -24344,7 +24347,7 @@
               <a:t>many tasks</a:t>
             </a:r>
             <a:r>
-              <a:rPr lang="en-US" sz="1700" b="1" dirty="0">
+              <a:rPr lang="en-US" b="1" dirty="0">
                 <a:solidFill>
                   <a:schemeClr val="tx1"/>
                 </a:solidFill>
@@ -24352,7 +24355,7 @@
               <a:t> </a:t>
             </a:r>
             <a:r>
-              <a:rPr lang="en-US" sz="1700" dirty="0">
+              <a:rPr lang="en-US" dirty="0">
                 <a:solidFill>
                   <a:schemeClr val="tx1"/>
                 </a:solidFill>
@@ -24360,7 +24363,7 @@
               <a:t>to finish the </a:t>
             </a:r>
             <a:r>
-              <a:rPr lang="en-US" sz="1700" dirty="0" smtClean="0">
+              <a:rPr lang="en-US" dirty="0" smtClean="0">
                 <a:solidFill>
                   <a:schemeClr val="tx1"/>
                 </a:solidFill>
@@ -24368,7 +24371,7 @@
               <a:t>release </a:t>
             </a:r>
             <a:r>
-              <a:rPr lang="en-US" sz="1700" dirty="0">
+              <a:rPr lang="en-US" dirty="0">
                 <a:solidFill>
                   <a:schemeClr val="tx1"/>
                 </a:solidFill>
@@ -24378,11 +24381,14 @@
           </a:p>
           <a:p>
             <a:pPr marL="285750" indent="-285750">
+              <a:lnSpc>
+                <a:spcPct val="150000"/>
+              </a:lnSpc>
               <a:buFont typeface="Arial" panose="020B0604020202020204" pitchFamily="34" charset="0"/>
               <a:buChar char="•"/>
             </a:pPr>
             <a:r>
-              <a:rPr lang="en-US" sz="1700" b="1" dirty="0">
+              <a:rPr lang="en-US" b="1" dirty="0">
                 <a:solidFill>
                   <a:schemeClr val="tx1"/>
                 </a:solidFill>
@@ -24390,7 +24396,7 @@
               <a:t>Impact: </a:t>
             </a:r>
             <a:r>
-              <a:rPr lang="en-US" sz="1700" dirty="0" smtClean="0">
+              <a:rPr lang="en-US" dirty="0" smtClean="0">
                 <a:solidFill>
                   <a:schemeClr val="tx1"/>
                 </a:solidFill>
@@ -24398,7 +24404,7 @@
               <a:t>Must do tasks after working time to complete and prevent delay. So </a:t>
             </a:r>
             <a:r>
-              <a:rPr lang="en-US" sz="1700" dirty="0">
+              <a:rPr lang="en-US" dirty="0">
                 <a:solidFill>
                   <a:schemeClr val="tx1"/>
                 </a:solidFill>
@@ -24406,7 +24412,7 @@
               <a:t>I</a:t>
             </a:r>
             <a:r>
-              <a:rPr lang="en-US" sz="1700" dirty="0" smtClean="0">
+              <a:rPr lang="en-US" dirty="0" smtClean="0">
                 <a:solidFill>
                   <a:schemeClr val="tx1"/>
                 </a:solidFill>
@@ -24414,7 +24420,7 @@
               <a:t> </a:t>
             </a:r>
             <a:r>
-              <a:rPr lang="en-US" sz="1700" dirty="0">
+              <a:rPr lang="en-US" dirty="0">
                 <a:solidFill>
                   <a:schemeClr val="tx1"/>
                 </a:solidFill>
@@ -24422,31 +24428,15 @@
               <a:t>feel so stress after working with many tasks for a long time</a:t>
             </a:r>
             <a:r>
-              <a:rPr lang="en-US" sz="1700" dirty="0" smtClean="0">
+              <a:rPr lang="en-US" dirty="0" smtClean="0">
                 <a:solidFill>
                   <a:schemeClr val="tx1"/>
                 </a:solidFill>
               </a:rPr>
-              <a:t>. I don’t have enough time </a:t>
-            </a:r>
-            <a:r>
-              <a:rPr lang="en-US" sz="1700" smtClean="0">
-                <a:solidFill>
-                  <a:schemeClr val="tx1"/>
-                </a:solidFill>
-              </a:rPr>
-              <a:t>to investigate </a:t>
-            </a:r>
-            <a:r>
-              <a:rPr lang="en-US" sz="1700" dirty="0" smtClean="0">
-                <a:solidFill>
-                  <a:schemeClr val="tx1"/>
-                </a:solidFill>
-              </a:rPr>
-              <a:t>deeply about android and also learn other fields: </a:t>
-            </a:r>
-            <a:r>
-              <a:rPr lang="en-US" sz="1700" dirty="0" err="1" smtClean="0">
+              <a:t>. I don’t have enough time to investigate deeply about android and also learn other fields: </a:t>
+            </a:r>
+            <a:r>
+              <a:rPr lang="en-US" dirty="0" err="1" smtClean="0">
                 <a:solidFill>
                   <a:schemeClr val="tx1"/>
                 </a:solidFill>
@@ -24454,7 +24444,7 @@
               <a:t>Qt</a:t>
             </a:r>
             <a:r>
-              <a:rPr lang="en-US" sz="1700" dirty="0" smtClean="0">
+              <a:rPr lang="en-US" dirty="0" smtClean="0">
                 <a:solidFill>
                   <a:schemeClr val="tx1"/>
                 </a:solidFill>
@@ -24462,7 +24452,7 @@
               <a:t>, </a:t>
             </a:r>
             <a:r>
-              <a:rPr lang="en-US" sz="1700" dirty="0" err="1" smtClean="0">
+              <a:rPr lang="en-US" dirty="0" err="1" smtClean="0">
                 <a:solidFill>
                   <a:schemeClr val="tx1"/>
                 </a:solidFill>
@@ -24470,14 +24460,14 @@
               <a:t>Gstreamer</a:t>
             </a:r>
             <a:r>
-              <a:rPr lang="en-US" sz="1700" dirty="0" smtClean="0">
+              <a:rPr lang="en-US" dirty="0" smtClean="0">
                 <a:solidFill>
                   <a:schemeClr val="tx1"/>
                 </a:solidFill>
               </a:rPr>
               <a:t>,...etc.</a:t>
             </a:r>
-            <a:endParaRPr lang="en-US" sz="1700" dirty="0">
+            <a:endParaRPr lang="en-US" dirty="0">
               <a:solidFill>
                 <a:schemeClr val="tx1"/>
               </a:solidFill>
@@ -24485,11 +24475,14 @@
           </a:p>
           <a:p>
             <a:pPr marL="285750" indent="-285750">
+              <a:lnSpc>
+                <a:spcPct val="150000"/>
+              </a:lnSpc>
               <a:buFont typeface="Arial" panose="020B0604020202020204" pitchFamily="34" charset="0"/>
               <a:buChar char="•"/>
             </a:pPr>
             <a:r>
-              <a:rPr lang="en-US" sz="1700" b="1" dirty="0" smtClean="0">
+              <a:rPr lang="en-US" b="1" dirty="0" smtClean="0">
                 <a:solidFill>
                   <a:schemeClr val="tx1"/>
                 </a:solidFill>
@@ -24497,7 +24490,7 @@
               <a:t>My actions: </a:t>
             </a:r>
             <a:r>
-              <a:rPr lang="en-US" sz="1700" dirty="0">
+              <a:rPr lang="en-US" dirty="0">
                 <a:solidFill>
                   <a:schemeClr val="tx1"/>
                 </a:solidFill>
@@ -24505,7 +24498,7 @@
               <a:t>Try to analyze and create clear plan and steps for each task and set </a:t>
             </a:r>
             <a:r>
-              <a:rPr lang="en-US" sz="1700" dirty="0" smtClean="0">
+              <a:rPr lang="en-US" dirty="0" smtClean="0">
                 <a:solidFill>
                   <a:schemeClr val="tx1"/>
                 </a:solidFill>
@@ -24513,21 +24506,22 @@
               <a:t>target</a:t>
             </a:r>
             <a:r>
-              <a:rPr lang="en-US" sz="1700" dirty="0">
+              <a:rPr lang="en-US" dirty="0">
                 <a:solidFill>
                   <a:schemeClr val="tx1"/>
                 </a:solidFill>
               </a:rPr>
-              <a:t>, priority for each task before doing.</a:t>
-            </a:r>
-          </a:p>
-          <a:p>
-            <a:pPr>
-              <a:spcBef>
-                <a:spcPts val="400"/>
-              </a:spcBef>
-            </a:pPr>
-            <a:endParaRPr lang="en-US" sz="1400" dirty="0" smtClean="0">
+              <a:t>, priority for each task before doing</a:t>
+            </a:r>
+            <a:r>
+              <a:rPr lang="en-US" dirty="0" smtClean="0">
+                <a:solidFill>
+                  <a:schemeClr val="tx1"/>
+                </a:solidFill>
+              </a:rPr>
+              <a:t>.</a:t>
+            </a:r>
+            <a:endParaRPr lang="en-US" dirty="0">
               <a:solidFill>
                 <a:schemeClr val="tx1"/>
               </a:solidFill>
@@ -24535,108 +24529,6 @@
           </a:p>
         </p:txBody>
       </p:sp>
-      <p:pic>
-        <p:nvPicPr>
-          <p:cNvPr id="7" name="Content Placeholder 6"/>
-          <p:cNvPicPr>
-            <a:picLocks noGrp="1" noChangeAspect="1"/>
-          </p:cNvPicPr>
-          <p:nvPr>
-            <p:ph idx="1"/>
-          </p:nvPr>
-        </p:nvPicPr>
-        <p:blipFill>
-          <a:blip r:embed="rId2">
-            <a:extLst>
-              <a:ext uri="{28A0092B-C50C-407E-A947-70E740481C1C}">
-                <a14:useLocalDpi xmlns:a14="http://schemas.microsoft.com/office/drawing/2010/main" val="0"/>
-              </a:ext>
-            </a:extLst>
-          </a:blip>
-          <a:stretch>
-            <a:fillRect/>
-          </a:stretch>
-        </p:blipFill>
-        <p:spPr>
-          <a:xfrm>
-            <a:off x="191344" y="1989903"/>
-            <a:ext cx="4394086" cy="2906325"/>
-          </a:xfrm>
-        </p:spPr>
-      </p:pic>
-      <p:sp>
-        <p:nvSpPr>
-          <p:cNvPr id="8" name="TextBox 7"/>
-          <p:cNvSpPr txBox="1"/>
-          <p:nvPr/>
-        </p:nvSpPr>
-        <p:spPr>
-          <a:xfrm>
-            <a:off x="2680532" y="2638782"/>
-            <a:ext cx="1904898" cy="283578"/>
-          </a:xfrm>
-          <a:prstGeom prst="rect">
-            <a:avLst/>
-          </a:prstGeom>
-          <a:noFill/>
-        </p:spPr>
-        <p:txBody>
-          <a:bodyPr wrap="square" rtlCol="0">
-            <a:spAutoFit/>
-          </a:bodyPr>
-          <a:lstStyle/>
-          <a:p>
-            <a:r>
-              <a:rPr lang="en-US" sz="1200" i="1" dirty="0" smtClean="0">
-                <a:solidFill>
-                  <a:schemeClr val="bg1"/>
-                </a:solidFill>
-              </a:rPr>
-              <a:t>It’s my current feeling…</a:t>
-            </a:r>
-            <a:endParaRPr lang="en-US" sz="1200" i="1" dirty="0">
-              <a:solidFill>
-                <a:schemeClr val="bg1"/>
-              </a:solidFill>
-            </a:endParaRPr>
-          </a:p>
-        </p:txBody>
-      </p:sp>
-      <p:cxnSp>
-        <p:nvCxnSpPr>
-          <p:cNvPr id="9" name="Curved Connector 8"/>
-          <p:cNvCxnSpPr/>
-          <p:nvPr/>
-        </p:nvCxnSpPr>
-        <p:spPr>
-          <a:xfrm rot="10800000">
-            <a:off x="2681612" y="2949828"/>
-            <a:ext cx="2190252" cy="407165"/>
-          </a:xfrm>
-          <a:prstGeom prst="curvedConnector3">
-            <a:avLst>
-              <a:gd name="adj1" fmla="val 50000"/>
-            </a:avLst>
-          </a:prstGeom>
-          <a:ln>
-            <a:tailEnd type="triangle"/>
-          </a:ln>
-        </p:spPr>
-        <p:style>
-          <a:lnRef idx="1">
-            <a:schemeClr val="accent1"/>
-          </a:lnRef>
-          <a:fillRef idx="0">
-            <a:schemeClr val="accent1"/>
-          </a:fillRef>
-          <a:effectRef idx="0">
-            <a:schemeClr val="accent1"/>
-          </a:effectRef>
-          <a:fontRef idx="minor">
-            <a:schemeClr val="tx1"/>
-          </a:fontRef>
-        </p:style>
-      </p:cxnSp>
     </p:spTree>
     <p:extLst>
       <p:ext uri="{BB962C8B-B14F-4D97-AF65-F5344CB8AC3E}">
@@ -25056,12 +24948,20 @@
                 <a:buChar char="•"/>
               </a:pPr>
               <a:r>
+                <a:rPr lang="en-US" sz="1400" smtClean="0">
+                  <a:solidFill>
+                    <a:schemeClr val="tx1"/>
+                  </a:solidFill>
+                </a:rPr>
+                <a:t>Could guide </a:t>
+              </a:r>
+              <a:r>
                 <a:rPr lang="en-US" sz="1400" dirty="0" smtClean="0">
                   <a:solidFill>
                     <a:schemeClr val="tx1"/>
                   </a:solidFill>
                 </a:rPr>
-                <a:t>Be able to guide new members and support colleagues in their tasks (maybe mainly on Android tasks).</a:t>
+                <a:t>new members and support colleagues in their tasks (maybe mainly on Android tasks).</a:t>
               </a:r>
             </a:p>
             <a:p>
@@ -27042,37 +26942,8 @@
                   <a:schemeClr val="tx1"/>
                 </a:solidFill>
               </a:rPr>
-              <a:t>. What </a:t>
-            </a:r>
-            <a:r>
-              <a:rPr lang="en-US" sz="1600" dirty="0" smtClean="0">
-                <a:solidFill>
-                  <a:schemeClr val="tx1"/>
-                </a:solidFill>
-              </a:rPr>
-              <a:t>had </a:t>
-            </a:r>
-            <a:r>
-              <a:rPr lang="en-US" sz="1600" dirty="0" smtClean="0">
-                <a:solidFill>
-                  <a:schemeClr val="tx1"/>
-                </a:solidFill>
-              </a:rPr>
-              <a:t>I </a:t>
-            </a:r>
-            <a:r>
-              <a:rPr lang="en-US" sz="1600" dirty="0" smtClean="0">
-                <a:solidFill>
-                  <a:schemeClr val="tx1"/>
-                </a:solidFill>
-              </a:rPr>
-              <a:t>achieved</a:t>
-            </a:r>
-            <a:endParaRPr lang="en-US" sz="1600" dirty="0" smtClean="0">
-              <a:solidFill>
-                <a:schemeClr val="tx1"/>
-              </a:solidFill>
-            </a:endParaRPr>
+              <a:t>. What had I achieved</a:t>
+            </a:r>
           </a:p>
           <a:p>
             <a:pPr marL="742950" lvl="1" indent="-285750">
@@ -31583,7 +31454,23 @@
                     <a:schemeClr val="tx1"/>
                   </a:solidFill>
                 </a:rPr>
-                <a:t>Have good </a:t>
+                <a:t>Have </a:t>
+              </a:r>
+              <a:r>
+                <a:rPr lang="en-US" sz="1400" b="1" dirty="0">
+                  <a:solidFill>
+                    <a:srgbClr val="0070C0"/>
+                  </a:solidFill>
+                </a:rPr>
+                <a:t>sufficient</a:t>
+              </a:r>
+              <a:r>
+                <a:rPr lang="en-US" sz="1400" dirty="0" smtClean="0">
+                  <a:solidFill>
+                    <a:schemeClr val="tx1"/>
+                  </a:solidFill>
+                </a:rPr>
+                <a:t> </a:t>
               </a:r>
               <a:r>
                 <a:rPr lang="en-US" sz="1400" dirty="0">
@@ -31770,15 +31657,7 @@
                     <a:schemeClr val="tx1"/>
                   </a:solidFill>
                 </a:rPr>
-                <a:t>,…etc</a:t>
-              </a:r>
-              <a:r>
-                <a:rPr lang="en-US" sz="1400" dirty="0" smtClean="0">
-                  <a:solidFill>
-                    <a:schemeClr val="tx1"/>
-                  </a:solidFill>
-                </a:rPr>
-                <a:t>.</a:t>
+                <a:t>,…etc.</a:t>
               </a:r>
             </a:p>
             <a:p>
@@ -32579,12 +32458,6 @@
                 </a:rPr>
                 <a:t> new services to support improve Android OS.</a:t>
               </a:r>
-              <a:endParaRPr kumimoji="1" lang="en-US" sz="1400" dirty="0" smtClean="0">
-                <a:solidFill>
-                  <a:schemeClr val="tx1"/>
-                </a:solidFill>
-                <a:latin typeface="Arial (Body)"/>
-              </a:endParaRPr>
             </a:p>
           </p:txBody>
         </p:sp>

--- a/LAST_TERM/2042_TranChiKha_SS32_MentorMentee_26G.pptx
+++ b/LAST_TERM/2042_TranChiKha_SS32_MentorMentee_26G.pptx
@@ -6,27 +6,28 @@
     <p:sldMasterId id="2147483787" r:id="rId2"/>
   </p:sldMasterIdLst>
   <p:notesMasterIdLst>
-    <p:notesMasterId r:id="rId21"/>
+    <p:notesMasterId r:id="rId22"/>
   </p:notesMasterIdLst>
   <p:sldIdLst>
     <p:sldId id="328" r:id="rId3"/>
     <p:sldId id="482" r:id="rId4"/>
     <p:sldId id="489" r:id="rId5"/>
     <p:sldId id="472" r:id="rId6"/>
-    <p:sldId id="490" r:id="rId7"/>
-    <p:sldId id="473" r:id="rId8"/>
-    <p:sldId id="491" r:id="rId9"/>
-    <p:sldId id="462" r:id="rId10"/>
-    <p:sldId id="442" r:id="rId11"/>
-    <p:sldId id="463" r:id="rId12"/>
-    <p:sldId id="444" r:id="rId13"/>
-    <p:sldId id="492" r:id="rId14"/>
-    <p:sldId id="465" r:id="rId15"/>
+    <p:sldId id="494" r:id="rId7"/>
+    <p:sldId id="490" r:id="rId8"/>
+    <p:sldId id="495" r:id="rId9"/>
+    <p:sldId id="491" r:id="rId10"/>
+    <p:sldId id="462" r:id="rId11"/>
+    <p:sldId id="442" r:id="rId12"/>
+    <p:sldId id="463" r:id="rId13"/>
+    <p:sldId id="444" r:id="rId14"/>
+    <p:sldId id="492" r:id="rId15"/>
     <p:sldId id="474" r:id="rId16"/>
-    <p:sldId id="493" r:id="rId17"/>
-    <p:sldId id="476" r:id="rId18"/>
-    <p:sldId id="460" r:id="rId19"/>
-    <p:sldId id="453" r:id="rId20"/>
+    <p:sldId id="465" r:id="rId17"/>
+    <p:sldId id="493" r:id="rId18"/>
+    <p:sldId id="476" r:id="rId19"/>
+    <p:sldId id="460" r:id="rId20"/>
+    <p:sldId id="453" r:id="rId21"/>
   </p:sldIdLst>
   <p:sldSz cx="12192000" cy="6858000"/>
   <p:notesSz cx="6858000" cy="9144000"/>
@@ -7095,7 +7096,7 @@
           <a:p>
             <a:fld id="{6417C3E4-834A-4FDE-8876-3ED4986C368E}" type="datetimeFigureOut">
               <a:rPr lang="en-US" smtClean="0"/>
-              <a:t>11/20/2019</a:t>
+              <a:t>11/25/2019</a:t>
             </a:fld>
             <a:endParaRPr lang="en-US"/>
           </a:p>
@@ -7512,7 +7513,7 @@
           <a:p>
             <a:fld id="{A425D16B-934A-4DDA-AA9D-F9317AC24A5D}" type="slidenum">
               <a:rPr lang="en-US" smtClean="0"/>
-              <a:t>6</a:t>
+              <a:t>5</a:t>
             </a:fld>
             <a:endParaRPr lang="en-US" dirty="0"/>
           </a:p>
@@ -7521,7 +7522,7 @@
     </p:spTree>
     <p:extLst>
       <p:ext uri="{BB962C8B-B14F-4D97-AF65-F5344CB8AC3E}">
-        <p14:creationId xmlns:p14="http://schemas.microsoft.com/office/powerpoint/2010/main" val="1803198506"/>
+        <p14:creationId xmlns:p14="http://schemas.microsoft.com/office/powerpoint/2010/main" val="998505264"/>
       </p:ext>
     </p:extLst>
   </p:cSld>
@@ -7596,16 +7597,16 @@
           <a:p>
             <a:fld id="{A425D16B-934A-4DDA-AA9D-F9317AC24A5D}" type="slidenum">
               <a:rPr lang="en-US" smtClean="0"/>
-              <a:t>9</a:t>
+              <a:t>7</a:t>
             </a:fld>
-            <a:endParaRPr lang="en-US"/>
+            <a:endParaRPr lang="en-US" dirty="0"/>
           </a:p>
         </p:txBody>
       </p:sp>
     </p:spTree>
     <p:extLst>
       <p:ext uri="{BB962C8B-B14F-4D97-AF65-F5344CB8AC3E}">
-        <p14:creationId xmlns:p14="http://schemas.microsoft.com/office/powerpoint/2010/main" val="43342700"/>
+        <p14:creationId xmlns:p14="http://schemas.microsoft.com/office/powerpoint/2010/main" val="1195289519"/>
       </p:ext>
     </p:extLst>
   </p:cSld>
@@ -7681,6 +7682,90 @@
             <a:fld id="{A425D16B-934A-4DDA-AA9D-F9317AC24A5D}" type="slidenum">
               <a:rPr lang="en-US" smtClean="0"/>
               <a:t>10</a:t>
+            </a:fld>
+            <a:endParaRPr lang="en-US"/>
+          </a:p>
+        </p:txBody>
+      </p:sp>
+    </p:spTree>
+    <p:extLst>
+      <p:ext uri="{BB962C8B-B14F-4D97-AF65-F5344CB8AC3E}">
+        <p14:creationId xmlns:p14="http://schemas.microsoft.com/office/powerpoint/2010/main" val="43342700"/>
+      </p:ext>
+    </p:extLst>
+  </p:cSld>
+  <p:clrMapOvr>
+    <a:masterClrMapping/>
+  </p:clrMapOvr>
+</p:notes>
+</file>
+
+<file path=ppt/notesSlides/notesSlide5.xml><?xml version="1.0" encoding="utf-8"?>
+<p:notes xmlns:a="http://schemas.openxmlformats.org/drawingml/2006/main" xmlns:r="http://schemas.openxmlformats.org/officeDocument/2006/relationships" xmlns:p="http://schemas.openxmlformats.org/presentationml/2006/main">
+  <p:cSld>
+    <p:spTree>
+      <p:nvGrpSpPr>
+        <p:cNvPr id="1" name=""/>
+        <p:cNvGrpSpPr/>
+        <p:nvPr/>
+      </p:nvGrpSpPr>
+      <p:grpSpPr>
+        <a:xfrm>
+          <a:off x="0" y="0"/>
+          <a:ext cx="0" cy="0"/>
+          <a:chOff x="0" y="0"/>
+          <a:chExt cx="0" cy="0"/>
+        </a:xfrm>
+      </p:grpSpPr>
+      <p:sp>
+        <p:nvSpPr>
+          <p:cNvPr id="2" name="Slide Image Placeholder 1"/>
+          <p:cNvSpPr>
+            <a:spLocks noGrp="1" noRot="1" noChangeAspect="1"/>
+          </p:cNvSpPr>
+          <p:nvPr>
+            <p:ph type="sldImg"/>
+          </p:nvPr>
+        </p:nvSpPr>
+        <p:spPr/>
+      </p:sp>
+      <p:sp>
+        <p:nvSpPr>
+          <p:cNvPr id="3" name="Notes Placeholder 2"/>
+          <p:cNvSpPr>
+            <a:spLocks noGrp="1"/>
+          </p:cNvSpPr>
+          <p:nvPr>
+            <p:ph type="body" idx="1"/>
+          </p:nvPr>
+        </p:nvSpPr>
+        <p:spPr/>
+        <p:txBody>
+          <a:bodyPr/>
+          <a:lstStyle/>
+          <a:p>
+            <a:endParaRPr lang="en-US" dirty="0"/>
+          </a:p>
+        </p:txBody>
+      </p:sp>
+      <p:sp>
+        <p:nvSpPr>
+          <p:cNvPr id="4" name="Slide Number Placeholder 3"/>
+          <p:cNvSpPr>
+            <a:spLocks noGrp="1"/>
+          </p:cNvSpPr>
+          <p:nvPr>
+            <p:ph type="sldNum" sz="quarter" idx="10"/>
+          </p:nvPr>
+        </p:nvSpPr>
+        <p:spPr/>
+        <p:txBody>
+          <a:bodyPr/>
+          <a:lstStyle/>
+          <a:p>
+            <a:fld id="{A425D16B-934A-4DDA-AA9D-F9317AC24A5D}" type="slidenum">
+              <a:rPr lang="en-US" smtClean="0"/>
+              <a:t>11</a:t>
             </a:fld>
             <a:endParaRPr lang="en-US"/>
           </a:p>
@@ -22077,7 +22162,7 @@
           <a:p>
             <a:r>
               <a:rPr lang="en-US" dirty="0" smtClean="0"/>
-              <a:t>Current Status(2/3)</a:t>
+              <a:t>Current Status(1/3)</a:t>
             </a:r>
             <a:br>
               <a:rPr lang="en-US" dirty="0" smtClean="0"/>
@@ -22113,6 +22198,1186 @@
               <a:rPr lang="de-DE" smtClean="0"/>
               <a:pPr/>
               <a:t>10</a:t>
+            </a:fld>
+            <a:endParaRPr lang="de-DE" dirty="0"/>
+          </a:p>
+        </p:txBody>
+      </p:sp>
+      <p:sp>
+        <p:nvSpPr>
+          <p:cNvPr id="7" name="Rectangle 6"/>
+          <p:cNvSpPr/>
+          <p:nvPr/>
+        </p:nvSpPr>
+        <p:spPr>
+          <a:xfrm>
+            <a:off x="6988154" y="411002"/>
+            <a:ext cx="5103358" cy="630942"/>
+          </a:xfrm>
+          <a:prstGeom prst="rect">
+            <a:avLst/>
+          </a:prstGeom>
+          <a:noFill/>
+        </p:spPr>
+        <p:txBody>
+          <a:bodyPr wrap="square" lIns="91440" tIns="45720" rIns="91440" bIns="45720">
+            <a:spAutoFit/>
+          </a:bodyPr>
+          <a:lstStyle/>
+          <a:p>
+            <a:pPr algn="ctr"/>
+            <a:r>
+              <a:rPr lang="en-US" sz="3500" dirty="0" smtClean="0">
+                <a:ln w="0"/>
+                <a:solidFill>
+                  <a:schemeClr val="accent6"/>
+                </a:solidFill>
+              </a:rPr>
+              <a:t>CODING ENGNEER</a:t>
+            </a:r>
+            <a:endParaRPr lang="en-US" sz="3500" dirty="0">
+              <a:ln w="0"/>
+              <a:solidFill>
+                <a:schemeClr val="accent6"/>
+              </a:solidFill>
+            </a:endParaRPr>
+          </a:p>
+        </p:txBody>
+      </p:sp>
+      <p:grpSp>
+        <p:nvGrpSpPr>
+          <p:cNvPr id="8" name="Group 7"/>
+          <p:cNvGrpSpPr/>
+          <p:nvPr/>
+        </p:nvGrpSpPr>
+        <p:grpSpPr>
+          <a:xfrm>
+            <a:off x="464196" y="1818819"/>
+            <a:ext cx="11109138" cy="1906609"/>
+            <a:chOff x="464196" y="1818819"/>
+            <a:chExt cx="11109138" cy="1906609"/>
+          </a:xfrm>
+        </p:grpSpPr>
+        <p:sp>
+          <p:nvSpPr>
+            <p:cNvPr id="9" name="Rounded Rectangle 8"/>
+            <p:cNvSpPr/>
+            <p:nvPr/>
+          </p:nvSpPr>
+          <p:spPr>
+            <a:xfrm>
+              <a:off x="2707698" y="1820428"/>
+              <a:ext cx="8865636" cy="1905000"/>
+            </a:xfrm>
+            <a:prstGeom prst="roundRect">
+              <a:avLst/>
+            </a:prstGeom>
+            <a:solidFill>
+              <a:schemeClr val="accent1">
+                <a:lumMod val="20000"/>
+                <a:lumOff val="80000"/>
+              </a:schemeClr>
+            </a:solidFill>
+            <a:ln w="12700"/>
+          </p:spPr>
+          <p:style>
+            <a:lnRef idx="2">
+              <a:schemeClr val="accent1">
+                <a:shade val="50000"/>
+              </a:schemeClr>
+            </a:lnRef>
+            <a:fillRef idx="1">
+              <a:schemeClr val="accent1"/>
+            </a:fillRef>
+            <a:effectRef idx="0">
+              <a:schemeClr val="accent1"/>
+            </a:effectRef>
+            <a:fontRef idx="minor">
+              <a:schemeClr val="lt1"/>
+            </a:fontRef>
+          </p:style>
+          <p:txBody>
+            <a:bodyPr rtlCol="0" anchor="ctr"/>
+            <a:lstStyle/>
+            <a:p>
+              <a:pPr marL="285750" indent="-285750">
+                <a:spcAft>
+                  <a:spcPts val="400"/>
+                </a:spcAft>
+                <a:buFont typeface="Arial" panose="020B0604020202020204" pitchFamily="34" charset="0"/>
+                <a:buChar char="•"/>
+              </a:pPr>
+              <a:r>
+                <a:rPr lang="en-US" sz="1400" dirty="0" smtClean="0">
+                  <a:solidFill>
+                    <a:schemeClr val="tx1"/>
+                  </a:solidFill>
+                </a:rPr>
+                <a:t>Have </a:t>
+              </a:r>
+              <a:r>
+                <a:rPr lang="en-US" sz="1400" b="1" dirty="0">
+                  <a:solidFill>
+                    <a:srgbClr val="0070C0"/>
+                  </a:solidFill>
+                </a:rPr>
+                <a:t>sufficient</a:t>
+              </a:r>
+              <a:r>
+                <a:rPr lang="en-US" sz="1400" dirty="0" smtClean="0">
+                  <a:solidFill>
+                    <a:schemeClr val="tx1"/>
+                  </a:solidFill>
+                </a:rPr>
+                <a:t> </a:t>
+              </a:r>
+              <a:r>
+                <a:rPr lang="en-US" sz="1400" dirty="0">
+                  <a:solidFill>
+                    <a:schemeClr val="tx1"/>
+                  </a:solidFill>
+                </a:rPr>
+                <a:t>knowledge about </a:t>
+              </a:r>
+              <a:r>
+                <a:rPr lang="en-US" sz="1400" dirty="0" smtClean="0">
+                  <a:solidFill>
+                    <a:schemeClr val="tx1"/>
+                  </a:solidFill>
+                </a:rPr>
+                <a:t>C language and </a:t>
+              </a:r>
+              <a:r>
+                <a:rPr lang="en-US" sz="1400" dirty="0">
+                  <a:solidFill>
+                    <a:schemeClr val="tx1"/>
+                  </a:solidFill>
+                </a:rPr>
+                <a:t>bash scripts when doing </a:t>
+              </a:r>
+              <a:r>
+                <a:rPr lang="en-US" sz="1400" dirty="0" smtClean="0">
+                  <a:solidFill>
+                    <a:schemeClr val="tx1"/>
+                  </a:solidFill>
+                </a:rPr>
+                <a:t>porting drivers/modules task in Linux such as: u-boot, watchdog timer…,etc.</a:t>
+              </a:r>
+            </a:p>
+            <a:p>
+              <a:pPr marL="285750" indent="-285750">
+                <a:spcAft>
+                  <a:spcPts val="400"/>
+                </a:spcAft>
+                <a:buFont typeface="Arial" panose="020B0604020202020204" pitchFamily="34" charset="0"/>
+                <a:buChar char="•"/>
+              </a:pPr>
+              <a:r>
+                <a:rPr lang="en-US" sz="1400" dirty="0" smtClean="0">
+                  <a:solidFill>
+                    <a:schemeClr val="tx1"/>
+                  </a:solidFill>
+                </a:rPr>
+                <a:t>Have </a:t>
+              </a:r>
+              <a:r>
+                <a:rPr lang="en-US" sz="1400" b="1" dirty="0" smtClean="0">
+                  <a:solidFill>
+                    <a:srgbClr val="0070C0"/>
+                  </a:solidFill>
+                </a:rPr>
+                <a:t>sufficient knowledge</a:t>
+              </a:r>
+              <a:r>
+                <a:rPr lang="en-US" sz="1400" dirty="0" smtClean="0">
+                  <a:solidFill>
+                    <a:schemeClr val="tx1"/>
+                  </a:solidFill>
+                </a:rPr>
+                <a:t> about </a:t>
+              </a:r>
+              <a:r>
+                <a:rPr lang="en-US" sz="1400" b="1" dirty="0" smtClean="0">
+                  <a:solidFill>
+                    <a:srgbClr val="0070C0"/>
+                  </a:solidFill>
+                </a:rPr>
+                <a:t>C++</a:t>
+              </a:r>
+              <a:r>
+                <a:rPr lang="en-US" sz="1400" dirty="0" smtClean="0">
+                  <a:solidFill>
+                    <a:srgbClr val="0070C0"/>
+                  </a:solidFill>
+                </a:rPr>
+                <a:t>, </a:t>
+              </a:r>
+              <a:r>
+                <a:rPr lang="en-US" sz="1400" b="1" dirty="0" smtClean="0">
+                  <a:solidFill>
+                    <a:srgbClr val="0070C0"/>
+                  </a:solidFill>
+                </a:rPr>
+                <a:t>Java</a:t>
+              </a:r>
+              <a:r>
+                <a:rPr lang="en-US" sz="1400" dirty="0" smtClean="0">
+                  <a:solidFill>
+                    <a:schemeClr val="tx1"/>
+                  </a:solidFill>
+                </a:rPr>
+                <a:t> language to work with Android tasks.</a:t>
+              </a:r>
+            </a:p>
+            <a:p>
+              <a:pPr marL="285750" indent="-285750">
+                <a:spcAft>
+                  <a:spcPts val="400"/>
+                </a:spcAft>
+                <a:buFont typeface="Arial" panose="020B0604020202020204" pitchFamily="34" charset="0"/>
+                <a:buChar char="•"/>
+              </a:pPr>
+              <a:r>
+                <a:rPr lang="en-US" sz="1400" b="1" dirty="0" smtClean="0">
+                  <a:solidFill>
+                    <a:srgbClr val="0070C0"/>
+                  </a:solidFill>
+                </a:rPr>
+                <a:t>Good</a:t>
+              </a:r>
+              <a:r>
+                <a:rPr lang="en-US" sz="1400" dirty="0" smtClean="0">
+                  <a:solidFill>
+                    <a:srgbClr val="0070C0"/>
+                  </a:solidFill>
+                </a:rPr>
+                <a:t> </a:t>
+              </a:r>
+              <a:r>
+                <a:rPr lang="en-US" sz="1400" dirty="0">
+                  <a:solidFill>
+                    <a:schemeClr val="tx1"/>
+                  </a:solidFill>
+                </a:rPr>
+                <a:t>at debugging Android issues. Could </a:t>
+              </a:r>
+              <a:r>
+                <a:rPr lang="en-US" sz="1400" b="1" dirty="0">
+                  <a:solidFill>
+                    <a:srgbClr val="0070C0"/>
+                  </a:solidFill>
+                </a:rPr>
+                <a:t>suggest</a:t>
+              </a:r>
+              <a:r>
+                <a:rPr lang="en-US" sz="1400" dirty="0">
+                  <a:solidFill>
+                    <a:srgbClr val="0070C0"/>
+                  </a:solidFill>
+                </a:rPr>
+                <a:t> </a:t>
+              </a:r>
+              <a:r>
+                <a:rPr lang="en-US" sz="1400" dirty="0" smtClean="0">
+                  <a:solidFill>
+                    <a:schemeClr val="tx1"/>
+                  </a:solidFill>
+                </a:rPr>
+                <a:t>ideas</a:t>
+              </a:r>
+              <a:r>
+                <a:rPr lang="en-US" sz="1400" dirty="0" smtClean="0">
+                  <a:solidFill>
+                    <a:srgbClr val="0070C0"/>
+                  </a:solidFill>
+                </a:rPr>
+                <a:t> </a:t>
+              </a:r>
+              <a:r>
+                <a:rPr lang="en-US" sz="1400" dirty="0">
+                  <a:solidFill>
+                    <a:schemeClr val="tx1"/>
+                  </a:solidFill>
+                </a:rPr>
+                <a:t>to support colleague to debug Android issues</a:t>
+              </a:r>
+              <a:r>
+                <a:rPr lang="en-US" sz="1400" dirty="0" smtClean="0">
+                  <a:solidFill>
+                    <a:schemeClr val="tx1"/>
+                  </a:solidFill>
+                </a:rPr>
+                <a:t>.</a:t>
+              </a:r>
+              <a:endParaRPr lang="en-US" sz="1400" dirty="0">
+                <a:solidFill>
+                  <a:schemeClr val="tx1"/>
+                </a:solidFill>
+              </a:endParaRPr>
+            </a:p>
+          </p:txBody>
+        </p:sp>
+        <p:grpSp>
+          <p:nvGrpSpPr>
+            <p:cNvPr id="10" name="Group 9"/>
+            <p:cNvGrpSpPr/>
+            <p:nvPr/>
+          </p:nvGrpSpPr>
+          <p:grpSpPr>
+            <a:xfrm>
+              <a:off x="464196" y="1818819"/>
+              <a:ext cx="2089255" cy="1905000"/>
+              <a:chOff x="7239000" y="84563"/>
+              <a:chExt cx="2089255" cy="1905000"/>
+            </a:xfrm>
+          </p:grpSpPr>
+          <p:sp>
+            <p:nvSpPr>
+              <p:cNvPr id="11" name="Rounded Rectangle 10"/>
+              <p:cNvSpPr/>
+              <p:nvPr/>
+            </p:nvSpPr>
+            <p:spPr>
+              <a:xfrm>
+                <a:off x="7239000" y="84563"/>
+                <a:ext cx="2089255" cy="1905000"/>
+              </a:xfrm>
+              <a:prstGeom prst="roundRect">
+                <a:avLst/>
+              </a:prstGeom>
+              <a:solidFill>
+                <a:schemeClr val="accent1">
+                  <a:lumMod val="20000"/>
+                  <a:lumOff val="80000"/>
+                </a:schemeClr>
+              </a:solidFill>
+              <a:ln w="12700"/>
+            </p:spPr>
+            <p:style>
+              <a:lnRef idx="2">
+                <a:schemeClr val="accent1">
+                  <a:shade val="50000"/>
+                </a:schemeClr>
+              </a:lnRef>
+              <a:fillRef idx="1">
+                <a:schemeClr val="accent1"/>
+              </a:fillRef>
+              <a:effectRef idx="0">
+                <a:schemeClr val="accent1"/>
+              </a:effectRef>
+              <a:fontRef idx="minor">
+                <a:schemeClr val="lt1"/>
+              </a:fontRef>
+            </p:style>
+            <p:txBody>
+              <a:bodyPr rtlCol="0" anchor="b"/>
+              <a:lstStyle/>
+              <a:p>
+                <a:endParaRPr lang="en-US" sz="1100" dirty="0">
+                  <a:solidFill>
+                    <a:schemeClr val="tx1"/>
+                  </a:solidFill>
+                </a:endParaRPr>
+              </a:p>
+            </p:txBody>
+          </p:sp>
+          <p:grpSp>
+            <p:nvGrpSpPr>
+              <p:cNvPr id="12" name="Group 11"/>
+              <p:cNvGrpSpPr/>
+              <p:nvPr/>
+            </p:nvGrpSpPr>
+            <p:grpSpPr>
+              <a:xfrm>
+                <a:off x="7500880" y="526402"/>
+                <a:ext cx="1565493" cy="1021322"/>
+                <a:chOff x="6962579" y="286560"/>
+                <a:chExt cx="1565493" cy="1021322"/>
+              </a:xfrm>
+            </p:grpSpPr>
+            <p:grpSp>
+              <p:nvGrpSpPr>
+                <p:cNvPr id="13" name="Group 12"/>
+                <p:cNvGrpSpPr/>
+                <p:nvPr/>
+              </p:nvGrpSpPr>
+              <p:grpSpPr>
+                <a:xfrm>
+                  <a:off x="7315200" y="286560"/>
+                  <a:ext cx="837098" cy="674906"/>
+                  <a:chOff x="1955784" y="2194897"/>
+                  <a:chExt cx="837098" cy="674906"/>
+                </a:xfrm>
+              </p:grpSpPr>
+              <p:grpSp>
+                <p:nvGrpSpPr>
+                  <p:cNvPr id="15" name="Group 14"/>
+                  <p:cNvGrpSpPr/>
+                  <p:nvPr/>
+                </p:nvGrpSpPr>
+                <p:grpSpPr>
+                  <a:xfrm rot="20700000">
+                    <a:off x="1955784" y="2194897"/>
+                    <a:ext cx="506882" cy="660003"/>
+                    <a:chOff x="2286000" y="2209800"/>
+                    <a:chExt cx="506882" cy="660003"/>
+                  </a:xfrm>
+                </p:grpSpPr>
+                <p:pic>
+                  <p:nvPicPr>
+                    <p:cNvPr id="19" name="Picture 18"/>
+                    <p:cNvPicPr>
+                      <a:picLocks noChangeAspect="1"/>
+                    </p:cNvPicPr>
+                    <p:nvPr/>
+                  </p:nvPicPr>
+                  <p:blipFill>
+                    <a:blip r:embed="rId3" cstate="print">
+                      <a:extLst>
+                        <a:ext uri="{28A0092B-C50C-407E-A947-70E740481C1C}">
+                          <a14:useLocalDpi xmlns:a14="http://schemas.microsoft.com/office/drawing/2010/main" val="0"/>
+                        </a:ext>
+                      </a:extLst>
+                    </a:blip>
+                    <a:stretch>
+                      <a:fillRect/>
+                    </a:stretch>
+                  </p:blipFill>
+                  <p:spPr>
+                    <a:xfrm>
+                      <a:off x="2286000" y="2209800"/>
+                      <a:ext cx="506882" cy="660003"/>
+                    </a:xfrm>
+                    <a:prstGeom prst="rect">
+                      <a:avLst/>
+                    </a:prstGeom>
+                  </p:spPr>
+                </p:pic>
+                <p:sp>
+                  <p:nvSpPr>
+                    <p:cNvPr id="20" name="TextBox 19"/>
+                    <p:cNvSpPr txBox="1"/>
+                    <p:nvPr/>
+                  </p:nvSpPr>
+                  <p:spPr>
+                    <a:xfrm>
+                      <a:off x="2377377" y="2378218"/>
+                      <a:ext cx="301686" cy="323165"/>
+                    </a:xfrm>
+                    <a:prstGeom prst="rect">
+                      <a:avLst/>
+                    </a:prstGeom>
+                    <a:noFill/>
+                  </p:spPr>
+                  <p:txBody>
+                    <a:bodyPr wrap="none" rtlCol="0">
+                      <a:spAutoFit/>
+                    </a:bodyPr>
+                    <a:lstStyle/>
+                    <a:p>
+                      <a:r>
+                        <a:rPr lang="en-US" sz="1500" b="1" dirty="0">
+                          <a:solidFill>
+                            <a:schemeClr val="accent2"/>
+                          </a:solidFill>
+                        </a:rPr>
+                        <a:t>h</a:t>
+                      </a:r>
+                    </a:p>
+                  </p:txBody>
+                </p:sp>
+              </p:grpSp>
+              <p:grpSp>
+                <p:nvGrpSpPr>
+                  <p:cNvPr id="16" name="Group 15"/>
+                  <p:cNvGrpSpPr/>
+                  <p:nvPr/>
+                </p:nvGrpSpPr>
+                <p:grpSpPr>
+                  <a:xfrm rot="900000">
+                    <a:off x="2286000" y="2209800"/>
+                    <a:ext cx="506882" cy="660003"/>
+                    <a:chOff x="2286000" y="2209800"/>
+                    <a:chExt cx="506882" cy="660003"/>
+                  </a:xfrm>
+                </p:grpSpPr>
+                <p:pic>
+                  <p:nvPicPr>
+                    <p:cNvPr id="17" name="Picture 16"/>
+                    <p:cNvPicPr>
+                      <a:picLocks noChangeAspect="1"/>
+                    </p:cNvPicPr>
+                    <p:nvPr/>
+                  </p:nvPicPr>
+                  <p:blipFill>
+                    <a:blip r:embed="rId3" cstate="print">
+                      <a:extLst>
+                        <a:ext uri="{28A0092B-C50C-407E-A947-70E740481C1C}">
+                          <a14:useLocalDpi xmlns:a14="http://schemas.microsoft.com/office/drawing/2010/main" val="0"/>
+                        </a:ext>
+                      </a:extLst>
+                    </a:blip>
+                    <a:stretch>
+                      <a:fillRect/>
+                    </a:stretch>
+                  </p:blipFill>
+                  <p:spPr>
+                    <a:xfrm>
+                      <a:off x="2286000" y="2209800"/>
+                      <a:ext cx="506882" cy="660003"/>
+                    </a:xfrm>
+                    <a:prstGeom prst="rect">
+                      <a:avLst/>
+                    </a:prstGeom>
+                  </p:spPr>
+                </p:pic>
+                <p:sp>
+                  <p:nvSpPr>
+                    <p:cNvPr id="18" name="TextBox 17"/>
+                    <p:cNvSpPr txBox="1"/>
+                    <p:nvPr/>
+                  </p:nvSpPr>
+                  <p:spPr>
+                    <a:xfrm>
+                      <a:off x="2377377" y="2378218"/>
+                      <a:ext cx="324128" cy="323165"/>
+                    </a:xfrm>
+                    <a:prstGeom prst="rect">
+                      <a:avLst/>
+                    </a:prstGeom>
+                    <a:noFill/>
+                  </p:spPr>
+                  <p:txBody>
+                    <a:bodyPr wrap="none" rtlCol="0">
+                      <a:spAutoFit/>
+                    </a:bodyPr>
+                    <a:lstStyle/>
+                    <a:p>
+                      <a:r>
+                        <a:rPr lang="en-US" sz="1500" b="1" dirty="0" smtClean="0">
+                          <a:solidFill>
+                            <a:srgbClr val="0070C0"/>
+                          </a:solidFill>
+                        </a:rPr>
+                        <a:t>C</a:t>
+                      </a:r>
+                      <a:endParaRPr lang="en-US" sz="1500" b="1" dirty="0">
+                        <a:solidFill>
+                          <a:srgbClr val="0070C0"/>
+                        </a:solidFill>
+                      </a:endParaRPr>
+                    </a:p>
+                  </p:txBody>
+                </p:sp>
+              </p:grpSp>
+            </p:grpSp>
+            <p:sp>
+              <p:nvSpPr>
+                <p:cNvPr id="14" name="TextBox 13"/>
+                <p:cNvSpPr txBox="1"/>
+                <p:nvPr/>
+              </p:nvSpPr>
+              <p:spPr>
+                <a:xfrm>
+                  <a:off x="6962579" y="938550"/>
+                  <a:ext cx="1565493" cy="369332"/>
+                </a:xfrm>
+                <a:prstGeom prst="rect">
+                  <a:avLst/>
+                </a:prstGeom>
+                <a:noFill/>
+              </p:spPr>
+              <p:txBody>
+                <a:bodyPr wrap="none" rtlCol="0">
+                  <a:spAutoFit/>
+                </a:bodyPr>
+                <a:lstStyle/>
+                <a:p>
+                  <a:r>
+                    <a:rPr lang="en-US" b="1" dirty="0" smtClean="0">
+                      <a:latin typeface="Times New Roman" panose="02020603050405020304" pitchFamily="18" charset="0"/>
+                      <a:cs typeface="Times New Roman" panose="02020603050405020304" pitchFamily="18" charset="0"/>
+                    </a:rPr>
+                    <a:t>Programming</a:t>
+                  </a:r>
+                  <a:endParaRPr lang="en-US" b="1" dirty="0">
+                    <a:latin typeface="Times New Roman" panose="02020603050405020304" pitchFamily="18" charset="0"/>
+                    <a:cs typeface="Times New Roman" panose="02020603050405020304" pitchFamily="18" charset="0"/>
+                  </a:endParaRPr>
+                </a:p>
+              </p:txBody>
+            </p:sp>
+          </p:grpSp>
+        </p:grpSp>
+      </p:grpSp>
+      <p:grpSp>
+        <p:nvGrpSpPr>
+          <p:cNvPr id="21" name="Group 20"/>
+          <p:cNvGrpSpPr/>
+          <p:nvPr/>
+        </p:nvGrpSpPr>
+        <p:grpSpPr>
+          <a:xfrm>
+            <a:off x="479376" y="3951172"/>
+            <a:ext cx="11092886" cy="1489081"/>
+            <a:chOff x="480449" y="3899677"/>
+            <a:chExt cx="11092886" cy="1489081"/>
+          </a:xfrm>
+        </p:grpSpPr>
+        <p:grpSp>
+          <p:nvGrpSpPr>
+            <p:cNvPr id="22" name="Group 21"/>
+            <p:cNvGrpSpPr/>
+            <p:nvPr/>
+          </p:nvGrpSpPr>
+          <p:grpSpPr>
+            <a:xfrm>
+              <a:off x="480449" y="3909867"/>
+              <a:ext cx="2349578" cy="1478891"/>
+              <a:chOff x="480449" y="3909867"/>
+              <a:chExt cx="2349578" cy="1478891"/>
+            </a:xfrm>
+          </p:grpSpPr>
+          <p:sp>
+            <p:nvSpPr>
+              <p:cNvPr id="24" name="Rounded Rectangle 23"/>
+              <p:cNvSpPr/>
+              <p:nvPr/>
+            </p:nvSpPr>
+            <p:spPr>
+              <a:xfrm>
+                <a:off x="480449" y="3909867"/>
+                <a:ext cx="2089255" cy="1478891"/>
+              </a:xfrm>
+              <a:prstGeom prst="roundRect">
+                <a:avLst/>
+              </a:prstGeom>
+              <a:solidFill>
+                <a:schemeClr val="accent2">
+                  <a:lumMod val="20000"/>
+                  <a:lumOff val="80000"/>
+                </a:schemeClr>
+              </a:solidFill>
+              <a:ln w="12700"/>
+            </p:spPr>
+            <p:style>
+              <a:lnRef idx="2">
+                <a:schemeClr val="accent1">
+                  <a:shade val="50000"/>
+                </a:schemeClr>
+              </a:lnRef>
+              <a:fillRef idx="1">
+                <a:schemeClr val="accent1"/>
+              </a:fillRef>
+              <a:effectRef idx="0">
+                <a:schemeClr val="accent1"/>
+              </a:effectRef>
+              <a:fontRef idx="minor">
+                <a:schemeClr val="lt1"/>
+              </a:fontRef>
+            </p:style>
+            <p:txBody>
+              <a:bodyPr rtlCol="0" anchor="b"/>
+              <a:lstStyle/>
+              <a:p>
+                <a:endParaRPr lang="en-US" sz="1100" dirty="0">
+                  <a:solidFill>
+                    <a:schemeClr val="tx1"/>
+                  </a:solidFill>
+                </a:endParaRPr>
+              </a:p>
+            </p:txBody>
+          </p:sp>
+          <p:grpSp>
+            <p:nvGrpSpPr>
+              <p:cNvPr id="25" name="Group 24"/>
+              <p:cNvGrpSpPr/>
+              <p:nvPr/>
+            </p:nvGrpSpPr>
+            <p:grpSpPr>
+              <a:xfrm>
+                <a:off x="768481" y="4256404"/>
+                <a:ext cx="2061546" cy="1132354"/>
+                <a:chOff x="8869288" y="353099"/>
+                <a:chExt cx="2061546" cy="1132354"/>
+              </a:xfrm>
+            </p:grpSpPr>
+            <p:cxnSp>
+              <p:nvCxnSpPr>
+                <p:cNvPr id="40" name="Straight Connector 39"/>
+                <p:cNvCxnSpPr/>
+                <p:nvPr/>
+              </p:nvCxnSpPr>
+              <p:spPr>
+                <a:xfrm rot="5400000">
+                  <a:off x="10881124" y="402809"/>
+                  <a:ext cx="99420" cy="0"/>
+                </a:xfrm>
+                <a:prstGeom prst="line">
+                  <a:avLst/>
+                </a:prstGeom>
+                <a:ln w="28575">
+                  <a:solidFill>
+                    <a:schemeClr val="tx1"/>
+                  </a:solidFill>
+                </a:ln>
+              </p:spPr>
+              <p:style>
+                <a:lnRef idx="1">
+                  <a:schemeClr val="accent1"/>
+                </a:lnRef>
+                <a:fillRef idx="0">
+                  <a:schemeClr val="accent1"/>
+                </a:fillRef>
+                <a:effectRef idx="0">
+                  <a:schemeClr val="accent1"/>
+                </a:effectRef>
+                <a:fontRef idx="minor">
+                  <a:schemeClr val="tx1"/>
+                </a:fontRef>
+              </p:style>
+            </p:cxnSp>
+            <p:sp>
+              <p:nvSpPr>
+                <p:cNvPr id="27" name="TextBox 26"/>
+                <p:cNvSpPr txBox="1"/>
+                <p:nvPr/>
+              </p:nvSpPr>
+              <p:spPr>
+                <a:xfrm>
+                  <a:off x="8869288" y="839122"/>
+                  <a:ext cx="1663927" cy="646331"/>
+                </a:xfrm>
+                <a:prstGeom prst="rect">
+                  <a:avLst/>
+                </a:prstGeom>
+                <a:noFill/>
+              </p:spPr>
+              <p:txBody>
+                <a:bodyPr wrap="square" rtlCol="0">
+                  <a:spAutoFit/>
+                </a:bodyPr>
+                <a:lstStyle/>
+                <a:p>
+                  <a:r>
+                    <a:rPr lang="en-US" b="1" dirty="0" smtClean="0">
+                      <a:latin typeface="Times New Roman" panose="02020603050405020304" pitchFamily="18" charset="0"/>
+                      <a:cs typeface="Times New Roman" panose="02020603050405020304" pitchFamily="18" charset="0"/>
+                    </a:rPr>
+                    <a:t>Development </a:t>
+                  </a:r>
+                </a:p>
+                <a:p>
+                  <a:r>
+                    <a:rPr lang="en-US" b="1" dirty="0" smtClean="0">
+                      <a:latin typeface="Times New Roman" panose="02020603050405020304" pitchFamily="18" charset="0"/>
+                      <a:cs typeface="Times New Roman" panose="02020603050405020304" pitchFamily="18" charset="0"/>
+                    </a:rPr>
+                    <a:t>environment</a:t>
+                  </a:r>
+                  <a:endParaRPr lang="en-US" b="1" dirty="0">
+                    <a:latin typeface="Times New Roman" panose="02020603050405020304" pitchFamily="18" charset="0"/>
+                    <a:cs typeface="Times New Roman" panose="02020603050405020304" pitchFamily="18" charset="0"/>
+                  </a:endParaRPr>
+                </a:p>
+              </p:txBody>
+            </p:sp>
+          </p:grpSp>
+        </p:grpSp>
+        <p:sp>
+          <p:nvSpPr>
+            <p:cNvPr id="23" name="Rounded Rectangle 22"/>
+            <p:cNvSpPr/>
+            <p:nvPr/>
+          </p:nvSpPr>
+          <p:spPr>
+            <a:xfrm>
+              <a:off x="2707698" y="3899677"/>
+              <a:ext cx="8865637" cy="1489081"/>
+            </a:xfrm>
+            <a:prstGeom prst="roundRect">
+              <a:avLst/>
+            </a:prstGeom>
+            <a:solidFill>
+              <a:schemeClr val="accent2">
+                <a:lumMod val="20000"/>
+                <a:lumOff val="80000"/>
+              </a:schemeClr>
+            </a:solidFill>
+            <a:ln w="12700"/>
+          </p:spPr>
+          <p:style>
+            <a:lnRef idx="2">
+              <a:schemeClr val="accent1">
+                <a:shade val="50000"/>
+              </a:schemeClr>
+            </a:lnRef>
+            <a:fillRef idx="1">
+              <a:schemeClr val="accent1"/>
+            </a:fillRef>
+            <a:effectRef idx="0">
+              <a:schemeClr val="accent1"/>
+            </a:effectRef>
+            <a:fontRef idx="minor">
+              <a:schemeClr val="lt1"/>
+            </a:fontRef>
+          </p:style>
+          <p:txBody>
+            <a:bodyPr rtlCol="0" anchor="ctr"/>
+            <a:lstStyle/>
+            <a:p>
+              <a:pPr marL="285750" indent="-285750">
+                <a:spcAft>
+                  <a:spcPts val="400"/>
+                </a:spcAft>
+                <a:buFont typeface="Arial" panose="020B0604020202020204" pitchFamily="34" charset="0"/>
+                <a:buChar char="•"/>
+              </a:pPr>
+              <a:r>
+                <a:rPr kumimoji="1" lang="en-US" sz="1400" dirty="0" smtClean="0">
+                  <a:solidFill>
+                    <a:schemeClr val="tx1"/>
+                  </a:solidFill>
+                  <a:latin typeface="Arial (Body)"/>
+                </a:rPr>
+                <a:t>Can </a:t>
+              </a:r>
+              <a:r>
+                <a:rPr kumimoji="1" lang="en-US" sz="1400" dirty="0">
+                  <a:solidFill>
+                    <a:schemeClr val="tx1"/>
+                  </a:solidFill>
+                  <a:latin typeface="Arial (Body)"/>
+                </a:rPr>
+                <a:t>understand and modify recipes of </a:t>
+              </a:r>
+              <a:r>
+                <a:rPr kumimoji="1" lang="en-US" sz="1400" dirty="0" smtClean="0">
+                  <a:solidFill>
+                    <a:schemeClr val="tx1"/>
+                  </a:solidFill>
+                  <a:latin typeface="Arial (Body)"/>
+                </a:rPr>
+                <a:t>RZ/G environment</a:t>
+              </a:r>
+              <a:r>
+                <a:rPr kumimoji="1" lang="en-US" sz="1400" dirty="0">
+                  <a:solidFill>
+                    <a:schemeClr val="tx1"/>
+                  </a:solidFill>
+                  <a:latin typeface="Arial (Body)"/>
+                </a:rPr>
+                <a:t> </a:t>
+              </a:r>
+              <a:r>
+                <a:rPr kumimoji="1" lang="en-US" sz="1400" dirty="0" smtClean="0">
+                  <a:solidFill>
+                    <a:schemeClr val="tx1"/>
+                  </a:solidFill>
+                  <a:latin typeface="Arial (Body)"/>
+                </a:rPr>
+                <a:t>in </a:t>
+              </a:r>
+              <a:r>
+                <a:rPr kumimoji="1" lang="en-US" sz="1400" dirty="0" err="1" smtClean="0">
+                  <a:solidFill>
+                    <a:schemeClr val="tx1"/>
+                  </a:solidFill>
+                  <a:latin typeface="Arial (Body)"/>
+                </a:rPr>
+                <a:t>Yocto</a:t>
+              </a:r>
+              <a:r>
+                <a:rPr kumimoji="1" lang="en-US" sz="1400" dirty="0" smtClean="0">
+                  <a:solidFill>
+                    <a:schemeClr val="tx1"/>
+                  </a:solidFill>
+                  <a:latin typeface="Arial (Body)"/>
+                </a:rPr>
+                <a:t>.</a:t>
+              </a:r>
+            </a:p>
+            <a:p>
+              <a:pPr marL="285750" indent="-285750">
+                <a:spcAft>
+                  <a:spcPts val="400"/>
+                </a:spcAft>
+                <a:buFont typeface="Arial" panose="020B0604020202020204" pitchFamily="34" charset="0"/>
+                <a:buChar char="•"/>
+              </a:pPr>
+              <a:r>
+                <a:rPr kumimoji="1" lang="en-US" sz="1400" dirty="0" smtClean="0">
+                  <a:solidFill>
+                    <a:schemeClr val="tx1"/>
+                  </a:solidFill>
+                  <a:latin typeface="Arial (Body)"/>
+                </a:rPr>
+                <a:t>Understand </a:t>
+              </a:r>
+              <a:r>
+                <a:rPr kumimoji="1" lang="en-US" sz="1400" b="1" dirty="0" smtClean="0">
+                  <a:solidFill>
+                    <a:srgbClr val="0070C0"/>
+                  </a:solidFill>
+                  <a:latin typeface="Arial (Body)"/>
+                </a:rPr>
+                <a:t>whole RZ/G Android system</a:t>
+              </a:r>
+              <a:r>
+                <a:rPr kumimoji="1" lang="en-US" sz="1400" dirty="0" smtClean="0">
+                  <a:solidFill>
+                    <a:schemeClr val="tx1"/>
+                  </a:solidFill>
+                  <a:latin typeface="Arial (Body)"/>
+                </a:rPr>
+                <a:t>: Kernel, bootloaders, device configuration, HAL,…etc. </a:t>
+              </a:r>
+              <a:r>
+                <a:rPr kumimoji="1" lang="en-US" sz="1400" dirty="0">
+                  <a:solidFill>
+                    <a:schemeClr val="tx1"/>
+                  </a:solidFill>
+                  <a:latin typeface="Arial (Body)"/>
+                </a:rPr>
+                <a:t>H</a:t>
+              </a:r>
+              <a:r>
+                <a:rPr kumimoji="1" lang="en-US" sz="1400" dirty="0" smtClean="0">
+                  <a:solidFill>
+                    <a:schemeClr val="tx1"/>
+                  </a:solidFill>
+                  <a:latin typeface="Arial (Body)"/>
+                </a:rPr>
+                <a:t>ave </a:t>
+              </a:r>
+              <a:r>
+                <a:rPr lang="en-US" sz="1400" b="1" dirty="0" smtClean="0">
+                  <a:solidFill>
+                    <a:srgbClr val="0070C0"/>
+                  </a:solidFill>
+                </a:rPr>
+                <a:t>sufficient knowledge </a:t>
+              </a:r>
+              <a:r>
+                <a:rPr lang="en-US" sz="1400" dirty="0" smtClean="0">
+                  <a:solidFill>
+                    <a:schemeClr val="tx1"/>
+                  </a:solidFill>
+                </a:rPr>
+                <a:t>about </a:t>
+              </a:r>
+              <a:r>
+                <a:rPr lang="en-US" sz="1400" b="1" dirty="0" smtClean="0">
+                  <a:solidFill>
+                    <a:srgbClr val="0070C0"/>
+                  </a:solidFill>
+                </a:rPr>
+                <a:t>Android framework.</a:t>
+              </a:r>
+              <a:r>
+                <a:rPr kumimoji="1" lang="en-US" sz="1400" dirty="0" smtClean="0">
+                  <a:solidFill>
+                    <a:schemeClr val="tx1"/>
+                  </a:solidFill>
+                  <a:latin typeface="Arial (Body)"/>
+                </a:rPr>
+                <a:t> Can </a:t>
+              </a:r>
+              <a:r>
+                <a:rPr kumimoji="1" lang="en-US" sz="1400" b="1" dirty="0" smtClean="0">
+                  <a:solidFill>
+                    <a:srgbClr val="0070C0"/>
+                  </a:solidFill>
+                  <a:latin typeface="Arial (Body)"/>
+                </a:rPr>
+                <a:t>modify </a:t>
+              </a:r>
+              <a:r>
+                <a:rPr kumimoji="1" lang="en-US" sz="1400" dirty="0" smtClean="0">
+                  <a:solidFill>
+                    <a:schemeClr val="tx1"/>
+                  </a:solidFill>
+                  <a:latin typeface="Arial (Body)"/>
+                </a:rPr>
+                <a:t>and</a:t>
+              </a:r>
+              <a:r>
+                <a:rPr kumimoji="1" lang="en-US" sz="1400" b="1" dirty="0" smtClean="0">
+                  <a:solidFill>
+                    <a:srgbClr val="0070C0"/>
+                  </a:solidFill>
+                  <a:latin typeface="Arial (Body)"/>
+                </a:rPr>
+                <a:t> create</a:t>
+              </a:r>
+              <a:r>
+                <a:rPr kumimoji="1" lang="en-US" sz="1400" dirty="0" smtClean="0">
+                  <a:solidFill>
+                    <a:schemeClr val="tx1"/>
+                  </a:solidFill>
+                  <a:latin typeface="Arial (Body)"/>
+                </a:rPr>
+                <a:t> new services to support improve Android OS.</a:t>
+              </a:r>
+            </a:p>
+          </p:txBody>
+        </p:sp>
+      </p:grpSp>
+      <p:pic>
+        <p:nvPicPr>
+          <p:cNvPr id="3" name="Picture 2"/>
+          <p:cNvPicPr>
+            <a:picLocks noChangeAspect="1"/>
+          </p:cNvPicPr>
+          <p:nvPr/>
+        </p:nvPicPr>
+        <p:blipFill>
+          <a:blip r:embed="rId4" cstate="print">
+            <a:extLst>
+              <a:ext uri="{28A0092B-C50C-407E-A947-70E740481C1C}">
+                <a14:useLocalDpi xmlns:a14="http://schemas.microsoft.com/office/drawing/2010/main" val="0"/>
+              </a:ext>
+            </a:extLst>
+          </a:blip>
+          <a:stretch>
+            <a:fillRect/>
+          </a:stretch>
+        </p:blipFill>
+        <p:spPr>
+          <a:xfrm>
+            <a:off x="1541599" y="4066005"/>
+            <a:ext cx="1060383" cy="795287"/>
+          </a:xfrm>
+          <a:prstGeom prst="rect">
+            <a:avLst/>
+          </a:prstGeom>
+        </p:spPr>
+      </p:pic>
+      <p:pic>
+        <p:nvPicPr>
+          <p:cNvPr id="56" name="Picture 55"/>
+          <p:cNvPicPr>
+            <a:picLocks noChangeAspect="1"/>
+          </p:cNvPicPr>
+          <p:nvPr/>
+        </p:nvPicPr>
+        <p:blipFill>
+          <a:blip r:embed="rId5" cstate="print">
+            <a:extLst>
+              <a:ext uri="{28A0092B-C50C-407E-A947-70E740481C1C}">
+                <a14:useLocalDpi xmlns:a14="http://schemas.microsoft.com/office/drawing/2010/main" val="0"/>
+              </a:ext>
+            </a:extLst>
+          </a:blip>
+          <a:stretch>
+            <a:fillRect/>
+          </a:stretch>
+        </p:blipFill>
+        <p:spPr>
+          <a:xfrm>
+            <a:off x="717184" y="4236842"/>
+            <a:ext cx="1134641" cy="429788"/>
+          </a:xfrm>
+          <a:prstGeom prst="rect">
+            <a:avLst/>
+          </a:prstGeom>
+        </p:spPr>
+      </p:pic>
+    </p:spTree>
+    <p:extLst>
+      <p:ext uri="{BB962C8B-B14F-4D97-AF65-F5344CB8AC3E}">
+        <p14:creationId xmlns:p14="http://schemas.microsoft.com/office/powerpoint/2010/main" val="2882065103"/>
+      </p:ext>
+    </p:extLst>
+  </p:cSld>
+  <p:clrMapOvr>
+    <a:masterClrMapping/>
+  </p:clrMapOvr>
+  <p:timing>
+    <p:tnLst>
+      <p:par>
+        <p:cTn id="1" dur="indefinite" restart="never" nodeType="tmRoot"/>
+      </p:par>
+    </p:tnLst>
+  </p:timing>
+</p:sld>
+</file>
+
+<file path=ppt/slides/slide11.xml><?xml version="1.0" encoding="utf-8"?>
+<p:sld xmlns:a="http://schemas.openxmlformats.org/drawingml/2006/main" xmlns:r="http://schemas.openxmlformats.org/officeDocument/2006/relationships" xmlns:p="http://schemas.openxmlformats.org/presentationml/2006/main">
+  <p:cSld>
+    <p:spTree>
+      <p:nvGrpSpPr>
+        <p:cNvPr id="1" name=""/>
+        <p:cNvGrpSpPr/>
+        <p:nvPr/>
+      </p:nvGrpSpPr>
+      <p:grpSpPr>
+        <a:xfrm>
+          <a:off x="0" y="0"/>
+          <a:ext cx="0" cy="0"/>
+          <a:chOff x="0" y="0"/>
+          <a:chExt cx="0" cy="0"/>
+        </a:xfrm>
+      </p:grpSpPr>
+      <p:sp>
+        <p:nvSpPr>
+          <p:cNvPr id="5" name="Title 4"/>
+          <p:cNvSpPr>
+            <a:spLocks noGrp="1"/>
+          </p:cNvSpPr>
+          <p:nvPr>
+            <p:ph type="title"/>
+          </p:nvPr>
+        </p:nvSpPr>
+        <p:spPr>
+          <a:xfrm>
+            <a:off x="479376" y="266047"/>
+            <a:ext cx="11242224" cy="858697"/>
+          </a:xfrm>
+        </p:spPr>
+        <p:txBody>
+          <a:bodyPr/>
+          <a:lstStyle/>
+          <a:p>
+            <a:r>
+              <a:rPr lang="en-US" dirty="0" smtClean="0"/>
+              <a:t>Current Status(2/3)</a:t>
+            </a:r>
+            <a:br>
+              <a:rPr lang="en-US" dirty="0" smtClean="0"/>
+            </a:br>
+            <a:r>
+              <a:rPr lang="en-US" sz="2800" dirty="0" smtClean="0"/>
+              <a:t>Technical skills</a:t>
+            </a:r>
+            <a:endParaRPr lang="en-US" sz="2800" dirty="0"/>
+          </a:p>
+        </p:txBody>
+      </p:sp>
+      <p:sp>
+        <p:nvSpPr>
+          <p:cNvPr id="4" name="Slide Number Placeholder 3"/>
+          <p:cNvSpPr>
+            <a:spLocks noGrp="1"/>
+          </p:cNvSpPr>
+          <p:nvPr>
+            <p:ph type="sldNum" sz="quarter" idx="10"/>
+          </p:nvPr>
+        </p:nvSpPr>
+        <p:spPr/>
+        <p:txBody>
+          <a:bodyPr/>
+          <a:lstStyle/>
+          <a:p>
+            <a:r>
+              <a:rPr lang="de-DE" dirty="0" smtClean="0"/>
+              <a:t>Page </a:t>
+            </a:r>
+            <a:fld id="{3FD030EF-7044-4946-962A-5D7D09BD1B34}" type="slidenum">
+              <a:rPr lang="de-DE" smtClean="0"/>
+              <a:pPr/>
+              <a:t>11</a:t>
             </a:fld>
             <a:endParaRPr lang="de-DE" dirty="0"/>
           </a:p>
@@ -22662,7 +23927,31 @@
                     <a:schemeClr val="tx1"/>
                   </a:solidFill>
                 </a:rPr>
-                <a:t>, set </a:t>
+                <a:t>, </a:t>
+              </a:r>
+              <a:r>
+                <a:rPr lang="en-US" sz="1400" b="1" dirty="0">
+                  <a:solidFill>
+                    <a:srgbClr val="0070C0"/>
+                  </a:solidFill>
+                </a:rPr>
+                <a:t>evaluate</a:t>
+              </a:r>
+              <a:r>
+                <a:rPr lang="en-US" sz="1400" dirty="0">
+                  <a:solidFill>
+                    <a:schemeClr val="tx1"/>
+                  </a:solidFill>
+                </a:rPr>
+                <a:t> </a:t>
+              </a:r>
+              <a:r>
+                <a:rPr lang="en-US" sz="1400" dirty="0" smtClean="0">
+                  <a:solidFill>
+                    <a:schemeClr val="tx1"/>
+                  </a:solidFill>
+                </a:rPr>
+                <a:t>difficulty level, set </a:t>
               </a:r>
               <a:r>
                 <a:rPr lang="en-US" sz="1400" b="1" dirty="0" smtClean="0">
@@ -22836,7 +24125,7 @@
 </p:sld>
 </file>
 
-<file path=ppt/slides/slide11.xml><?xml version="1.0" encoding="utf-8"?>
+<file path=ppt/slides/slide12.xml><?xml version="1.0" encoding="utf-8"?>
 <p:sld xmlns:a="http://schemas.openxmlformats.org/drawingml/2006/main" xmlns:r="http://schemas.openxmlformats.org/officeDocument/2006/relationships" xmlns:p="http://schemas.openxmlformats.org/presentationml/2006/main">
   <p:cSld>
     <p:spTree>
@@ -22918,7 +24207,7 @@
             <a:fld id="{3FD030EF-7044-4946-962A-5D7D09BD1B34}" type="slidenum">
               <a:rPr lang="de-DE" smtClean="0"/>
               <a:pPr/>
-              <a:t>11</a:t>
+              <a:t>12</a:t>
             </a:fld>
             <a:endParaRPr lang="de-DE" dirty="0"/>
           </a:p>
@@ -23726,7 +25015,7 @@
 </p:sld>
 </file>
 
-<file path=ppt/slides/slide12.xml><?xml version="1.0" encoding="utf-8"?>
+<file path=ppt/slides/slide13.xml><?xml version="1.0" encoding="utf-8"?>
 <p:sld xmlns:a="http://schemas.openxmlformats.org/drawingml/2006/main" xmlns:r="http://schemas.openxmlformats.org/officeDocument/2006/relationships" xmlns:p="http://schemas.openxmlformats.org/presentationml/2006/main">
   <p:cSld>
     <p:spTree>
@@ -23788,7 +25077,7 @@
             <a:fld id="{3FD030EF-7044-4946-962A-5D7D09BD1B34}" type="slidenum">
               <a:rPr lang="de-DE" smtClean="0"/>
               <a:pPr/>
-              <a:t>12</a:t>
+              <a:t>13</a:t>
             </a:fld>
             <a:endParaRPr lang="de-DE" dirty="0"/>
           </a:p>
@@ -23838,7 +25127,7 @@
             </a:r>
             <a:r>
               <a:rPr lang="de-DE" dirty="0" smtClean="0"/>
-              <a:t>06</a:t>
+              <a:t>07</a:t>
             </a:r>
             <a:endParaRPr lang="de-DE" dirty="0"/>
           </a:p>
@@ -23849,7 +25138,7 @@
             </a:r>
             <a:r>
               <a:rPr lang="de-DE" dirty="0" smtClean="0"/>
-              <a:t>08</a:t>
+              <a:t>09</a:t>
             </a:r>
             <a:endParaRPr lang="de-DE" dirty="0"/>
           </a:p>
@@ -23860,8 +25149,21 @@
                   <a:srgbClr val="0070C0"/>
                 </a:solidFill>
               </a:rPr>
-              <a:t>Difficulties and Solution	Page 13</a:t>
-            </a:r>
+              <a:t>Difficulties and Solution	Page </a:t>
+            </a:r>
+            <a:r>
+              <a:rPr lang="de-DE" b="1" dirty="0" smtClean="0">
+                <a:solidFill>
+                  <a:srgbClr val="0070C0"/>
+                </a:solidFill>
+              </a:rPr>
+              <a:t>14</a:t>
+            </a:r>
+            <a:endParaRPr lang="de-DE" b="1" dirty="0" smtClean="0">
+              <a:solidFill>
+                <a:srgbClr val="0070C0"/>
+              </a:solidFill>
+            </a:endParaRPr>
           </a:p>
           <a:p>
             <a:r>
@@ -23874,7 +25176,7 @@
             </a:r>
             <a:r>
               <a:rPr lang="de-DE" dirty="0" smtClean="0"/>
-              <a:t>16</a:t>
+              <a:t>17</a:t>
             </a:r>
             <a:endParaRPr lang="de-DE" dirty="0"/>
           </a:p>
@@ -23884,228 +25186,6 @@
     <p:extLst>
       <p:ext uri="{BB962C8B-B14F-4D97-AF65-F5344CB8AC3E}">
         <p14:creationId xmlns:p14="http://schemas.microsoft.com/office/powerpoint/2010/main" val="982456540"/>
-      </p:ext>
-    </p:extLst>
-  </p:cSld>
-  <p:clrMapOvr>
-    <a:masterClrMapping/>
-  </p:clrMapOvr>
-  <p:timing>
-    <p:tnLst>
-      <p:par>
-        <p:cTn id="1" dur="indefinite" restart="never" nodeType="tmRoot"/>
-      </p:par>
-    </p:tnLst>
-  </p:timing>
-</p:sld>
-</file>
-
-<file path=ppt/slides/slide13.xml><?xml version="1.0" encoding="utf-8"?>
-<p:sld xmlns:a="http://schemas.openxmlformats.org/drawingml/2006/main" xmlns:r="http://schemas.openxmlformats.org/officeDocument/2006/relationships" xmlns:p="http://schemas.openxmlformats.org/presentationml/2006/main">
-  <p:cSld>
-    <p:spTree>
-      <p:nvGrpSpPr>
-        <p:cNvPr id="1" name=""/>
-        <p:cNvGrpSpPr/>
-        <p:nvPr/>
-      </p:nvGrpSpPr>
-      <p:grpSpPr>
-        <a:xfrm>
-          <a:off x="0" y="0"/>
-          <a:ext cx="0" cy="0"/>
-          <a:chOff x="0" y="0"/>
-          <a:chExt cx="0" cy="0"/>
-        </a:xfrm>
-      </p:grpSpPr>
-      <p:sp>
-        <p:nvSpPr>
-          <p:cNvPr id="2" name="Title 1"/>
-          <p:cNvSpPr>
-            <a:spLocks noGrp="1"/>
-          </p:cNvSpPr>
-          <p:nvPr>
-            <p:ph type="title"/>
-          </p:nvPr>
-        </p:nvSpPr>
-        <p:spPr/>
-        <p:txBody>
-          <a:bodyPr/>
-          <a:lstStyle/>
-          <a:p>
-            <a:r>
-              <a:rPr lang="en-US" dirty="0" smtClean="0"/>
-              <a:t>DIFFICULTIES &amp; SOLUTIONS (#1)</a:t>
-            </a:r>
-            <a:endParaRPr lang="en-US" dirty="0"/>
-          </a:p>
-        </p:txBody>
-      </p:sp>
-      <p:sp>
-        <p:nvSpPr>
-          <p:cNvPr id="3" name="Slide Number Placeholder 2"/>
-          <p:cNvSpPr>
-            <a:spLocks noGrp="1"/>
-          </p:cNvSpPr>
-          <p:nvPr>
-            <p:ph type="sldNum" sz="quarter" idx="10"/>
-          </p:nvPr>
-        </p:nvSpPr>
-        <p:spPr/>
-        <p:txBody>
-          <a:bodyPr/>
-          <a:lstStyle/>
-          <a:p>
-            <a:pPr algn="l"/>
-            <a:r>
-              <a:rPr lang="de-DE" smtClean="0"/>
-              <a:t>Page </a:t>
-            </a:r>
-            <a:fld id="{3FD030EF-7044-4946-962A-5D7D09BD1B34}" type="slidenum">
-              <a:rPr lang="de-DE" smtClean="0"/>
-              <a:pPr algn="l"/>
-              <a:t>13</a:t>
-            </a:fld>
-            <a:endParaRPr lang="de-DE" dirty="0"/>
-          </a:p>
-        </p:txBody>
-      </p:sp>
-      <p:sp>
-        <p:nvSpPr>
-          <p:cNvPr id="4" name="Content Placeholder 3"/>
-          <p:cNvSpPr>
-            <a:spLocks noGrp="1"/>
-          </p:cNvSpPr>
-          <p:nvPr>
-            <p:ph idx="1"/>
-          </p:nvPr>
-        </p:nvSpPr>
-        <p:spPr>
-          <a:xfrm>
-            <a:off x="1080000" y="1800000"/>
-            <a:ext cx="10488608" cy="1969770"/>
-          </a:xfrm>
-        </p:spPr>
-        <p:txBody>
-          <a:bodyPr/>
-          <a:lstStyle/>
-          <a:p>
-            <a:pPr marL="285750" indent="-285750">
-              <a:buFont typeface="Arial" panose="020B0604020202020204" pitchFamily="34" charset="0"/>
-              <a:buChar char="•"/>
-            </a:pPr>
-            <a:r>
-              <a:rPr lang="en-US" sz="1800" b="1" dirty="0" smtClean="0"/>
-              <a:t>Category: </a:t>
-            </a:r>
-            <a:r>
-              <a:rPr lang="en-US" sz="1800" b="1" dirty="0" smtClean="0">
-                <a:solidFill>
-                  <a:srgbClr val="0070C0"/>
-                </a:solidFill>
-                <a:latin typeface="Times New Roman" panose="02020603050405020304" pitchFamily="18" charset="0"/>
-                <a:cs typeface="Times New Roman" panose="02020603050405020304" pitchFamily="18" charset="0"/>
-              </a:rPr>
-              <a:t>Development environment</a:t>
-            </a:r>
-            <a:r>
-              <a:rPr lang="en-US" sz="1800" b="1" dirty="0" smtClean="0">
-                <a:latin typeface="Times New Roman" panose="02020603050405020304" pitchFamily="18" charset="0"/>
-                <a:cs typeface="Times New Roman" panose="02020603050405020304" pitchFamily="18" charset="0"/>
-              </a:rPr>
-              <a:t> </a:t>
-            </a:r>
-          </a:p>
-          <a:p>
-            <a:pPr marL="285750" indent="-285750">
-              <a:buFont typeface="Arial" panose="020B0604020202020204" pitchFamily="34" charset="0"/>
-              <a:buChar char="•"/>
-            </a:pPr>
-            <a:r>
-              <a:rPr lang="en-US" sz="1800" b="1" dirty="0" smtClean="0"/>
-              <a:t>Problem: </a:t>
-            </a:r>
-            <a:r>
-              <a:rPr lang="en-US" sz="1800" dirty="0" smtClean="0"/>
-              <a:t>The development environment is huge and </a:t>
-            </a:r>
-            <a:r>
-              <a:rPr lang="en-US" sz="1800" dirty="0" smtClean="0"/>
-              <a:t>consists of many modules. </a:t>
-            </a:r>
-            <a:endParaRPr lang="en-US" sz="1800" dirty="0" smtClean="0"/>
-          </a:p>
-          <a:p>
-            <a:pPr marL="285750" indent="-285750">
-              <a:buFont typeface="Arial" panose="020B0604020202020204" pitchFamily="34" charset="0"/>
-              <a:buChar char="•"/>
-            </a:pPr>
-            <a:r>
-              <a:rPr lang="en-US" sz="1800" b="1" dirty="0" smtClean="0"/>
-              <a:t>Impact: </a:t>
-            </a:r>
-            <a:r>
-              <a:rPr lang="en-US" sz="1800" dirty="0" smtClean="0"/>
-              <a:t> I </a:t>
-            </a:r>
-            <a:r>
-              <a:rPr lang="en-US" sz="1800" dirty="0" smtClean="0"/>
-              <a:t>do </a:t>
-            </a:r>
-            <a:r>
-              <a:rPr lang="en-US" sz="1800" b="1" dirty="0" smtClean="0">
-                <a:solidFill>
-                  <a:srgbClr val="FF0000"/>
-                </a:solidFill>
-              </a:rPr>
-              <a:t>NOT</a:t>
-            </a:r>
-            <a:r>
-              <a:rPr lang="en-US" sz="1800" dirty="0" smtClean="0"/>
-              <a:t> have deep knowledge to handle difficult tasks well</a:t>
-            </a:r>
-            <a:r>
-              <a:rPr lang="en-US" sz="1800" dirty="0" smtClean="0"/>
-              <a:t>. So </a:t>
-            </a:r>
-            <a:r>
-              <a:rPr lang="en-US" sz="1800" dirty="0" smtClean="0"/>
-              <a:t>I must take more time to investigate and create clear steps to handle issue.</a:t>
-            </a:r>
-            <a:endParaRPr lang="en-US" sz="1800" dirty="0" smtClean="0"/>
-          </a:p>
-          <a:p>
-            <a:pPr marL="285750" indent="-285750">
-              <a:buFont typeface="Arial" panose="020B0604020202020204" pitchFamily="34" charset="0"/>
-              <a:buChar char="•"/>
-            </a:pPr>
-            <a:r>
-              <a:rPr lang="en-US" sz="1800" b="1" dirty="0" smtClean="0"/>
-              <a:t>My actions: </a:t>
-            </a:r>
-            <a:r>
-              <a:rPr lang="en-US" sz="1800" dirty="0" smtClean="0"/>
-              <a:t>Take time to read and learn about </a:t>
-            </a:r>
-            <a:r>
-              <a:rPr lang="en-US" sz="1800" dirty="0" smtClean="0"/>
-              <a:t>Android</a:t>
-            </a:r>
-            <a:r>
-              <a:rPr lang="en-US" sz="1800" dirty="0"/>
-              <a:t> </a:t>
-            </a:r>
-            <a:r>
-              <a:rPr lang="en-US" sz="1800" dirty="0" smtClean="0"/>
-              <a:t>framework.</a:t>
-            </a:r>
-            <a:endParaRPr lang="en-US" dirty="0" smtClean="0"/>
-          </a:p>
-        </p:txBody>
-      </p:sp>
-    </p:spTree>
-    <p:extLst>
-      <p:ext uri="{BB962C8B-B14F-4D97-AF65-F5344CB8AC3E}">
-        <p14:creationId xmlns:p14="http://schemas.microsoft.com/office/powerpoint/2010/main" val="3691301103"/>
       </p:ext>
     </p:extLst>
   </p:cSld>
@@ -24156,7 +25236,7 @@
           <a:p>
             <a:r>
               <a:rPr lang="en-US" dirty="0" smtClean="0"/>
-              <a:t>DIFFICULTIES &amp; SOLUTIONS (#2)</a:t>
+              <a:t>DIFFICULTIES &amp; SOLUTIONS (#1)</a:t>
             </a:r>
             <a:endParaRPr lang="en-US" dirty="0"/>
           </a:p>
@@ -24199,8 +25279,8 @@
         </p:nvSpPr>
         <p:spPr>
           <a:xfrm>
-            <a:off x="695400" y="1772816"/>
-            <a:ext cx="10482583" cy="3672409"/>
+            <a:off x="767408" y="1772816"/>
+            <a:ext cx="11089232" cy="4320480"/>
           </a:xfrm>
           <a:prstGeom prst="roundRect">
             <a:avLst/>
@@ -24395,13 +25475,43 @@
               </a:rPr>
               <a:t>Impact: </a:t>
             </a:r>
+            <a:endParaRPr lang="en-US" b="1" dirty="0" smtClean="0">
+              <a:solidFill>
+                <a:schemeClr val="tx1"/>
+              </a:solidFill>
+            </a:endParaRPr>
+          </a:p>
+          <a:p>
+            <a:pPr marL="742950" lvl="1" indent="-285750">
+              <a:lnSpc>
+                <a:spcPct val="150000"/>
+              </a:lnSpc>
+              <a:buFont typeface="Wingdings" panose="05000000000000000000" pitchFamily="2" charset="2"/>
+              <a:buChar char="v"/>
+            </a:pPr>
             <a:r>
               <a:rPr lang="en-US" dirty="0" smtClean="0">
                 <a:solidFill>
                   <a:schemeClr val="tx1"/>
                 </a:solidFill>
               </a:rPr>
-              <a:t>Must do tasks after working time to complete and prevent delay. So </a:t>
+              <a:t>Sometimes, I </a:t>
+            </a:r>
+            <a:r>
+              <a:rPr lang="en-US" dirty="0">
+                <a:solidFill>
+                  <a:schemeClr val="tx1"/>
+                </a:solidFill>
+              </a:rPr>
+              <a:t>m</a:t>
+            </a:r>
+            <a:r>
+              <a:rPr lang="en-US" dirty="0" smtClean="0">
+                <a:solidFill>
+                  <a:schemeClr val="tx1"/>
+                </a:solidFill>
+              </a:rPr>
+              <a:t>ust do tasks after working time to complete tasks well. So </a:t>
             </a:r>
             <a:r>
               <a:rPr lang="en-US" dirty="0">
@@ -24425,7 +25535,7 @@
                   <a:schemeClr val="tx1"/>
                 </a:solidFill>
               </a:rPr>
-              <a:t>feel so stress after working with many tasks for a long time</a:t>
+              <a:t>feel so stress after working with many tasks for a long </a:t>
             </a:r>
             <a:r>
               <a:rPr lang="en-US" dirty="0" smtClean="0">
@@ -24433,7 +25543,40 @@
                   <a:schemeClr val="tx1"/>
                 </a:solidFill>
               </a:rPr>
-              <a:t>. I don’t have enough time to investigate deeply about android and also learn other fields: </a:t>
+              <a:t>time.</a:t>
+            </a:r>
+          </a:p>
+          <a:p>
+            <a:pPr marL="742950" lvl="1" indent="-285750">
+              <a:lnSpc>
+                <a:spcPct val="150000"/>
+              </a:lnSpc>
+              <a:buFont typeface="Wingdings" panose="05000000000000000000" pitchFamily="2" charset="2"/>
+              <a:buChar char="v"/>
+            </a:pPr>
+            <a:r>
+              <a:rPr lang="en-US" dirty="0" smtClean="0">
+                <a:solidFill>
+                  <a:schemeClr val="tx1"/>
+                </a:solidFill>
+              </a:rPr>
+              <a:t>I don’t have enough time to investigate deeply about android and also learn other fields: </a:t>
+            </a:r>
+            <a:r>
+              <a:rPr lang="en-US" dirty="0" err="1" smtClean="0">
+                <a:solidFill>
+                  <a:schemeClr val="tx1"/>
+                </a:solidFill>
+              </a:rPr>
+              <a:t>IoT</a:t>
+            </a:r>
+            <a:r>
+              <a:rPr lang="en-US" dirty="0" smtClean="0">
+                <a:solidFill>
+                  <a:schemeClr val="tx1"/>
+                </a:solidFill>
+              </a:rPr>
+              <a:t>, </a:t>
             </a:r>
             <a:r>
               <a:rPr lang="en-US" dirty="0" err="1" smtClean="0">
@@ -24568,7 +25711,7 @@
       </p:grpSpPr>
       <p:sp>
         <p:nvSpPr>
-          <p:cNvPr id="2" name="Titel 1"/>
+          <p:cNvPr id="2" name="Title 1"/>
           <p:cNvSpPr>
             <a:spLocks noGrp="1"/>
           </p:cNvSpPr>
@@ -24582,8 +25725,16 @@
           <a:lstStyle/>
           <a:p>
             <a:r>
-              <a:rPr lang="en-US" smtClean="0"/>
-              <a:t>Agenda</a:t>
+              <a:rPr lang="en-US" dirty="0" smtClean="0"/>
+              <a:t>DIFFICULTIES &amp; SOLUTIONS (#</a:t>
+            </a:r>
+            <a:r>
+              <a:rPr lang="en-US" dirty="0"/>
+              <a:t>2</a:t>
+            </a:r>
+            <a:r>
+              <a:rPr lang="en-US" dirty="0" smtClean="0"/>
+              <a:t>)</a:t>
             </a:r>
             <a:endParaRPr lang="en-US" dirty="0"/>
           </a:p>
@@ -24591,7 +25742,7 @@
       </p:sp>
       <p:sp>
         <p:nvSpPr>
-          <p:cNvPr id="3" name="Foliennummernplatzhalter 2"/>
+          <p:cNvPr id="3" name="Slide Number Placeholder 2"/>
           <p:cNvSpPr>
             <a:spLocks noGrp="1"/>
           </p:cNvSpPr>
@@ -24604,13 +25755,14 @@
           <a:bodyPr/>
           <a:lstStyle/>
           <a:p>
+            <a:pPr algn="l"/>
             <a:r>
               <a:rPr lang="de-DE" smtClean="0"/>
               <a:t>Page </a:t>
             </a:r>
             <a:fld id="{3FD030EF-7044-4946-962A-5D7D09BD1B34}" type="slidenum">
               <a:rPr lang="de-DE" smtClean="0"/>
-              <a:pPr/>
+              <a:pPr algn="l"/>
               <a:t>15</a:t>
             </a:fld>
             <a:endParaRPr lang="de-DE" dirty="0"/>
@@ -24619,7 +25771,7 @@
       </p:sp>
       <p:sp>
         <p:nvSpPr>
-          <p:cNvPr id="4" name="Inhaltsplatzhalter 3"/>
+          <p:cNvPr id="4" name="Content Placeholder 3"/>
           <p:cNvSpPr>
             <a:spLocks noGrp="1"/>
           </p:cNvSpPr>
@@ -24629,96 +25781,109 @@
         </p:nvSpPr>
         <p:spPr>
           <a:xfrm>
-            <a:off x="815451" y="1772816"/>
-            <a:ext cx="11233248" cy="2400657"/>
+            <a:off x="1080000" y="1800000"/>
+            <a:ext cx="10488608" cy="2302169"/>
           </a:xfrm>
         </p:spPr>
         <p:txBody>
           <a:bodyPr/>
           <a:lstStyle/>
           <a:p>
-            <a:r>
-              <a:rPr lang="de-DE" dirty="0" smtClean="0"/>
-              <a:t>Looking back after 2 years</a:t>
-            </a:r>
-            <a:r>
-              <a:rPr lang="de-DE" dirty="0"/>
-              <a:t>	Page </a:t>
-            </a:r>
-            <a:r>
-              <a:rPr lang="de-DE" dirty="0" smtClean="0"/>
-              <a:t>04</a:t>
-            </a:r>
-          </a:p>
-          <a:p>
-            <a:r>
-              <a:rPr lang="de-DE" dirty="0" smtClean="0"/>
-              <a:t>Target &amp; Achievement</a:t>
-            </a:r>
-            <a:r>
-              <a:rPr lang="de-DE" dirty="0"/>
-              <a:t>	Page </a:t>
-            </a:r>
-            <a:r>
-              <a:rPr lang="de-DE" dirty="0" smtClean="0"/>
-              <a:t>06</a:t>
-            </a:r>
-            <a:endParaRPr lang="de-DE" dirty="0"/>
-          </a:p>
-          <a:p>
-            <a:r>
-              <a:rPr lang="de-DE" dirty="0"/>
-              <a:t>Current Status	Page </a:t>
-            </a:r>
-            <a:r>
-              <a:rPr lang="de-DE" dirty="0" smtClean="0"/>
-              <a:t>08</a:t>
-            </a:r>
-            <a:endParaRPr lang="de-DE" dirty="0"/>
-          </a:p>
-          <a:p>
-            <a:r>
-              <a:rPr lang="de-DE" dirty="0" smtClean="0"/>
-              <a:t>Difficulties and Solution	Page 13</a:t>
-            </a:r>
-          </a:p>
-          <a:p>
-            <a:r>
-              <a:rPr lang="de-DE" b="1" dirty="0" smtClean="0">
+            <a:pPr marL="285750" indent="-285750">
+              <a:buFont typeface="Arial" panose="020B0604020202020204" pitchFamily="34" charset="0"/>
+              <a:buChar char="•"/>
+            </a:pPr>
+            <a:r>
+              <a:rPr lang="en-US" sz="1800" b="1" dirty="0" smtClean="0"/>
+              <a:t>Category: </a:t>
+            </a:r>
+            <a:r>
+              <a:rPr lang="en-US" sz="1800" b="1" dirty="0" smtClean="0">
                 <a:solidFill>
                   <a:srgbClr val="0070C0"/>
                 </a:solidFill>
+                <a:latin typeface="Times New Roman" panose="02020603050405020304" pitchFamily="18" charset="0"/>
+                <a:cs typeface="Times New Roman" panose="02020603050405020304" pitchFamily="18" charset="0"/>
               </a:rPr>
-              <a:t>Next plan</a:t>
-            </a:r>
-            <a:r>
-              <a:rPr lang="de-DE" b="1" dirty="0">
-                <a:solidFill>
-                  <a:srgbClr val="0070C0"/>
-                </a:solidFill>
+              <a:t>Development environment</a:t>
+            </a:r>
+            <a:r>
+              <a:rPr lang="en-US" sz="1800" b="1" dirty="0" smtClean="0">
+                <a:latin typeface="Times New Roman" panose="02020603050405020304" pitchFamily="18" charset="0"/>
+                <a:cs typeface="Times New Roman" panose="02020603050405020304" pitchFamily="18" charset="0"/>
               </a:rPr>
-              <a:t>	Page </a:t>
-            </a:r>
-            <a:r>
-              <a:rPr lang="de-DE" b="1" dirty="0" smtClean="0">
-                <a:solidFill>
-                  <a:srgbClr val="0070C0"/>
+              <a:t> </a:t>
+            </a:r>
+          </a:p>
+          <a:p>
+            <a:pPr marL="285750" indent="-285750">
+              <a:buFont typeface="Arial" panose="020B0604020202020204" pitchFamily="34" charset="0"/>
+              <a:buChar char="•"/>
+            </a:pPr>
+            <a:r>
+              <a:rPr lang="en-US" sz="1800" b="1" dirty="0" smtClean="0"/>
+              <a:t>Problem: </a:t>
+            </a:r>
+            <a:r>
+              <a:rPr lang="en-US" sz="1800" dirty="0" smtClean="0"/>
+              <a:t>The Android environment is huge and consists of many modules. </a:t>
+            </a:r>
+          </a:p>
+          <a:p>
+            <a:pPr marL="285750" indent="-285750">
+              <a:buFont typeface="Arial" panose="020B0604020202020204" pitchFamily="34" charset="0"/>
+              <a:buChar char="•"/>
+            </a:pPr>
+            <a:r>
+              <a:rPr lang="en-US" sz="1800" b="1" dirty="0" smtClean="0"/>
+              <a:t>Impact: </a:t>
+            </a:r>
+            <a:r>
+              <a:rPr lang="en-US" sz="1800" dirty="0" smtClean="0"/>
+              <a:t> I do </a:t>
+            </a:r>
+            <a:r>
+              <a:rPr lang="en-US" sz="1800" b="1" dirty="0" smtClean="0">
+                <a:solidFill>
+                  <a:srgbClr val="FF0000"/>
                 </a:solidFill>
               </a:rPr>
-              <a:t>16</a:t>
-            </a:r>
-            <a:endParaRPr lang="de-DE" b="1" dirty="0">
-              <a:solidFill>
-                <a:srgbClr val="0070C0"/>
-              </a:solidFill>
-            </a:endParaRPr>
+              <a:t>NOT</a:t>
+            </a:r>
+            <a:r>
+              <a:rPr lang="en-US" sz="1800" dirty="0" smtClean="0"/>
+              <a:t> have deep knowledge to handle difficult tasks well. So I must take more time to investigate to handle issue.</a:t>
+            </a:r>
+          </a:p>
+          <a:p>
+            <a:pPr marL="285750" indent="-285750">
+              <a:buFont typeface="Arial" panose="020B0604020202020204" pitchFamily="34" charset="0"/>
+              <a:buChar char="•"/>
+            </a:pPr>
+            <a:r>
+              <a:rPr lang="en-US" sz="1800" b="1" dirty="0" smtClean="0"/>
+              <a:t>My actions: </a:t>
+            </a:r>
+            <a:r>
+              <a:rPr lang="en-US" sz="1800" dirty="0" smtClean="0"/>
+              <a:t>Create clear steps before doing any task and take time to read and learn about Android</a:t>
+            </a:r>
+            <a:r>
+              <a:rPr lang="en-US" sz="1800" dirty="0"/>
+              <a:t> </a:t>
+            </a:r>
+            <a:r>
+              <a:rPr lang="en-US" sz="1800" dirty="0" smtClean="0"/>
+              <a:t>framework.</a:t>
+            </a:r>
+            <a:endParaRPr lang="en-US" dirty="0" smtClean="0"/>
           </a:p>
         </p:txBody>
       </p:sp>
     </p:spTree>
     <p:extLst>
       <p:ext uri="{BB962C8B-B14F-4D97-AF65-F5344CB8AC3E}">
-        <p14:creationId xmlns:p14="http://schemas.microsoft.com/office/powerpoint/2010/main" val="792422653"/>
+        <p14:creationId xmlns:p14="http://schemas.microsoft.com/office/powerpoint/2010/main" val="3691301103"/>
       </p:ext>
     </p:extLst>
   </p:cSld>
@@ -24754,6 +25919,197 @@
       </p:grpSpPr>
       <p:sp>
         <p:nvSpPr>
+          <p:cNvPr id="2" name="Titel 1"/>
+          <p:cNvSpPr>
+            <a:spLocks noGrp="1"/>
+          </p:cNvSpPr>
+          <p:nvPr>
+            <p:ph type="title"/>
+          </p:nvPr>
+        </p:nvSpPr>
+        <p:spPr/>
+        <p:txBody>
+          <a:bodyPr/>
+          <a:lstStyle/>
+          <a:p>
+            <a:r>
+              <a:rPr lang="en-US" smtClean="0"/>
+              <a:t>Agenda</a:t>
+            </a:r>
+            <a:endParaRPr lang="en-US" dirty="0"/>
+          </a:p>
+        </p:txBody>
+      </p:sp>
+      <p:sp>
+        <p:nvSpPr>
+          <p:cNvPr id="3" name="Foliennummernplatzhalter 2"/>
+          <p:cNvSpPr>
+            <a:spLocks noGrp="1"/>
+          </p:cNvSpPr>
+          <p:nvPr>
+            <p:ph type="sldNum" sz="quarter" idx="10"/>
+          </p:nvPr>
+        </p:nvSpPr>
+        <p:spPr/>
+        <p:txBody>
+          <a:bodyPr/>
+          <a:lstStyle/>
+          <a:p>
+            <a:r>
+              <a:rPr lang="de-DE" smtClean="0"/>
+              <a:t>Page </a:t>
+            </a:r>
+            <a:fld id="{3FD030EF-7044-4946-962A-5D7D09BD1B34}" type="slidenum">
+              <a:rPr lang="de-DE" smtClean="0"/>
+              <a:pPr/>
+              <a:t>16</a:t>
+            </a:fld>
+            <a:endParaRPr lang="de-DE" dirty="0"/>
+          </a:p>
+        </p:txBody>
+      </p:sp>
+      <p:sp>
+        <p:nvSpPr>
+          <p:cNvPr id="4" name="Inhaltsplatzhalter 3"/>
+          <p:cNvSpPr>
+            <a:spLocks noGrp="1"/>
+          </p:cNvSpPr>
+          <p:nvPr>
+            <p:ph idx="1"/>
+          </p:nvPr>
+        </p:nvSpPr>
+        <p:spPr>
+          <a:xfrm>
+            <a:off x="815451" y="1772816"/>
+            <a:ext cx="11233248" cy="2400657"/>
+          </a:xfrm>
+        </p:spPr>
+        <p:txBody>
+          <a:bodyPr/>
+          <a:lstStyle/>
+          <a:p>
+            <a:r>
+              <a:rPr lang="de-DE" dirty="0" smtClean="0"/>
+              <a:t>Looking back after 2 years</a:t>
+            </a:r>
+            <a:r>
+              <a:rPr lang="de-DE" dirty="0"/>
+              <a:t>	Page </a:t>
+            </a:r>
+            <a:r>
+              <a:rPr lang="de-DE" dirty="0" smtClean="0"/>
+              <a:t>04</a:t>
+            </a:r>
+          </a:p>
+          <a:p>
+            <a:r>
+              <a:rPr lang="de-DE" dirty="0" smtClean="0"/>
+              <a:t>Target &amp; Achievement</a:t>
+            </a:r>
+            <a:r>
+              <a:rPr lang="de-DE" dirty="0"/>
+              <a:t>	Page </a:t>
+            </a:r>
+            <a:r>
+              <a:rPr lang="de-DE" dirty="0" smtClean="0"/>
+              <a:t>07</a:t>
+            </a:r>
+            <a:endParaRPr lang="de-DE" dirty="0"/>
+          </a:p>
+          <a:p>
+            <a:r>
+              <a:rPr lang="de-DE" dirty="0"/>
+              <a:t>Current Status	Page </a:t>
+            </a:r>
+            <a:r>
+              <a:rPr lang="de-DE" dirty="0" smtClean="0"/>
+              <a:t>09</a:t>
+            </a:r>
+            <a:endParaRPr lang="de-DE" dirty="0"/>
+          </a:p>
+          <a:p>
+            <a:r>
+              <a:rPr lang="de-DE" dirty="0" smtClean="0"/>
+              <a:t>Difficulties and Solution	Page </a:t>
+            </a:r>
+            <a:r>
+              <a:rPr lang="de-DE" dirty="0" smtClean="0"/>
+              <a:t>14</a:t>
+            </a:r>
+            <a:endParaRPr lang="de-DE" dirty="0" smtClean="0"/>
+          </a:p>
+          <a:p>
+            <a:r>
+              <a:rPr lang="de-DE" b="1" dirty="0" smtClean="0">
+                <a:solidFill>
+                  <a:srgbClr val="0070C0"/>
+                </a:solidFill>
+              </a:rPr>
+              <a:t>Next plan</a:t>
+            </a:r>
+            <a:r>
+              <a:rPr lang="de-DE" b="1" dirty="0">
+                <a:solidFill>
+                  <a:srgbClr val="0070C0"/>
+                </a:solidFill>
+              </a:rPr>
+              <a:t>	Page </a:t>
+            </a:r>
+            <a:r>
+              <a:rPr lang="de-DE" b="1" dirty="0" smtClean="0">
+                <a:solidFill>
+                  <a:srgbClr val="0070C0"/>
+                </a:solidFill>
+              </a:rPr>
+              <a:t>17</a:t>
+            </a:r>
+            <a:endParaRPr lang="de-DE" b="1" dirty="0">
+              <a:solidFill>
+                <a:srgbClr val="0070C0"/>
+              </a:solidFill>
+            </a:endParaRPr>
+          </a:p>
+        </p:txBody>
+      </p:sp>
+    </p:spTree>
+    <p:extLst>
+      <p:ext uri="{BB962C8B-B14F-4D97-AF65-F5344CB8AC3E}">
+        <p14:creationId xmlns:p14="http://schemas.microsoft.com/office/powerpoint/2010/main" val="792422653"/>
+      </p:ext>
+    </p:extLst>
+  </p:cSld>
+  <p:clrMapOvr>
+    <a:masterClrMapping/>
+  </p:clrMapOvr>
+  <p:timing>
+    <p:tnLst>
+      <p:par>
+        <p:cTn id="1" dur="indefinite" restart="never" nodeType="tmRoot"/>
+      </p:par>
+    </p:tnLst>
+  </p:timing>
+</p:sld>
+</file>
+
+<file path=ppt/slides/slide17.xml><?xml version="1.0" encoding="utf-8"?>
+<p:sld xmlns:a="http://schemas.openxmlformats.org/drawingml/2006/main" xmlns:r="http://schemas.openxmlformats.org/officeDocument/2006/relationships" xmlns:p="http://schemas.openxmlformats.org/presentationml/2006/main">
+  <p:cSld>
+    <p:spTree>
+      <p:nvGrpSpPr>
+        <p:cNvPr id="1" name=""/>
+        <p:cNvGrpSpPr/>
+        <p:nvPr/>
+      </p:nvGrpSpPr>
+      <p:grpSpPr>
+        <a:xfrm>
+          <a:off x="0" y="0"/>
+          <a:ext cx="0" cy="0"/>
+          <a:chOff x="0" y="0"/>
+          <a:chExt cx="0" cy="0"/>
+        </a:xfrm>
+      </p:grpSpPr>
+      <p:sp>
+        <p:nvSpPr>
           <p:cNvPr id="2" name="Title 1"/>
           <p:cNvSpPr>
             <a:spLocks noGrp="1"/>
@@ -24797,7 +26153,7 @@
             <a:fld id="{3FD030EF-7044-4946-962A-5D7D09BD1B34}" type="slidenum">
               <a:rPr lang="de-DE" smtClean="0"/>
               <a:pPr algn="l"/>
-              <a:t>16</a:t>
+              <a:t>17</a:t>
             </a:fld>
             <a:endParaRPr lang="de-DE" dirty="0"/>
           </a:p>
@@ -24898,12 +26254,12 @@
                 <a:buChar char="•"/>
               </a:pPr>
               <a:r>
-                <a:rPr lang="en-US" sz="1400" dirty="0" smtClean="0">
+                <a:rPr lang="en-US" sz="1400" dirty="0">
                   <a:solidFill>
                     <a:schemeClr val="tx1"/>
                   </a:solidFill>
                 </a:rPr>
-                <a:t>Become key members in Android team.</a:t>
+                <a:t>Create notes and documents for Android to support for training new members.</a:t>
               </a:r>
             </a:p>
             <a:p>
@@ -24915,12 +26271,20 @@
                 <a:buChar char="•"/>
               </a:pPr>
               <a:r>
+                <a:rPr lang="en-US" sz="1400" dirty="0">
+                  <a:solidFill>
+                    <a:schemeClr val="tx1"/>
+                  </a:solidFill>
+                </a:rPr>
+                <a:t>Guide new members and support </a:t>
+              </a:r>
+              <a:r>
                 <a:rPr lang="en-US" sz="1400" dirty="0" smtClean="0">
                   <a:solidFill>
                     <a:schemeClr val="tx1"/>
                   </a:solidFill>
                 </a:rPr>
-                <a:t>Learn and apply </a:t>
+                <a:t>them and other colleagues </a:t>
               </a:r>
               <a:r>
                 <a:rPr lang="en-US" sz="1400" dirty="0">
@@ -24928,15 +26292,7 @@
                     <a:schemeClr val="tx1"/>
                   </a:solidFill>
                 </a:rPr>
-                <a:t>new </a:t>
-              </a:r>
-              <a:r>
-                <a:rPr lang="en-US" sz="1400" dirty="0" smtClean="0">
-                  <a:solidFill>
-                    <a:schemeClr val="tx1"/>
-                  </a:solidFill>
-                </a:rPr>
-                <a:t>technology to improve RZ/G business.</a:t>
+                <a:t>in their tasks (maybe mainly on Android tasks).</a:t>
               </a:r>
             </a:p>
             <a:p>
@@ -24948,20 +26304,12 @@
                 <a:buChar char="•"/>
               </a:pPr>
               <a:r>
-                <a:rPr lang="en-US" sz="1400" smtClean="0">
+                <a:rPr lang="en-US" sz="1400" dirty="0">
                   <a:solidFill>
                     <a:schemeClr val="tx1"/>
                   </a:solidFill>
                 </a:rPr>
-                <a:t>Could guide </a:t>
-              </a:r>
-              <a:r>
-                <a:rPr lang="en-US" sz="1400" dirty="0" smtClean="0">
-                  <a:solidFill>
-                    <a:schemeClr val="tx1"/>
-                  </a:solidFill>
-                </a:rPr>
-                <a:t>new members and support colleagues in their tasks (maybe mainly on Android tasks).</a:t>
+                <a:t>Continue investigating and learning Android framework to have deep knowledge to prepare for next challenge. </a:t>
               </a:r>
             </a:p>
             <a:p>
@@ -24973,12 +26321,20 @@
                 <a:buChar char="•"/>
               </a:pPr>
               <a:r>
-                <a:rPr lang="en-US" sz="1400" dirty="0" smtClean="0">
+                <a:rPr lang="en-US" sz="1400" dirty="0">
                   <a:solidFill>
                     <a:schemeClr val="tx1"/>
                   </a:solidFill>
                 </a:rPr>
-                <a:t>Learn and investigate more about Android to answer Q&amp;A from customer to </a:t>
+                <a:t>Learn new fields such as: </a:t>
+              </a:r>
+              <a:r>
+                <a:rPr lang="en-US" sz="1400" dirty="0" err="1">
+                  <a:solidFill>
+                    <a:schemeClr val="tx1"/>
+                  </a:solidFill>
+                </a:rPr>
+                <a:t>IoT</a:t>
               </a:r>
               <a:r>
                 <a:rPr lang="en-US" sz="1400" dirty="0">
@@ -24986,15 +26342,23 @@
                     <a:schemeClr val="tx1"/>
                   </a:solidFill>
                 </a:rPr>
-                <a:t>improve RZ/G business</a:t>
+                <a:t>, web server, …</a:t>
               </a:r>
               <a:r>
-                <a:rPr lang="en-US" sz="1400" dirty="0" smtClean="0">
+                <a:rPr lang="en-US" sz="1400" dirty="0" err="1">
                   <a:solidFill>
                     <a:schemeClr val="tx1"/>
                   </a:solidFill>
                 </a:rPr>
-                <a:t>.</a:t>
+                <a:t>etc</a:t>
+              </a:r>
+              <a:r>
+                <a:rPr lang="en-US" sz="1400" dirty="0">
+                  <a:solidFill>
+                    <a:schemeClr val="tx1"/>
+                  </a:solidFill>
+                </a:rPr>
+                <a:t> to apply to RZG.</a:t>
               </a:r>
             </a:p>
           </p:txBody>
@@ -25050,7 +26414,7 @@
 </p:sld>
 </file>
 
-<file path=ppt/slides/slide17.xml><?xml version="1.0" encoding="utf-8"?>
+<file path=ppt/slides/slide18.xml><?xml version="1.0" encoding="utf-8"?>
 <p:sld xmlns:a="http://schemas.openxmlformats.org/drawingml/2006/main" xmlns:r="http://schemas.openxmlformats.org/officeDocument/2006/relationships" xmlns:p="http://schemas.openxmlformats.org/presentationml/2006/main">
   <p:cSld>
     <p:spTree>
@@ -25113,7 +26477,7 @@
             <a:fld id="{3FD030EF-7044-4946-962A-5D7D09BD1B34}" type="slidenum">
               <a:rPr lang="de-DE" smtClean="0"/>
               <a:pPr algn="l"/>
-              <a:t>17</a:t>
+              <a:t>18</a:t>
             </a:fld>
             <a:endParaRPr lang="de-DE" dirty="0"/>
           </a:p>
@@ -25177,7 +26541,7 @@
 </p:sld>
 </file>
 
-<file path=ppt/slides/slide18.xml><?xml version="1.0" encoding="utf-8"?>
+<file path=ppt/slides/slide19.xml><?xml version="1.0" encoding="utf-8"?>
 <p:sld xmlns:a="http://schemas.openxmlformats.org/drawingml/2006/main" xmlns:r="http://schemas.openxmlformats.org/officeDocument/2006/relationships" xmlns:p="http://schemas.openxmlformats.org/presentationml/2006/main">
   <p:cSld>
     <p:spTree>
@@ -25378,7 +26742,7 @@
             </a:r>
             <a:r>
               <a:rPr lang="de-DE" dirty="0" smtClean="0"/>
-              <a:t>06</a:t>
+              <a:t>07</a:t>
             </a:r>
             <a:endParaRPr lang="de-DE" dirty="0"/>
           </a:p>
@@ -25389,14 +26753,13 @@
             </a:r>
             <a:r>
               <a:rPr lang="de-DE" dirty="0" smtClean="0"/>
-              <a:t>08</a:t>
-            </a:r>
-            <a:endParaRPr lang="de-DE" dirty="0"/>
+              <a:t>09</a:t>
+            </a:r>
           </a:p>
           <a:p>
             <a:r>
               <a:rPr lang="de-DE" dirty="0" smtClean="0"/>
-              <a:t>Difficulties and Solution	Page 13</a:t>
+              <a:t>Difficulties and Solution	Page 14</a:t>
             </a:r>
           </a:p>
           <a:p>
@@ -25410,7 +26773,7 @@
             </a:r>
             <a:r>
               <a:rPr lang="de-DE" dirty="0" smtClean="0"/>
-              <a:t>16</a:t>
+              <a:t>17</a:t>
             </a:r>
             <a:endParaRPr lang="de-DE" dirty="0"/>
           </a:p>
@@ -25560,7 +26923,7 @@
             </a:r>
             <a:r>
               <a:rPr lang="de-DE" dirty="0" smtClean="0"/>
-              <a:t>06</a:t>
+              <a:t>07</a:t>
             </a:r>
             <a:endParaRPr lang="de-DE" dirty="0"/>
           </a:p>
@@ -25571,14 +26934,14 @@
             </a:r>
             <a:r>
               <a:rPr lang="de-DE" dirty="0" smtClean="0"/>
-              <a:t>08</a:t>
+              <a:t>09</a:t>
             </a:r>
             <a:endParaRPr lang="de-DE" dirty="0"/>
           </a:p>
           <a:p>
             <a:r>
               <a:rPr lang="de-DE" dirty="0" smtClean="0"/>
-              <a:t>Difficulties and Solution	Page 13</a:t>
+              <a:t>Difficulties and Solution	Page 14</a:t>
             </a:r>
           </a:p>
           <a:p>
@@ -25592,7 +26955,7 @@
             </a:r>
             <a:r>
               <a:rPr lang="de-DE" dirty="0" smtClean="0"/>
-              <a:t>16</a:t>
+              <a:t>17</a:t>
             </a:r>
             <a:endParaRPr lang="de-DE" dirty="0"/>
           </a:p>
@@ -26632,7 +27995,7 @@
       </p:grpSpPr>
       <p:sp>
         <p:nvSpPr>
-          <p:cNvPr id="2" name="Titel 1"/>
+          <p:cNvPr id="2" name="Title 1"/>
           <p:cNvSpPr>
             <a:spLocks noGrp="1"/>
           </p:cNvSpPr>
@@ -26640,22 +28003,27 @@
             <p:ph type="title"/>
           </p:nvPr>
         </p:nvSpPr>
-        <p:spPr/>
+        <p:spPr>
+          <a:xfrm>
+            <a:off x="1080000" y="936000"/>
+            <a:ext cx="8520000" cy="443198"/>
+          </a:xfrm>
+        </p:spPr>
         <p:txBody>
           <a:bodyPr/>
           <a:lstStyle/>
           <a:p>
             <a:r>
-              <a:rPr lang="en-US" smtClean="0"/>
-              <a:t>Agenda</a:t>
-            </a:r>
-            <a:endParaRPr lang="en-US" dirty="0"/>
+              <a:rPr lang="en-US" cap="none" dirty="0" smtClean="0"/>
+              <a:t>LOOKING BACK AFTER 2 YEARS IN RVC</a:t>
+            </a:r>
+            <a:endParaRPr lang="en-US" cap="none" dirty="0"/>
           </a:p>
         </p:txBody>
       </p:sp>
       <p:sp>
         <p:nvSpPr>
-          <p:cNvPr id="3" name="Foliennummernplatzhalter 2"/>
+          <p:cNvPr id="3" name="Slide Number Placeholder 2"/>
           <p:cNvSpPr>
             <a:spLocks noGrp="1"/>
           </p:cNvSpPr>
@@ -26668,121 +28036,264 @@
           <a:bodyPr/>
           <a:lstStyle/>
           <a:p>
+            <a:pPr algn="l"/>
             <a:r>
               <a:rPr lang="de-DE" smtClean="0"/>
               <a:t>Page </a:t>
             </a:r>
             <a:fld id="{3FD030EF-7044-4946-962A-5D7D09BD1B34}" type="slidenum">
               <a:rPr lang="de-DE" smtClean="0"/>
-              <a:pPr/>
+              <a:pPr algn="l"/>
               <a:t>5</a:t>
             </a:fld>
             <a:endParaRPr lang="de-DE" dirty="0"/>
+          </a:p>
+        </p:txBody>
+      </p:sp>
+      <p:pic>
+        <p:nvPicPr>
+          <p:cNvPr id="29" name="Content Placeholder 28"/>
+          <p:cNvPicPr>
+            <a:picLocks noGrp="1" noChangeAspect="1"/>
+          </p:cNvPicPr>
+          <p:nvPr>
+            <p:ph idx="1"/>
+          </p:nvPr>
+        </p:nvPicPr>
+        <p:blipFill>
+          <a:blip r:embed="rId3" cstate="print">
+            <a:extLst>
+              <a:ext uri="{28A0092B-C50C-407E-A947-70E740481C1C}">
+                <a14:useLocalDpi xmlns:a14="http://schemas.microsoft.com/office/drawing/2010/main" val="0"/>
+              </a:ext>
+            </a:extLst>
+          </a:blip>
+          <a:stretch>
+            <a:fillRect/>
+          </a:stretch>
+        </p:blipFill>
+        <p:spPr>
+          <a:xfrm>
+            <a:off x="3063648" y="1772816"/>
+            <a:ext cx="6552728" cy="4371096"/>
+          </a:xfrm>
+          <a:prstGeom prst="rect">
+            <a:avLst/>
+          </a:prstGeom>
+          <a:ln w="3175">
+            <a:noFill/>
+          </a:ln>
+        </p:spPr>
+      </p:pic>
+      <p:sp>
+        <p:nvSpPr>
+          <p:cNvPr id="30" name="Rounded Rectangular Callout 29"/>
+          <p:cNvSpPr/>
+          <p:nvPr/>
+        </p:nvSpPr>
+        <p:spPr>
+          <a:xfrm>
+            <a:off x="1199456" y="2708920"/>
+            <a:ext cx="3456384" cy="762000"/>
+          </a:xfrm>
+          <a:prstGeom prst="wedgeRoundRectCallout">
+            <a:avLst>
+              <a:gd name="adj1" fmla="val 39180"/>
+              <a:gd name="adj2" fmla="val 69615"/>
+              <a:gd name="adj3" fmla="val 16667"/>
+            </a:avLst>
+          </a:prstGeom>
+          <a:solidFill>
+            <a:schemeClr val="tx2">
+              <a:lumMod val="20000"/>
+              <a:lumOff val="80000"/>
+            </a:schemeClr>
+          </a:solidFill>
+          <a:ln w="3175">
+            <a:solidFill>
+              <a:schemeClr val="tx1"/>
+            </a:solidFill>
+          </a:ln>
+        </p:spPr>
+        <p:style>
+          <a:lnRef idx="2">
+            <a:schemeClr val="accent1">
+              <a:shade val="50000"/>
+            </a:schemeClr>
+          </a:lnRef>
+          <a:fillRef idx="1">
+            <a:schemeClr val="accent1"/>
+          </a:fillRef>
+          <a:effectRef idx="0">
+            <a:schemeClr val="accent1"/>
+          </a:effectRef>
+          <a:fontRef idx="minor">
+            <a:schemeClr val="lt1"/>
+          </a:fontRef>
+        </p:style>
+        <p:txBody>
+          <a:bodyPr rtlCol="0" anchor="ctr"/>
+          <a:lstStyle/>
+          <a:p>
+            <a:pPr algn="ctr"/>
+            <a:r>
+              <a:rPr lang="en-US" sz="1300" dirty="0" smtClean="0">
+                <a:solidFill>
+                  <a:schemeClr val="tx1"/>
+                </a:solidFill>
+              </a:rPr>
+              <a:t>Me, </a:t>
+            </a:r>
+            <a:r>
+              <a:rPr lang="en-US" sz="1300" b="1" dirty="0" smtClean="0">
+                <a:solidFill>
+                  <a:srgbClr val="0070C0"/>
+                </a:solidFill>
+              </a:rPr>
+              <a:t>2 years ago</a:t>
+            </a:r>
+            <a:r>
+              <a:rPr lang="en-US" sz="1300" dirty="0">
+                <a:solidFill>
+                  <a:schemeClr val="tx1"/>
+                </a:solidFill>
+              </a:rPr>
+              <a:t>: I am afraid of doing difficult </a:t>
+            </a:r>
+            <a:r>
+              <a:rPr lang="en-US" sz="1300" dirty="0" smtClean="0">
+                <a:solidFill>
+                  <a:schemeClr val="tx1"/>
+                </a:solidFill>
+              </a:rPr>
+              <a:t>tasks.</a:t>
+            </a:r>
+            <a:endParaRPr lang="en-US" sz="1300" dirty="0">
+              <a:solidFill>
+                <a:schemeClr val="tx1"/>
+              </a:solidFill>
+            </a:endParaRPr>
           </a:p>
         </p:txBody>
       </p:sp>
       <p:sp>
         <p:nvSpPr>
-          <p:cNvPr id="4" name="Inhaltsplatzhalter 3"/>
-          <p:cNvSpPr>
-            <a:spLocks noGrp="1"/>
-          </p:cNvSpPr>
-          <p:nvPr>
-            <p:ph idx="1"/>
-          </p:nvPr>
+          <p:cNvPr id="31" name="Rounded Rectangular Callout 30"/>
+          <p:cNvSpPr/>
+          <p:nvPr/>
         </p:nvSpPr>
         <p:spPr>
           <a:xfrm>
-            <a:off x="815451" y="1772816"/>
-            <a:ext cx="11233248" cy="2400657"/>
+            <a:off x="7392144" y="2348880"/>
+            <a:ext cx="3240360" cy="720080"/>
           </a:xfrm>
+          <a:prstGeom prst="wedgeRoundRectCallout">
+            <a:avLst>
+              <a:gd name="adj1" fmla="val -27312"/>
+              <a:gd name="adj2" fmla="val 94674"/>
+              <a:gd name="adj3" fmla="val 16667"/>
+            </a:avLst>
+          </a:prstGeom>
+          <a:solidFill>
+            <a:schemeClr val="accent3">
+              <a:lumMod val="20000"/>
+              <a:lumOff val="80000"/>
+            </a:schemeClr>
+          </a:solidFill>
+          <a:ln w="3175">
+            <a:solidFill>
+              <a:schemeClr val="tx1"/>
+            </a:solidFill>
+          </a:ln>
         </p:spPr>
+        <p:style>
+          <a:lnRef idx="2">
+            <a:schemeClr val="accent1">
+              <a:shade val="50000"/>
+            </a:schemeClr>
+          </a:lnRef>
+          <a:fillRef idx="1">
+            <a:schemeClr val="accent1"/>
+          </a:fillRef>
+          <a:effectRef idx="0">
+            <a:schemeClr val="accent1"/>
+          </a:effectRef>
+          <a:fontRef idx="minor">
+            <a:schemeClr val="lt1"/>
+          </a:fontRef>
+        </p:style>
         <p:txBody>
-          <a:bodyPr/>
+          <a:bodyPr rtlCol="0" anchor="ctr"/>
           <a:lstStyle/>
           <a:p>
-            <a:r>
-              <a:rPr lang="de-DE" dirty="0" smtClean="0"/>
-              <a:t>Looking back after 2 years</a:t>
-            </a:r>
-            <a:r>
-              <a:rPr lang="de-DE" dirty="0"/>
-              <a:t>	Page </a:t>
-            </a:r>
-            <a:r>
-              <a:rPr lang="de-DE" dirty="0" smtClean="0"/>
-              <a:t>04</a:t>
-            </a:r>
-          </a:p>
-          <a:p>
-            <a:r>
-              <a:rPr lang="de-DE" b="1" dirty="0" smtClean="0">
+            <a:pPr algn="ctr"/>
+            <a:r>
+              <a:rPr lang="en-US" sz="1300" dirty="0" smtClean="0">
+                <a:solidFill>
+                  <a:schemeClr val="tx1"/>
+                </a:solidFill>
+              </a:rPr>
+              <a:t>Me, </a:t>
+            </a:r>
+            <a:r>
+              <a:rPr lang="en-US" sz="1300" b="1" dirty="0" smtClean="0">
                 <a:solidFill>
                   <a:srgbClr val="0070C0"/>
                 </a:solidFill>
               </a:rPr>
-              <a:t>Target &amp; Achievement</a:t>
-            </a:r>
-            <a:r>
-              <a:rPr lang="de-DE" b="1" dirty="0">
-                <a:solidFill>
-                  <a:srgbClr val="0070C0"/>
+              <a:t>Now</a:t>
+            </a:r>
+            <a:r>
+              <a:rPr lang="en-US" sz="1300" dirty="0" smtClean="0">
+                <a:solidFill>
+                  <a:schemeClr val="tx1"/>
                 </a:solidFill>
               </a:rPr>
-              <a:t>	Page </a:t>
-            </a:r>
-            <a:r>
-              <a:rPr lang="de-DE" b="1" dirty="0" smtClean="0">
-                <a:solidFill>
-                  <a:srgbClr val="0070C0"/>
+              <a:t>: Calm down and try your best. </a:t>
+            </a:r>
+            <a:br>
+              <a:rPr lang="en-US" sz="1300" dirty="0" smtClean="0">
+                <a:solidFill>
+                  <a:schemeClr val="tx1"/>
                 </a:solidFill>
               </a:rPr>
-              <a:t>06</a:t>
-            </a:r>
-            <a:endParaRPr lang="de-DE" b="1" dirty="0">
+            </a:br>
+            <a:r>
+              <a:rPr lang="en-US" sz="1300" dirty="0" smtClean="0">
+                <a:solidFill>
+                  <a:schemeClr val="tx1"/>
+                </a:solidFill>
+              </a:rPr>
+              <a:t>You can do it. You can </a:t>
+            </a:r>
+            <a:r>
+              <a:rPr lang="en-US" sz="1300" b="1" dirty="0" smtClean="0">
+                <a:solidFill>
+                  <a:srgbClr val="FF0000"/>
+                </a:solidFill>
+              </a:rPr>
+              <a:t>NOT</a:t>
+            </a:r>
+            <a:r>
+              <a:rPr lang="en-US" sz="1300" dirty="0" smtClean="0">
+                <a:solidFill>
+                  <a:schemeClr val="tx1"/>
+                </a:solidFill>
+              </a:rPr>
+              <a:t> do anything if you are always scared.</a:t>
+            </a:r>
+            <a:endParaRPr lang="en-US" sz="1300" dirty="0">
               <a:solidFill>
-                <a:srgbClr val="0070C0"/>
+                <a:schemeClr val="tx1"/>
               </a:solidFill>
             </a:endParaRPr>
-          </a:p>
-          <a:p>
-            <a:r>
-              <a:rPr lang="de-DE" dirty="0"/>
-              <a:t>Current Status	Page </a:t>
-            </a:r>
-            <a:r>
-              <a:rPr lang="de-DE" dirty="0" smtClean="0"/>
-              <a:t>08</a:t>
-            </a:r>
-            <a:endParaRPr lang="de-DE" dirty="0"/>
-          </a:p>
-          <a:p>
-            <a:r>
-              <a:rPr lang="de-DE" dirty="0" smtClean="0"/>
-              <a:t>Difficulties and Solution	Page 13</a:t>
-            </a:r>
-          </a:p>
-          <a:p>
-            <a:r>
-              <a:rPr lang="de-DE" dirty="0" smtClean="0"/>
-              <a:t>Next plan</a:t>
-            </a:r>
-            <a:r>
-              <a:rPr lang="de-DE" dirty="0"/>
-              <a:t>	Page </a:t>
-            </a:r>
-            <a:r>
-              <a:rPr lang="de-DE" dirty="0" smtClean="0"/>
-              <a:t>16</a:t>
-            </a:r>
-            <a:endParaRPr lang="de-DE" dirty="0"/>
           </a:p>
         </p:txBody>
       </p:sp>
     </p:spTree>
     <p:extLst>
       <p:ext uri="{BB962C8B-B14F-4D97-AF65-F5344CB8AC3E}">
-        <p14:creationId xmlns:p14="http://schemas.microsoft.com/office/powerpoint/2010/main" val="2013043970"/>
+        <p14:creationId xmlns:p14="http://schemas.microsoft.com/office/powerpoint/2010/main" val="1857252937"/>
       </p:ext>
     </p:extLst>
   </p:cSld>
@@ -26818,7 +28329,7 @@
       </p:grpSpPr>
       <p:sp>
         <p:nvSpPr>
-          <p:cNvPr id="2" name="Title 1"/>
+          <p:cNvPr id="2" name="Titel 1"/>
           <p:cNvSpPr>
             <a:spLocks noGrp="1"/>
           </p:cNvSpPr>
@@ -26826,27 +28337,22 @@
             <p:ph type="title"/>
           </p:nvPr>
         </p:nvSpPr>
-        <p:spPr>
-          <a:xfrm>
-            <a:off x="1080000" y="936000"/>
-            <a:ext cx="8520000" cy="443198"/>
-          </a:xfrm>
-        </p:spPr>
+        <p:spPr/>
         <p:txBody>
           <a:bodyPr/>
           <a:lstStyle/>
           <a:p>
             <a:r>
-              <a:rPr lang="en-US" cap="none" dirty="0" smtClean="0"/>
-              <a:t>TARGET &amp; ACHIEVEMENT</a:t>
-            </a:r>
-            <a:endParaRPr lang="en-US" cap="none" dirty="0"/>
+              <a:rPr lang="en-US" smtClean="0"/>
+              <a:t>Agenda</a:t>
+            </a:r>
+            <a:endParaRPr lang="en-US" dirty="0"/>
           </a:p>
         </p:txBody>
       </p:sp>
       <p:sp>
         <p:nvSpPr>
-          <p:cNvPr id="3" name="Slide Number Placeholder 2"/>
+          <p:cNvPr id="3" name="Foliennummernplatzhalter 2"/>
           <p:cNvSpPr>
             <a:spLocks noGrp="1"/>
           </p:cNvSpPr>
@@ -26859,14 +28365,13 @@
           <a:bodyPr/>
           <a:lstStyle/>
           <a:p>
-            <a:pPr algn="l"/>
             <a:r>
               <a:rPr lang="de-DE" smtClean="0"/>
               <a:t>Page </a:t>
             </a:r>
             <a:fld id="{3FD030EF-7044-4946-962A-5D7D09BD1B34}" type="slidenum">
               <a:rPr lang="de-DE" smtClean="0"/>
-              <a:pPr algn="l"/>
+              <a:pPr/>
               <a:t>6</a:t>
             </a:fld>
             <a:endParaRPr lang="de-DE" dirty="0"/>
@@ -26875,947 +28380,111 @@
       </p:sp>
       <p:sp>
         <p:nvSpPr>
-          <p:cNvPr id="22" name="Rounded Rectangle 21"/>
-          <p:cNvSpPr/>
-          <p:nvPr/>
+          <p:cNvPr id="4" name="Inhaltsplatzhalter 3"/>
+          <p:cNvSpPr>
+            <a:spLocks noGrp="1"/>
+          </p:cNvSpPr>
+          <p:nvPr>
+            <p:ph idx="1"/>
+          </p:nvPr>
         </p:nvSpPr>
         <p:spPr>
           <a:xfrm>
-            <a:off x="6672064" y="1990681"/>
-            <a:ext cx="5184576" cy="4318639"/>
+            <a:off x="815451" y="1772816"/>
+            <a:ext cx="11233248" cy="2400657"/>
           </a:xfrm>
-          <a:prstGeom prst="roundRect">
-            <a:avLst/>
-          </a:prstGeom>
-          <a:solidFill>
-            <a:schemeClr val="accent1">
-              <a:lumMod val="20000"/>
-              <a:lumOff val="80000"/>
-            </a:schemeClr>
-          </a:solidFill>
-          <a:ln w="12700"/>
-        </p:spPr>
-        <p:style>
-          <a:lnRef idx="2">
-            <a:schemeClr val="accent1">
-              <a:shade val="50000"/>
-            </a:schemeClr>
-          </a:lnRef>
-          <a:fillRef idx="1">
-            <a:schemeClr val="accent1"/>
-          </a:fillRef>
-          <a:effectRef idx="0">
-            <a:schemeClr val="accent1"/>
-          </a:effectRef>
-          <a:fontRef idx="minor">
-            <a:schemeClr val="lt1"/>
-          </a:fontRef>
-        </p:style>
-        <p:txBody>
-          <a:bodyPr rtlCol="0" anchor="ctr"/>
-          <a:lstStyle/>
-          <a:p>
-            <a:pPr>
-              <a:spcAft>
-                <a:spcPts val="400"/>
-              </a:spcAft>
-            </a:pPr>
-            <a:r>
-              <a:rPr lang="en-US" sz="1600" dirty="0" smtClean="0">
-                <a:solidFill>
-                  <a:schemeClr val="tx1"/>
-                </a:solidFill>
-              </a:rPr>
-              <a:t>Now I am </a:t>
-            </a:r>
-            <a:r>
-              <a:rPr lang="en-US" sz="1600" b="1" dirty="0" smtClean="0">
-                <a:solidFill>
-                  <a:srgbClr val="0070C0"/>
-                </a:solidFill>
-              </a:rPr>
-              <a:t>Engineer level 2</a:t>
-            </a:r>
-            <a:r>
-              <a:rPr lang="en-US" sz="1600" dirty="0" smtClean="0">
-                <a:solidFill>
-                  <a:schemeClr val="tx1"/>
-                </a:solidFill>
-              </a:rPr>
-              <a:t>. What had I achieved</a:t>
-            </a:r>
-          </a:p>
-          <a:p>
-            <a:pPr marL="742950" lvl="1" indent="-285750">
-              <a:spcAft>
-                <a:spcPts val="400"/>
-              </a:spcAft>
-              <a:buFont typeface="Arial" panose="020B0604020202020204" pitchFamily="34" charset="0"/>
-              <a:buChar char="•"/>
-            </a:pPr>
-            <a:r>
-              <a:rPr lang="en-US" sz="1400" b="1" dirty="0" smtClean="0">
-                <a:solidFill>
-                  <a:srgbClr val="0070C0"/>
-                </a:solidFill>
-              </a:rPr>
-              <a:t>NO</a:t>
-            </a:r>
-            <a:r>
-              <a:rPr lang="en-US" sz="1400" dirty="0" smtClean="0">
-                <a:solidFill>
-                  <a:srgbClr val="0070C0"/>
-                </a:solidFill>
-              </a:rPr>
-              <a:t> </a:t>
-            </a:r>
-            <a:r>
-              <a:rPr lang="en-US" sz="1400" dirty="0" smtClean="0">
-                <a:solidFill>
-                  <a:schemeClr val="tx1"/>
-                </a:solidFill>
-              </a:rPr>
-              <a:t>delay in any tasks after 2 years.</a:t>
-            </a:r>
-          </a:p>
-          <a:p>
-            <a:pPr marL="742950" lvl="1" indent="-285750">
-              <a:spcAft>
-                <a:spcPts val="400"/>
-              </a:spcAft>
-              <a:buFont typeface="Arial" panose="020B0604020202020204" pitchFamily="34" charset="0"/>
-              <a:buChar char="•"/>
-            </a:pPr>
-            <a:r>
-              <a:rPr lang="en-US" sz="1400" b="1" dirty="0" smtClean="0">
-                <a:solidFill>
-                  <a:srgbClr val="0070C0"/>
-                </a:solidFill>
-              </a:rPr>
-              <a:t>Less</a:t>
-            </a:r>
-            <a:r>
-              <a:rPr lang="en-US" sz="1400" dirty="0" smtClean="0">
-                <a:solidFill>
-                  <a:srgbClr val="0070C0"/>
-                </a:solidFill>
-              </a:rPr>
-              <a:t> </a:t>
-            </a:r>
-            <a:r>
-              <a:rPr lang="en-US" sz="1400" dirty="0" smtClean="0">
-                <a:solidFill>
-                  <a:schemeClr val="tx1"/>
-                </a:solidFill>
-              </a:rPr>
-              <a:t>bug when doing tasks. Only </a:t>
-            </a:r>
-            <a:r>
-              <a:rPr lang="en-US" sz="1400" b="1" dirty="0" smtClean="0">
-                <a:solidFill>
-                  <a:srgbClr val="FF0000"/>
-                </a:solidFill>
-              </a:rPr>
-              <a:t>2 minor bugs </a:t>
-            </a:r>
-            <a:r>
-              <a:rPr lang="en-US" sz="1400" dirty="0" smtClean="0">
-                <a:solidFill>
-                  <a:schemeClr val="tx1"/>
-                </a:solidFill>
-              </a:rPr>
-              <a:t>after 2 years.</a:t>
-            </a:r>
-          </a:p>
-          <a:p>
-            <a:pPr marL="742950" lvl="1" indent="-285750">
-              <a:spcAft>
-                <a:spcPts val="400"/>
-              </a:spcAft>
-              <a:buFont typeface="Arial" panose="020B0604020202020204" pitchFamily="34" charset="0"/>
-              <a:buChar char="•"/>
-            </a:pPr>
-            <a:r>
-              <a:rPr lang="en-US" sz="1400" dirty="0" smtClean="0">
-                <a:solidFill>
-                  <a:schemeClr val="tx1"/>
-                </a:solidFill>
-              </a:rPr>
-              <a:t>Could </a:t>
-            </a:r>
-            <a:r>
-              <a:rPr lang="en-US" sz="1400" b="1" dirty="0" smtClean="0">
-                <a:solidFill>
-                  <a:srgbClr val="0070C0"/>
-                </a:solidFill>
-              </a:rPr>
-              <a:t>guide</a:t>
-            </a:r>
-            <a:r>
-              <a:rPr lang="en-US" sz="1400" dirty="0" smtClean="0">
-                <a:solidFill>
-                  <a:srgbClr val="0070C0"/>
-                </a:solidFill>
-              </a:rPr>
-              <a:t> </a:t>
-            </a:r>
-            <a:r>
-              <a:rPr lang="en-US" sz="1400" dirty="0" smtClean="0">
-                <a:solidFill>
-                  <a:schemeClr val="tx1"/>
-                </a:solidFill>
-              </a:rPr>
-              <a:t>and </a:t>
-            </a:r>
-            <a:r>
-              <a:rPr lang="en-US" sz="1400" b="1" dirty="0" smtClean="0">
-                <a:solidFill>
-                  <a:srgbClr val="0070C0"/>
-                </a:solidFill>
-              </a:rPr>
-              <a:t>support</a:t>
-            </a:r>
-            <a:r>
-              <a:rPr lang="en-US" sz="1400" dirty="0" smtClean="0">
-                <a:solidFill>
-                  <a:srgbClr val="0070C0"/>
-                </a:solidFill>
-              </a:rPr>
-              <a:t> </a:t>
-            </a:r>
-            <a:r>
-              <a:rPr lang="en-US" sz="1400" dirty="0" smtClean="0">
-                <a:solidFill>
-                  <a:schemeClr val="tx1"/>
-                </a:solidFill>
-              </a:rPr>
-              <a:t>colleagues in their work. </a:t>
-            </a:r>
-            <a:r>
-              <a:rPr lang="en-US" sz="1400" b="1" dirty="0" smtClean="0">
-                <a:solidFill>
-                  <a:srgbClr val="0070C0"/>
-                </a:solidFill>
-              </a:rPr>
-              <a:t>Especially</a:t>
-            </a:r>
-            <a:r>
-              <a:rPr lang="en-US" sz="1400" b="1" dirty="0" smtClean="0">
-                <a:solidFill>
-                  <a:srgbClr val="FF0000"/>
-                </a:solidFill>
-              </a:rPr>
-              <a:t> </a:t>
-            </a:r>
-            <a:r>
-              <a:rPr lang="en-US" sz="1400" dirty="0" smtClean="0">
-                <a:solidFill>
-                  <a:schemeClr val="tx1"/>
-                </a:solidFill>
-              </a:rPr>
-              <a:t>for</a:t>
-            </a:r>
-            <a:r>
-              <a:rPr lang="en-US" sz="1400" dirty="0" smtClean="0">
-                <a:solidFill>
-                  <a:srgbClr val="FF0000"/>
-                </a:solidFill>
-              </a:rPr>
-              <a:t> </a:t>
-            </a:r>
-            <a:r>
-              <a:rPr lang="en-US" sz="1400" dirty="0" smtClean="0">
-                <a:solidFill>
-                  <a:schemeClr val="tx1"/>
-                </a:solidFill>
-              </a:rPr>
-              <a:t>Android and a little bit about development environment: </a:t>
-            </a:r>
-            <a:r>
-              <a:rPr lang="en-US" sz="1400" b="1" dirty="0" err="1" smtClean="0">
-                <a:solidFill>
-                  <a:srgbClr val="0070C0"/>
-                </a:solidFill>
-              </a:rPr>
-              <a:t>yocto</a:t>
-            </a:r>
-            <a:r>
-              <a:rPr lang="en-US" sz="1400" b="1" dirty="0" smtClean="0">
-                <a:solidFill>
-                  <a:srgbClr val="0070C0"/>
-                </a:solidFill>
-              </a:rPr>
-              <a:t> </a:t>
-            </a:r>
-            <a:r>
-              <a:rPr lang="en-US" sz="1400" b="1" dirty="0">
-                <a:solidFill>
-                  <a:srgbClr val="0070C0"/>
-                </a:solidFill>
-              </a:rPr>
-              <a:t>recipe</a:t>
-            </a:r>
-            <a:r>
-              <a:rPr lang="en-US" sz="1400" dirty="0">
-                <a:solidFill>
-                  <a:schemeClr val="tx1"/>
-                </a:solidFill>
-              </a:rPr>
-              <a:t>, </a:t>
-            </a:r>
-            <a:r>
-              <a:rPr lang="en-US" sz="1400" b="1" dirty="0" smtClean="0">
-                <a:solidFill>
-                  <a:srgbClr val="0070C0"/>
-                </a:solidFill>
-              </a:rPr>
-              <a:t>Linux kernel</a:t>
-            </a:r>
-            <a:r>
-              <a:rPr lang="en-US" sz="1400" dirty="0" smtClean="0">
-                <a:solidFill>
-                  <a:schemeClr val="tx1"/>
-                </a:solidFill>
-              </a:rPr>
-              <a:t>.</a:t>
-            </a:r>
-          </a:p>
-          <a:p>
-            <a:pPr marL="742950" lvl="1" indent="-285750">
-              <a:spcAft>
-                <a:spcPts val="400"/>
-              </a:spcAft>
-              <a:buFont typeface="Arial" panose="020B0604020202020204" pitchFamily="34" charset="0"/>
-              <a:buChar char="•"/>
-            </a:pPr>
-            <a:r>
-              <a:rPr lang="en-US" sz="1400" dirty="0">
-                <a:solidFill>
-                  <a:schemeClr val="tx1"/>
-                </a:solidFill>
-              </a:rPr>
-              <a:t>Could work </a:t>
-            </a:r>
-            <a:r>
-              <a:rPr lang="en-US" sz="1400" b="1" dirty="0">
-                <a:solidFill>
-                  <a:srgbClr val="0070C0"/>
-                </a:solidFill>
-              </a:rPr>
-              <a:t>independent</a:t>
-            </a:r>
-            <a:r>
-              <a:rPr lang="en-US" sz="1400" dirty="0">
-                <a:solidFill>
-                  <a:srgbClr val="0070C0"/>
-                </a:solidFill>
-              </a:rPr>
-              <a:t> </a:t>
-            </a:r>
-            <a:r>
-              <a:rPr lang="en-US" sz="1400" dirty="0">
-                <a:solidFill>
-                  <a:schemeClr val="tx1"/>
-                </a:solidFill>
-              </a:rPr>
-              <a:t>and do </a:t>
-            </a:r>
-            <a:r>
-              <a:rPr lang="en-US" sz="1400" b="1" dirty="0" smtClean="0">
-                <a:solidFill>
-                  <a:srgbClr val="FF0000"/>
-                </a:solidFill>
-              </a:rPr>
-              <a:t>NOT </a:t>
-            </a:r>
-            <a:r>
-              <a:rPr lang="en-US" sz="1400" dirty="0" smtClean="0">
-                <a:solidFill>
-                  <a:schemeClr val="tx1"/>
-                </a:solidFill>
-              </a:rPr>
-              <a:t>need </a:t>
-            </a:r>
-            <a:r>
-              <a:rPr lang="en-US" sz="1400" dirty="0">
-                <a:solidFill>
-                  <a:schemeClr val="tx1"/>
-                </a:solidFill>
-              </a:rPr>
-              <a:t>support from mentor </a:t>
-            </a:r>
-            <a:r>
-              <a:rPr lang="en-US" sz="1400" dirty="0" smtClean="0">
-                <a:solidFill>
-                  <a:schemeClr val="tx1"/>
-                </a:solidFill>
-              </a:rPr>
-              <a:t>anymore. (Android task).</a:t>
-            </a:r>
-          </a:p>
-          <a:p>
-            <a:pPr marL="742950" lvl="1" indent="-285750">
-              <a:spcAft>
-                <a:spcPts val="400"/>
-              </a:spcAft>
-              <a:buFont typeface="Arial" panose="020B0604020202020204" pitchFamily="34" charset="0"/>
-              <a:buChar char="•"/>
-            </a:pPr>
-            <a:r>
-              <a:rPr lang="en-US" sz="1400" dirty="0">
-                <a:solidFill>
-                  <a:schemeClr val="tx1"/>
-                </a:solidFill>
-              </a:rPr>
-              <a:t>Could </a:t>
-            </a:r>
-            <a:r>
-              <a:rPr lang="en-US" sz="1400" b="1" dirty="0">
-                <a:solidFill>
-                  <a:srgbClr val="0070C0"/>
-                </a:solidFill>
-              </a:rPr>
-              <a:t>manage</a:t>
-            </a:r>
-            <a:r>
-              <a:rPr lang="en-US" sz="1400" dirty="0">
-                <a:solidFill>
-                  <a:srgbClr val="0070C0"/>
-                </a:solidFill>
-              </a:rPr>
-              <a:t> </a:t>
-            </a:r>
-            <a:r>
-              <a:rPr lang="en-US" sz="1400" dirty="0">
-                <a:solidFill>
-                  <a:schemeClr val="tx1"/>
-                </a:solidFill>
-              </a:rPr>
-              <a:t>and </a:t>
-            </a:r>
-            <a:r>
-              <a:rPr lang="en-US" sz="1400" b="1" dirty="0">
-                <a:solidFill>
-                  <a:srgbClr val="0070C0"/>
-                </a:solidFill>
-              </a:rPr>
-              <a:t>create</a:t>
-            </a:r>
-            <a:r>
-              <a:rPr lang="en-US" sz="1400" dirty="0">
-                <a:solidFill>
-                  <a:srgbClr val="0070C0"/>
-                </a:solidFill>
-              </a:rPr>
-              <a:t> </a:t>
-            </a:r>
-            <a:r>
-              <a:rPr lang="en-US" sz="1400" dirty="0">
-                <a:solidFill>
-                  <a:schemeClr val="tx1"/>
-                </a:solidFill>
-              </a:rPr>
-              <a:t>my own plan to finish tasks </a:t>
-            </a:r>
-            <a:r>
-              <a:rPr lang="en-US" sz="1400" b="1" dirty="0">
-                <a:solidFill>
-                  <a:srgbClr val="0070C0"/>
-                </a:solidFill>
-              </a:rPr>
-              <a:t>well</a:t>
-            </a:r>
-            <a:r>
-              <a:rPr lang="en-US" sz="1400" dirty="0" smtClean="0">
-                <a:solidFill>
-                  <a:schemeClr val="tx1"/>
-                </a:solidFill>
-              </a:rPr>
-              <a:t>.</a:t>
-            </a:r>
-          </a:p>
-          <a:p>
-            <a:pPr marL="742950" lvl="1" indent="-285750">
-              <a:spcAft>
-                <a:spcPts val="400"/>
-              </a:spcAft>
-              <a:buFont typeface="Arial" panose="020B0604020202020204" pitchFamily="34" charset="0"/>
-              <a:buChar char="•"/>
-            </a:pPr>
-            <a:r>
-              <a:rPr lang="en-US" sz="1400" dirty="0" smtClean="0">
-                <a:solidFill>
-                  <a:schemeClr val="tx1"/>
-                </a:solidFill>
-              </a:rPr>
-              <a:t>Be able to </a:t>
-            </a:r>
-            <a:r>
-              <a:rPr lang="en-US" sz="1400" b="1" dirty="0" smtClean="0">
-                <a:solidFill>
-                  <a:srgbClr val="0070C0"/>
-                </a:solidFill>
-              </a:rPr>
-              <a:t>share</a:t>
-            </a:r>
-            <a:r>
-              <a:rPr lang="en-US" sz="1400" dirty="0" smtClean="0">
-                <a:solidFill>
-                  <a:srgbClr val="0070C0"/>
-                </a:solidFill>
-              </a:rPr>
-              <a:t> </a:t>
-            </a:r>
-            <a:r>
-              <a:rPr lang="en-US" sz="1400" dirty="0" smtClean="0">
-                <a:solidFill>
-                  <a:schemeClr val="tx1"/>
-                </a:solidFill>
-              </a:rPr>
-              <a:t>opinion and </a:t>
-            </a:r>
-            <a:r>
-              <a:rPr lang="en-US" sz="1400" b="1" dirty="0" smtClean="0">
-                <a:solidFill>
-                  <a:srgbClr val="0070C0"/>
-                </a:solidFill>
-              </a:rPr>
-              <a:t>discuss</a:t>
-            </a:r>
-            <a:r>
-              <a:rPr lang="en-US" sz="1400" dirty="0" smtClean="0">
-                <a:solidFill>
-                  <a:srgbClr val="0070C0"/>
-                </a:solidFill>
-              </a:rPr>
-              <a:t> </a:t>
-            </a:r>
-            <a:r>
-              <a:rPr lang="en-US" sz="1400" dirty="0" smtClean="0">
-                <a:solidFill>
-                  <a:schemeClr val="tx1"/>
-                </a:solidFill>
-              </a:rPr>
-              <a:t>about Android plan and task assignment.</a:t>
-            </a:r>
-          </a:p>
-          <a:p>
-            <a:pPr marL="742950" lvl="1" indent="-285750">
-              <a:spcAft>
-                <a:spcPts val="400"/>
-              </a:spcAft>
-              <a:buFont typeface="Arial" panose="020B0604020202020204" pitchFamily="34" charset="0"/>
-              <a:buChar char="•"/>
-            </a:pPr>
-            <a:r>
-              <a:rPr lang="en-US" sz="1400" dirty="0" smtClean="0">
-                <a:solidFill>
-                  <a:schemeClr val="tx1"/>
-                </a:solidFill>
-              </a:rPr>
-              <a:t>Could work well in team (Teamwork). Could discuss, support, share task among Android team.</a:t>
-            </a:r>
-          </a:p>
-        </p:txBody>
-      </p:sp>
-      <p:sp>
-        <p:nvSpPr>
-          <p:cNvPr id="6" name="Rounded Rectangle 5"/>
-          <p:cNvSpPr/>
-          <p:nvPr/>
-        </p:nvSpPr>
-        <p:spPr>
-          <a:xfrm>
-            <a:off x="911461" y="2105212"/>
-            <a:ext cx="5184576" cy="3960440"/>
-          </a:xfrm>
-          <a:prstGeom prst="roundRect">
-            <a:avLst/>
-          </a:prstGeom>
-          <a:solidFill>
-            <a:schemeClr val="accent6">
-              <a:lumMod val="20000"/>
-              <a:lumOff val="80000"/>
-            </a:schemeClr>
-          </a:solidFill>
-          <a:ln w="12700"/>
-        </p:spPr>
-        <p:style>
-          <a:lnRef idx="2">
-            <a:schemeClr val="accent1">
-              <a:shade val="50000"/>
-            </a:schemeClr>
-          </a:lnRef>
-          <a:fillRef idx="1">
-            <a:schemeClr val="accent1"/>
-          </a:fillRef>
-          <a:effectRef idx="0">
-            <a:schemeClr val="accent1"/>
-          </a:effectRef>
-          <a:fontRef idx="minor">
-            <a:schemeClr val="lt1"/>
-          </a:fontRef>
-        </p:style>
-        <p:txBody>
-          <a:bodyPr rtlCol="0" anchor="ctr"/>
-          <a:lstStyle/>
-          <a:p>
-            <a:pPr>
-              <a:spcAft>
-                <a:spcPts val="400"/>
-              </a:spcAft>
-            </a:pPr>
-            <a:r>
-              <a:rPr lang="en-US" sz="1600" dirty="0" smtClean="0">
-                <a:solidFill>
-                  <a:schemeClr val="tx1"/>
-                </a:solidFill>
-              </a:rPr>
-              <a:t>My target: Become </a:t>
-            </a:r>
-            <a:r>
-              <a:rPr lang="en-US" sz="1600" b="1" dirty="0" smtClean="0">
-                <a:solidFill>
-                  <a:srgbClr val="0070C0"/>
-                </a:solidFill>
-              </a:rPr>
-              <a:t>Coding</a:t>
-            </a:r>
-            <a:r>
-              <a:rPr lang="en-US" sz="1600" dirty="0" smtClean="0">
-                <a:solidFill>
-                  <a:schemeClr val="tx1"/>
-                </a:solidFill>
-              </a:rPr>
-              <a:t> </a:t>
-            </a:r>
-            <a:r>
-              <a:rPr lang="en-US" sz="1600" b="1" dirty="0" smtClean="0">
-                <a:solidFill>
-                  <a:srgbClr val="0070C0"/>
-                </a:solidFill>
-              </a:rPr>
-              <a:t>Engineer Level 2</a:t>
-            </a:r>
-            <a:r>
-              <a:rPr lang="en-US" sz="1600" b="1" dirty="0">
-                <a:solidFill>
-                  <a:srgbClr val="0070C0"/>
-                </a:solidFill>
-              </a:rPr>
-              <a:t> </a:t>
-            </a:r>
-            <a:r>
-              <a:rPr lang="en-US" sz="1600" dirty="0" smtClean="0">
-                <a:solidFill>
-                  <a:schemeClr val="tx1"/>
-                </a:solidFill>
-              </a:rPr>
-              <a:t>with below skills:</a:t>
-            </a:r>
-          </a:p>
-          <a:p>
-            <a:pPr marL="742950" lvl="1" indent="-285750">
-              <a:spcAft>
-                <a:spcPts val="400"/>
-              </a:spcAft>
-              <a:buFont typeface="Arial" panose="020B0604020202020204" pitchFamily="34" charset="0"/>
-              <a:buChar char="•"/>
-            </a:pPr>
-            <a:r>
-              <a:rPr lang="en-US" sz="1400" dirty="0" smtClean="0">
-                <a:solidFill>
-                  <a:schemeClr val="tx1"/>
-                </a:solidFill>
-              </a:rPr>
-              <a:t>Could </a:t>
-            </a:r>
-            <a:r>
-              <a:rPr lang="en-US" sz="1400" b="1" dirty="0" smtClean="0">
-                <a:solidFill>
-                  <a:srgbClr val="0070C0"/>
-                </a:solidFill>
-              </a:rPr>
-              <a:t>manage</a:t>
-            </a:r>
-            <a:r>
-              <a:rPr lang="en-US" sz="1400" dirty="0" smtClean="0">
-                <a:solidFill>
-                  <a:srgbClr val="0070C0"/>
-                </a:solidFill>
-              </a:rPr>
-              <a:t> </a:t>
-            </a:r>
-            <a:r>
-              <a:rPr lang="en-US" sz="1400" dirty="0" smtClean="0">
-                <a:solidFill>
-                  <a:schemeClr val="tx1"/>
-                </a:solidFill>
-              </a:rPr>
-              <a:t>and </a:t>
-            </a:r>
-            <a:r>
-              <a:rPr lang="en-US" sz="1400" b="1" dirty="0" smtClean="0">
-                <a:solidFill>
-                  <a:srgbClr val="0070C0"/>
-                </a:solidFill>
-              </a:rPr>
-              <a:t>create</a:t>
-            </a:r>
-            <a:r>
-              <a:rPr lang="en-US" sz="1400" dirty="0" smtClean="0">
-                <a:solidFill>
-                  <a:srgbClr val="0070C0"/>
-                </a:solidFill>
-              </a:rPr>
-              <a:t> </a:t>
-            </a:r>
-            <a:r>
-              <a:rPr lang="en-US" sz="1400" dirty="0" smtClean="0">
-                <a:solidFill>
-                  <a:schemeClr val="tx1"/>
-                </a:solidFill>
-              </a:rPr>
-              <a:t>my own plan to finish tasks </a:t>
-            </a:r>
-            <a:r>
-              <a:rPr lang="en-US" sz="1400" b="1" dirty="0" smtClean="0">
-                <a:solidFill>
-                  <a:srgbClr val="0070C0"/>
-                </a:solidFill>
-              </a:rPr>
-              <a:t>well</a:t>
-            </a:r>
-            <a:r>
-              <a:rPr lang="en-US" sz="1400" dirty="0" smtClean="0">
-                <a:solidFill>
-                  <a:schemeClr val="tx1"/>
-                </a:solidFill>
-              </a:rPr>
-              <a:t>.</a:t>
-            </a:r>
-          </a:p>
-          <a:p>
-            <a:pPr marL="742950" lvl="1" indent="-285750">
-              <a:spcAft>
-                <a:spcPts val="400"/>
-              </a:spcAft>
-              <a:buFont typeface="Arial" panose="020B0604020202020204" pitchFamily="34" charset="0"/>
-              <a:buChar char="•"/>
-            </a:pPr>
-            <a:r>
-              <a:rPr lang="en-US" sz="1400" dirty="0" smtClean="0">
-                <a:solidFill>
-                  <a:schemeClr val="tx1"/>
-                </a:solidFill>
-              </a:rPr>
-              <a:t>Could do </a:t>
-            </a:r>
-            <a:r>
-              <a:rPr lang="en-US" sz="1400" b="1" dirty="0" smtClean="0">
-                <a:solidFill>
-                  <a:srgbClr val="0070C0"/>
-                </a:solidFill>
-              </a:rPr>
-              <a:t>similar</a:t>
-            </a:r>
-            <a:r>
-              <a:rPr lang="en-US" sz="1400" dirty="0" smtClean="0">
-                <a:solidFill>
-                  <a:schemeClr val="tx1"/>
-                </a:solidFill>
-              </a:rPr>
-              <a:t> tasks </a:t>
-            </a:r>
-            <a:r>
-              <a:rPr lang="en-US" sz="1400" b="1" dirty="0" smtClean="0">
-                <a:solidFill>
-                  <a:srgbClr val="FF0000"/>
-                </a:solidFill>
-              </a:rPr>
-              <a:t>without</a:t>
-            </a:r>
-            <a:r>
-              <a:rPr lang="en-US" sz="1400" dirty="0" smtClean="0">
-                <a:solidFill>
-                  <a:schemeClr val="tx1"/>
-                </a:solidFill>
-              </a:rPr>
-              <a:t> support and </a:t>
-            </a:r>
-            <a:r>
-              <a:rPr lang="en-US" sz="1400" b="1" dirty="0" smtClean="0">
-                <a:solidFill>
-                  <a:srgbClr val="0070C0"/>
-                </a:solidFill>
-              </a:rPr>
-              <a:t>parallel</a:t>
-            </a:r>
-            <a:r>
-              <a:rPr lang="en-US" sz="1400" dirty="0" smtClean="0">
-                <a:solidFill>
-                  <a:schemeClr val="tx1"/>
-                </a:solidFill>
-              </a:rPr>
-              <a:t> task with </a:t>
-            </a:r>
-            <a:r>
-              <a:rPr lang="en-US" sz="1400" b="1" dirty="0" smtClean="0">
-                <a:solidFill>
-                  <a:srgbClr val="FF0000"/>
-                </a:solidFill>
-              </a:rPr>
-              <a:t>a little bit </a:t>
-            </a:r>
-            <a:r>
-              <a:rPr lang="en-US" sz="1400" dirty="0" smtClean="0">
-                <a:solidFill>
-                  <a:schemeClr val="tx1"/>
-                </a:solidFill>
-              </a:rPr>
-              <a:t>support from mentor.</a:t>
-            </a:r>
-          </a:p>
-          <a:p>
-            <a:pPr marL="742950" lvl="1" indent="-285750">
-              <a:spcAft>
-                <a:spcPts val="400"/>
-              </a:spcAft>
-              <a:buFont typeface="Arial" panose="020B0604020202020204" pitchFamily="34" charset="0"/>
-              <a:buChar char="•"/>
-            </a:pPr>
-            <a:r>
-              <a:rPr lang="en-US" sz="1400" dirty="0" smtClean="0">
-                <a:solidFill>
-                  <a:schemeClr val="tx1"/>
-                </a:solidFill>
-              </a:rPr>
-              <a:t>Could </a:t>
-            </a:r>
-            <a:r>
-              <a:rPr lang="en-US" sz="1400" b="1" dirty="0" smtClean="0">
-                <a:solidFill>
-                  <a:srgbClr val="0070C0"/>
-                </a:solidFill>
-              </a:rPr>
-              <a:t>support</a:t>
-            </a:r>
-            <a:r>
-              <a:rPr lang="en-US" sz="1400" dirty="0" smtClean="0">
-                <a:solidFill>
-                  <a:schemeClr val="tx1"/>
-                </a:solidFill>
-              </a:rPr>
-              <a:t> new members to do their task.</a:t>
-            </a:r>
-          </a:p>
-          <a:p>
-            <a:pPr marL="742950" lvl="1" indent="-285750">
-              <a:spcAft>
-                <a:spcPts val="400"/>
-              </a:spcAft>
-              <a:buFont typeface="Arial" panose="020B0604020202020204" pitchFamily="34" charset="0"/>
-              <a:buChar char="•"/>
-            </a:pPr>
-            <a:r>
-              <a:rPr lang="en-US" sz="1400" b="1" dirty="0" smtClean="0">
-                <a:solidFill>
-                  <a:srgbClr val="0070C0"/>
-                </a:solidFill>
-              </a:rPr>
-              <a:t>Be able </a:t>
-            </a:r>
-            <a:r>
-              <a:rPr lang="en-US" sz="1400" dirty="0" smtClean="0">
-                <a:solidFill>
-                  <a:schemeClr val="tx1"/>
-                </a:solidFill>
-              </a:rPr>
-              <a:t>to work well in team and can suggestion solutions for tasks in RZ/G team.</a:t>
-            </a:r>
-          </a:p>
-        </p:txBody>
-      </p:sp>
-      <p:sp>
-        <p:nvSpPr>
-          <p:cNvPr id="20" name="TextBox 19"/>
-          <p:cNvSpPr txBox="1"/>
-          <p:nvPr/>
-        </p:nvSpPr>
-        <p:spPr>
-          <a:xfrm>
-            <a:off x="2999656" y="1705256"/>
-            <a:ext cx="1152091" cy="369332"/>
-          </a:xfrm>
-          <a:prstGeom prst="rect">
-            <a:avLst/>
-          </a:prstGeom>
-          <a:noFill/>
         </p:spPr>
         <p:txBody>
-          <a:bodyPr wrap="square" rtlCol="0">
-            <a:spAutoFit/>
-          </a:bodyPr>
+          <a:bodyPr/>
           <a:lstStyle/>
           <a:p>
             <a:r>
-              <a:rPr lang="en-US" b="1" dirty="0" smtClean="0">
+              <a:rPr lang="de-DE" dirty="0" smtClean="0"/>
+              <a:t>Looking back after 2 years</a:t>
+            </a:r>
+            <a:r>
+              <a:rPr lang="de-DE" dirty="0"/>
+              <a:t>	Page </a:t>
+            </a:r>
+            <a:r>
+              <a:rPr lang="de-DE" dirty="0" smtClean="0"/>
+              <a:t>04</a:t>
+            </a:r>
+          </a:p>
+          <a:p>
+            <a:r>
+              <a:rPr lang="de-DE" b="1" dirty="0" smtClean="0">
                 <a:solidFill>
                   <a:srgbClr val="0070C0"/>
                 </a:solidFill>
               </a:rPr>
-              <a:t>TARGET</a:t>
-            </a:r>
-            <a:endParaRPr lang="en-US" b="1" dirty="0">
+              <a:t>Target &amp; Achievement</a:t>
+            </a:r>
+            <a:r>
+              <a:rPr lang="de-DE" b="1" dirty="0">
+                <a:solidFill>
+                  <a:srgbClr val="0070C0"/>
+                </a:solidFill>
+              </a:rPr>
+              <a:t>	Page </a:t>
+            </a:r>
+            <a:r>
+              <a:rPr lang="de-DE" b="1" dirty="0" smtClean="0">
+                <a:solidFill>
+                  <a:srgbClr val="0070C0"/>
+                </a:solidFill>
+              </a:rPr>
+              <a:t>07</a:t>
+            </a:r>
+            <a:endParaRPr lang="de-DE" b="1" dirty="0">
               <a:solidFill>
                 <a:srgbClr val="0070C0"/>
               </a:solidFill>
             </a:endParaRPr>
           </a:p>
-        </p:txBody>
-      </p:sp>
-      <p:sp>
-        <p:nvSpPr>
-          <p:cNvPr id="23" name="TextBox 22"/>
-          <p:cNvSpPr txBox="1"/>
-          <p:nvPr/>
-        </p:nvSpPr>
-        <p:spPr>
-          <a:xfrm>
-            <a:off x="8472264" y="1621349"/>
-            <a:ext cx="1889080" cy="369332"/>
-          </a:xfrm>
-          <a:prstGeom prst="rect">
-            <a:avLst/>
-          </a:prstGeom>
-          <a:noFill/>
-        </p:spPr>
-        <p:txBody>
-          <a:bodyPr wrap="square" rtlCol="0">
-            <a:spAutoFit/>
-          </a:bodyPr>
-          <a:lstStyle/>
-          <a:p>
-            <a:r>
-              <a:rPr lang="en-US" b="1" dirty="0" smtClean="0">
-                <a:solidFill>
-                  <a:srgbClr val="0070C0"/>
-                </a:solidFill>
-              </a:rPr>
-              <a:t>ACHIEVEMENT</a:t>
-            </a:r>
-            <a:endParaRPr lang="en-US" b="1" dirty="0">
-              <a:solidFill>
-                <a:srgbClr val="0070C0"/>
-              </a:solidFill>
-            </a:endParaRPr>
+          <a:p>
+            <a:r>
+              <a:rPr lang="de-DE" dirty="0"/>
+              <a:t>Current Status	Page </a:t>
+            </a:r>
+            <a:r>
+              <a:rPr lang="de-DE" dirty="0" smtClean="0"/>
+              <a:t>09</a:t>
+            </a:r>
+            <a:endParaRPr lang="de-DE" dirty="0"/>
+          </a:p>
+          <a:p>
+            <a:r>
+              <a:rPr lang="de-DE" dirty="0" smtClean="0"/>
+              <a:t>Difficulties and Solution	Page </a:t>
+            </a:r>
+            <a:r>
+              <a:rPr lang="de-DE" dirty="0" smtClean="0"/>
+              <a:t>14</a:t>
+            </a:r>
+            <a:endParaRPr lang="de-DE" dirty="0" smtClean="0"/>
+          </a:p>
+          <a:p>
+            <a:r>
+              <a:rPr lang="de-DE" dirty="0" smtClean="0"/>
+              <a:t>Next plan</a:t>
+            </a:r>
+            <a:r>
+              <a:rPr lang="de-DE" dirty="0"/>
+              <a:t>	Page </a:t>
+            </a:r>
+            <a:r>
+              <a:rPr lang="de-DE" dirty="0" smtClean="0"/>
+              <a:t>17</a:t>
+            </a:r>
+            <a:endParaRPr lang="de-DE" dirty="0"/>
           </a:p>
         </p:txBody>
       </p:sp>
     </p:spTree>
     <p:extLst>
       <p:ext uri="{BB962C8B-B14F-4D97-AF65-F5344CB8AC3E}">
-        <p14:creationId xmlns:p14="http://schemas.microsoft.com/office/powerpoint/2010/main" val="68538971"/>
+        <p14:creationId xmlns:p14="http://schemas.microsoft.com/office/powerpoint/2010/main" val="2013043970"/>
       </p:ext>
     </p:extLst>
   </p:cSld>
@@ -27851,6 +28520,1406 @@
       </p:grpSpPr>
       <p:sp>
         <p:nvSpPr>
+          <p:cNvPr id="2" name="Title 1"/>
+          <p:cNvSpPr>
+            <a:spLocks noGrp="1"/>
+          </p:cNvSpPr>
+          <p:nvPr>
+            <p:ph type="title"/>
+          </p:nvPr>
+        </p:nvSpPr>
+        <p:spPr>
+          <a:xfrm>
+            <a:off x="1080000" y="936000"/>
+            <a:ext cx="8520000" cy="443198"/>
+          </a:xfrm>
+        </p:spPr>
+        <p:txBody>
+          <a:bodyPr/>
+          <a:lstStyle/>
+          <a:p>
+            <a:r>
+              <a:rPr lang="en-US" cap="none" dirty="0" smtClean="0"/>
+              <a:t>TARGET &amp; ACHIEVEMENT</a:t>
+            </a:r>
+            <a:endParaRPr lang="en-US" cap="none" dirty="0"/>
+          </a:p>
+        </p:txBody>
+      </p:sp>
+      <p:sp>
+        <p:nvSpPr>
+          <p:cNvPr id="3" name="Slide Number Placeholder 2"/>
+          <p:cNvSpPr>
+            <a:spLocks noGrp="1"/>
+          </p:cNvSpPr>
+          <p:nvPr>
+            <p:ph type="sldNum" sz="quarter" idx="10"/>
+          </p:nvPr>
+        </p:nvSpPr>
+        <p:spPr/>
+        <p:txBody>
+          <a:bodyPr/>
+          <a:lstStyle/>
+          <a:p>
+            <a:pPr algn="l"/>
+            <a:r>
+              <a:rPr lang="de-DE" smtClean="0"/>
+              <a:t>Page </a:t>
+            </a:r>
+            <a:fld id="{3FD030EF-7044-4946-962A-5D7D09BD1B34}" type="slidenum">
+              <a:rPr lang="de-DE" smtClean="0"/>
+              <a:pPr algn="l"/>
+              <a:t>7</a:t>
+            </a:fld>
+            <a:endParaRPr lang="de-DE" dirty="0"/>
+          </a:p>
+        </p:txBody>
+      </p:sp>
+      <p:graphicFrame>
+        <p:nvGraphicFramePr>
+          <p:cNvPr id="4" name="Table 3"/>
+          <p:cNvGraphicFramePr>
+            <a:graphicFrameLocks noGrp="1"/>
+          </p:cNvGraphicFramePr>
+          <p:nvPr>
+            <p:extLst>
+              <p:ext uri="{D42A27DB-BD31-4B8C-83A1-F6EECF244321}">
+                <p14:modId xmlns:p14="http://schemas.microsoft.com/office/powerpoint/2010/main" val="3172316531"/>
+              </p:ext>
+            </p:extLst>
+          </p:nvPr>
+        </p:nvGraphicFramePr>
+        <p:xfrm>
+          <a:off x="695436" y="1844824"/>
+          <a:ext cx="11233211" cy="3637280"/>
+        </p:xfrm>
+        <a:graphic>
+          <a:graphicData uri="http://schemas.openxmlformats.org/drawingml/2006/table">
+            <a:tbl>
+              <a:tblPr firstRow="1" bandRow="1">
+                <a:tableStyleId>{5C22544A-7EE6-4342-B048-85BDC9FD1C3A}</a:tableStyleId>
+              </a:tblPr>
+              <a:tblGrid>
+                <a:gridCol w="4752492">
+                  <a:extLst>
+                    <a:ext uri="{9D8B030D-6E8A-4147-A177-3AD203B41FA5}">
+                      <a16:colId xmlns:a16="http://schemas.microsoft.com/office/drawing/2014/main" val="3097399778"/>
+                    </a:ext>
+                  </a:extLst>
+                </a:gridCol>
+                <a:gridCol w="5616624">
+                  <a:extLst>
+                    <a:ext uri="{9D8B030D-6E8A-4147-A177-3AD203B41FA5}">
+                      <a16:colId xmlns:a16="http://schemas.microsoft.com/office/drawing/2014/main" val="3490367024"/>
+                    </a:ext>
+                  </a:extLst>
+                </a:gridCol>
+                <a:gridCol w="864095">
+                  <a:extLst>
+                    <a:ext uri="{9D8B030D-6E8A-4147-A177-3AD203B41FA5}">
+                      <a16:colId xmlns:a16="http://schemas.microsoft.com/office/drawing/2014/main" val="329299105"/>
+                    </a:ext>
+                  </a:extLst>
+                </a:gridCol>
+              </a:tblGrid>
+              <a:tr h="370840">
+                <a:tc>
+                  <a:txBody>
+                    <a:bodyPr/>
+                    <a:lstStyle/>
+                    <a:p>
+                      <a:r>
+                        <a:rPr lang="en-US" dirty="0" smtClean="0"/>
+                        <a:t>TARGET (Become Engineer Level</a:t>
+                      </a:r>
+                      <a:r>
+                        <a:rPr lang="en-US" baseline="0" dirty="0" smtClean="0"/>
+                        <a:t> 2)</a:t>
+                      </a:r>
+                      <a:endParaRPr lang="en-US" dirty="0"/>
+                    </a:p>
+                  </a:txBody>
+                  <a:tcPr/>
+                </a:tc>
+                <a:tc>
+                  <a:txBody>
+                    <a:bodyPr/>
+                    <a:lstStyle/>
+                    <a:p>
+                      <a:r>
+                        <a:rPr lang="en-US" dirty="0" smtClean="0"/>
+                        <a:t>ACHIEVEMENT ( I am Engineer level 2)</a:t>
+                      </a:r>
+                      <a:endParaRPr lang="en-US" dirty="0"/>
+                    </a:p>
+                  </a:txBody>
+                  <a:tcPr/>
+                </a:tc>
+                <a:tc>
+                  <a:txBody>
+                    <a:bodyPr/>
+                    <a:lstStyle/>
+                    <a:p>
+                      <a:r>
+                        <a:rPr lang="en-US" sz="1600" dirty="0" smtClean="0"/>
+                        <a:t>Same</a:t>
+                      </a:r>
+                      <a:endParaRPr lang="en-US" sz="1600" dirty="0"/>
+                    </a:p>
+                  </a:txBody>
+                  <a:tcPr/>
+                </a:tc>
+                <a:extLst>
+                  <a:ext uri="{0D108BD9-81ED-4DB2-BD59-A6C34878D82A}">
+                    <a16:rowId xmlns:a16="http://schemas.microsoft.com/office/drawing/2014/main" val="115462506"/>
+                  </a:ext>
+                </a:extLst>
+              </a:tr>
+              <a:tr h="370840">
+                <a:tc>
+                  <a:txBody>
+                    <a:bodyPr/>
+                    <a:lstStyle/>
+                    <a:p>
+                      <a:pPr marL="0" marR="0" lvl="0" indent="0" algn="l" defTabSz="914400" rtl="0" eaLnBrk="1" fontAlgn="auto" latinLnBrk="0" hangingPunct="1">
+                        <a:lnSpc>
+                          <a:spcPct val="100000"/>
+                        </a:lnSpc>
+                        <a:spcBef>
+                          <a:spcPts val="0"/>
+                        </a:spcBef>
+                        <a:spcAft>
+                          <a:spcPts val="0"/>
+                        </a:spcAft>
+                        <a:buClrTx/>
+                        <a:buSzTx/>
+                        <a:buFontTx/>
+                        <a:buNone/>
+                        <a:tabLst/>
+                        <a:defRPr/>
+                      </a:pPr>
+                      <a:r>
+                        <a:rPr lang="en-US" sz="1600" dirty="0" smtClean="0">
+                          <a:solidFill>
+                            <a:schemeClr val="tx1"/>
+                          </a:solidFill>
+                        </a:rPr>
+                        <a:t>Could </a:t>
+                      </a:r>
+                      <a:r>
+                        <a:rPr lang="en-US" sz="1600" b="1" dirty="0" smtClean="0">
+                          <a:solidFill>
+                            <a:srgbClr val="0070C0"/>
+                          </a:solidFill>
+                        </a:rPr>
+                        <a:t>manage</a:t>
+                      </a:r>
+                      <a:r>
+                        <a:rPr lang="en-US" sz="1600" dirty="0" smtClean="0">
+                          <a:solidFill>
+                            <a:srgbClr val="0070C0"/>
+                          </a:solidFill>
+                        </a:rPr>
+                        <a:t> </a:t>
+                      </a:r>
+                      <a:r>
+                        <a:rPr lang="en-US" sz="1600" dirty="0" smtClean="0">
+                          <a:solidFill>
+                            <a:schemeClr val="tx1"/>
+                          </a:solidFill>
+                        </a:rPr>
+                        <a:t>and </a:t>
+                      </a:r>
+                      <a:r>
+                        <a:rPr lang="en-US" sz="1600" b="1" dirty="0" smtClean="0">
+                          <a:solidFill>
+                            <a:srgbClr val="0070C0"/>
+                          </a:solidFill>
+                        </a:rPr>
+                        <a:t>create</a:t>
+                      </a:r>
+                      <a:r>
+                        <a:rPr lang="en-US" sz="1600" dirty="0" smtClean="0">
+                          <a:solidFill>
+                            <a:srgbClr val="0070C0"/>
+                          </a:solidFill>
+                        </a:rPr>
+                        <a:t> </a:t>
+                      </a:r>
+                      <a:r>
+                        <a:rPr lang="en-US" sz="1600" dirty="0" smtClean="0">
+                          <a:solidFill>
+                            <a:schemeClr val="tx1"/>
+                          </a:solidFill>
+                        </a:rPr>
+                        <a:t>my own plan to finish tasks </a:t>
+                      </a:r>
+                      <a:r>
+                        <a:rPr lang="en-US" sz="1600" b="1" dirty="0" smtClean="0">
+                          <a:solidFill>
+                            <a:srgbClr val="0070C0"/>
+                          </a:solidFill>
+                        </a:rPr>
+                        <a:t>well</a:t>
+                      </a:r>
+                      <a:endParaRPr lang="en-US" sz="1600" dirty="0" smtClean="0">
+                        <a:solidFill>
+                          <a:schemeClr val="tx1"/>
+                        </a:solidFill>
+                      </a:endParaRPr>
+                    </a:p>
+                  </a:txBody>
+                  <a:tcPr/>
+                </a:tc>
+                <a:tc>
+                  <a:txBody>
+                    <a:bodyPr/>
+                    <a:lstStyle/>
+                    <a:p>
+                      <a:pPr marL="0" marR="0" lvl="0" indent="0" algn="l" defTabSz="914400" rtl="0" eaLnBrk="1" fontAlgn="auto" latinLnBrk="0" hangingPunct="1">
+                        <a:lnSpc>
+                          <a:spcPct val="100000"/>
+                        </a:lnSpc>
+                        <a:spcBef>
+                          <a:spcPts val="0"/>
+                        </a:spcBef>
+                        <a:spcAft>
+                          <a:spcPts val="0"/>
+                        </a:spcAft>
+                        <a:buClrTx/>
+                        <a:buSzTx/>
+                        <a:buFontTx/>
+                        <a:buNone/>
+                        <a:tabLst/>
+                        <a:defRPr/>
+                      </a:pPr>
+                      <a:r>
+                        <a:rPr lang="en-US" sz="1600" dirty="0" smtClean="0">
+                          <a:solidFill>
+                            <a:schemeClr val="tx1"/>
+                          </a:solidFill>
+                        </a:rPr>
+                        <a:t>Could </a:t>
+                      </a:r>
+                      <a:r>
+                        <a:rPr lang="en-US" sz="1600" b="1" dirty="0" smtClean="0">
+                          <a:solidFill>
+                            <a:srgbClr val="0070C0"/>
+                          </a:solidFill>
+                        </a:rPr>
+                        <a:t>manage</a:t>
+                      </a:r>
+                      <a:r>
+                        <a:rPr lang="en-US" sz="1600" dirty="0" smtClean="0">
+                          <a:solidFill>
+                            <a:srgbClr val="0070C0"/>
+                          </a:solidFill>
+                        </a:rPr>
+                        <a:t> </a:t>
+                      </a:r>
+                      <a:r>
+                        <a:rPr lang="en-US" sz="1600" dirty="0" smtClean="0">
+                          <a:solidFill>
+                            <a:schemeClr val="tx1"/>
+                          </a:solidFill>
+                        </a:rPr>
+                        <a:t>and </a:t>
+                      </a:r>
+                      <a:r>
+                        <a:rPr lang="en-US" sz="1600" b="1" dirty="0" smtClean="0">
+                          <a:solidFill>
+                            <a:srgbClr val="0070C0"/>
+                          </a:solidFill>
+                        </a:rPr>
+                        <a:t>create</a:t>
+                      </a:r>
+                      <a:r>
+                        <a:rPr lang="en-US" sz="1600" dirty="0" smtClean="0">
+                          <a:solidFill>
+                            <a:srgbClr val="0070C0"/>
+                          </a:solidFill>
+                        </a:rPr>
+                        <a:t> </a:t>
+                      </a:r>
+                      <a:r>
+                        <a:rPr lang="en-US" sz="1600" dirty="0" smtClean="0">
+                          <a:solidFill>
+                            <a:schemeClr val="tx1"/>
+                          </a:solidFill>
+                        </a:rPr>
+                        <a:t>my own plan to finish tasks </a:t>
+                      </a:r>
+                      <a:r>
+                        <a:rPr lang="en-US" sz="1600" b="1" dirty="0" smtClean="0">
+                          <a:solidFill>
+                            <a:srgbClr val="0070C0"/>
+                          </a:solidFill>
+                        </a:rPr>
+                        <a:t>well</a:t>
+                      </a:r>
+                      <a:r>
+                        <a:rPr lang="en-US" sz="1600" dirty="0" smtClean="0">
+                          <a:solidFill>
+                            <a:schemeClr val="tx1"/>
+                          </a:solidFill>
+                        </a:rPr>
+                        <a:t>.</a:t>
+                      </a:r>
+                    </a:p>
+                  </a:txBody>
+                  <a:tcPr/>
+                </a:tc>
+                <a:tc>
+                  <a:txBody>
+                    <a:bodyPr/>
+                    <a:lstStyle/>
+                    <a:p>
+                      <a:pPr marL="0" marR="0" lvl="0" indent="0" algn="l" defTabSz="914400" rtl="0" eaLnBrk="1" fontAlgn="auto" latinLnBrk="0" hangingPunct="1">
+                        <a:lnSpc>
+                          <a:spcPct val="100000"/>
+                        </a:lnSpc>
+                        <a:spcBef>
+                          <a:spcPts val="0"/>
+                        </a:spcBef>
+                        <a:spcAft>
+                          <a:spcPts val="0"/>
+                        </a:spcAft>
+                        <a:buClrTx/>
+                        <a:buSzTx/>
+                        <a:buFontTx/>
+                        <a:buNone/>
+                        <a:tabLst/>
+                        <a:defRPr/>
+                      </a:pPr>
+                      <a:endParaRPr lang="en-US" sz="1600" dirty="0" smtClean="0">
+                        <a:solidFill>
+                          <a:schemeClr val="tx1"/>
+                        </a:solidFill>
+                      </a:endParaRPr>
+                    </a:p>
+                  </a:txBody>
+                  <a:tcPr/>
+                </a:tc>
+                <a:extLst>
+                  <a:ext uri="{0D108BD9-81ED-4DB2-BD59-A6C34878D82A}">
+                    <a16:rowId xmlns:a16="http://schemas.microsoft.com/office/drawing/2014/main" val="3232880070"/>
+                  </a:ext>
+                </a:extLst>
+              </a:tr>
+              <a:tr h="370840">
+                <a:tc>
+                  <a:txBody>
+                    <a:bodyPr/>
+                    <a:lstStyle/>
+                    <a:p>
+                      <a:pPr marL="0" marR="0" lvl="0" indent="0" algn="l" defTabSz="914400" rtl="0" eaLnBrk="1" fontAlgn="auto" latinLnBrk="0" hangingPunct="1">
+                        <a:lnSpc>
+                          <a:spcPct val="100000"/>
+                        </a:lnSpc>
+                        <a:spcBef>
+                          <a:spcPts val="0"/>
+                        </a:spcBef>
+                        <a:spcAft>
+                          <a:spcPts val="0"/>
+                        </a:spcAft>
+                        <a:buClrTx/>
+                        <a:buSzTx/>
+                        <a:buFontTx/>
+                        <a:buNone/>
+                        <a:tabLst/>
+                        <a:defRPr/>
+                      </a:pPr>
+                      <a:r>
+                        <a:rPr lang="en-US" sz="1600" b="1" dirty="0" smtClean="0">
+                          <a:solidFill>
+                            <a:srgbClr val="0070C0"/>
+                          </a:solidFill>
+                        </a:rPr>
+                        <a:t>Be able </a:t>
+                      </a:r>
+                      <a:r>
+                        <a:rPr lang="en-US" sz="1600" dirty="0" smtClean="0">
+                          <a:solidFill>
+                            <a:schemeClr val="tx1"/>
+                          </a:solidFill>
+                        </a:rPr>
+                        <a:t>to work well in team and can suggest solutions for tasks in RZ/G team.</a:t>
+                      </a:r>
+                    </a:p>
+                  </a:txBody>
+                  <a:tcPr/>
+                </a:tc>
+                <a:tc>
+                  <a:txBody>
+                    <a:bodyPr/>
+                    <a:lstStyle/>
+                    <a:p>
+                      <a:pPr marL="0" marR="0" lvl="0" indent="0" algn="l" defTabSz="914400" rtl="0" eaLnBrk="1" fontAlgn="auto" latinLnBrk="0" hangingPunct="1">
+                        <a:lnSpc>
+                          <a:spcPct val="100000"/>
+                        </a:lnSpc>
+                        <a:spcBef>
+                          <a:spcPts val="0"/>
+                        </a:spcBef>
+                        <a:spcAft>
+                          <a:spcPts val="0"/>
+                        </a:spcAft>
+                        <a:buClrTx/>
+                        <a:buSzTx/>
+                        <a:buFontTx/>
+                        <a:buNone/>
+                        <a:tabLst/>
+                        <a:defRPr/>
+                      </a:pPr>
+                      <a:r>
+                        <a:rPr lang="en-US" sz="1600" b="1" dirty="0" smtClean="0">
+                          <a:solidFill>
+                            <a:srgbClr val="0070C0"/>
+                          </a:solidFill>
+                        </a:rPr>
+                        <a:t>Be able </a:t>
+                      </a:r>
+                      <a:r>
+                        <a:rPr lang="en-US" sz="1600" dirty="0" smtClean="0">
+                          <a:solidFill>
+                            <a:schemeClr val="tx1"/>
+                          </a:solidFill>
+                        </a:rPr>
+                        <a:t>to work well in team and can suggest solutions for tasks in RZ/G team.</a:t>
+                      </a:r>
+                    </a:p>
+                  </a:txBody>
+                  <a:tcPr/>
+                </a:tc>
+                <a:tc>
+                  <a:txBody>
+                    <a:bodyPr/>
+                    <a:lstStyle/>
+                    <a:p>
+                      <a:pPr marL="0" marR="0" lvl="0" indent="0" algn="l" defTabSz="914400" rtl="0" eaLnBrk="1" fontAlgn="auto" latinLnBrk="0" hangingPunct="1">
+                        <a:lnSpc>
+                          <a:spcPct val="100000"/>
+                        </a:lnSpc>
+                        <a:spcBef>
+                          <a:spcPts val="0"/>
+                        </a:spcBef>
+                        <a:spcAft>
+                          <a:spcPts val="0"/>
+                        </a:spcAft>
+                        <a:buClrTx/>
+                        <a:buSzTx/>
+                        <a:buFontTx/>
+                        <a:buNone/>
+                        <a:tabLst/>
+                        <a:defRPr/>
+                      </a:pPr>
+                      <a:endParaRPr lang="en-US" sz="1600" dirty="0" smtClean="0">
+                        <a:solidFill>
+                          <a:schemeClr val="tx1"/>
+                        </a:solidFill>
+                      </a:endParaRPr>
+                    </a:p>
+                  </a:txBody>
+                  <a:tcPr/>
+                </a:tc>
+                <a:extLst>
+                  <a:ext uri="{0D108BD9-81ED-4DB2-BD59-A6C34878D82A}">
+                    <a16:rowId xmlns:a16="http://schemas.microsoft.com/office/drawing/2014/main" val="131384308"/>
+                  </a:ext>
+                </a:extLst>
+              </a:tr>
+              <a:tr h="370840">
+                <a:tc>
+                  <a:txBody>
+                    <a:bodyPr/>
+                    <a:lstStyle/>
+                    <a:p>
+                      <a:pPr marL="0" marR="0" lvl="0" indent="0" algn="l" defTabSz="914400" rtl="0" eaLnBrk="1" fontAlgn="auto" latinLnBrk="0" hangingPunct="1">
+                        <a:lnSpc>
+                          <a:spcPct val="100000"/>
+                        </a:lnSpc>
+                        <a:spcBef>
+                          <a:spcPts val="0"/>
+                        </a:spcBef>
+                        <a:spcAft>
+                          <a:spcPts val="0"/>
+                        </a:spcAft>
+                        <a:buClrTx/>
+                        <a:buSzTx/>
+                        <a:buFontTx/>
+                        <a:buNone/>
+                        <a:tabLst/>
+                        <a:defRPr/>
+                      </a:pPr>
+                      <a:r>
+                        <a:rPr lang="en-US" sz="1600" dirty="0" smtClean="0">
+                          <a:solidFill>
+                            <a:schemeClr val="tx1"/>
+                          </a:solidFill>
+                        </a:rPr>
+                        <a:t>Could </a:t>
+                      </a:r>
+                      <a:r>
+                        <a:rPr lang="en-US" sz="1600" b="1" dirty="0" smtClean="0">
+                          <a:solidFill>
+                            <a:srgbClr val="0070C0"/>
+                          </a:solidFill>
+                        </a:rPr>
+                        <a:t>support</a:t>
+                      </a:r>
+                      <a:r>
+                        <a:rPr lang="en-US" sz="1600" dirty="0" smtClean="0">
+                          <a:solidFill>
+                            <a:schemeClr val="tx1"/>
+                          </a:solidFill>
+                        </a:rPr>
+                        <a:t> new members to do their task.</a:t>
+                      </a:r>
+                      <a:endParaRPr lang="en-US" sz="1600" dirty="0" smtClean="0">
+                        <a:solidFill>
+                          <a:schemeClr val="tx1"/>
+                        </a:solidFill>
+                      </a:endParaRPr>
+                    </a:p>
+                  </a:txBody>
+                  <a:tcPr/>
+                </a:tc>
+                <a:tc>
+                  <a:txBody>
+                    <a:bodyPr/>
+                    <a:lstStyle/>
+                    <a:p>
+                      <a:r>
+                        <a:rPr lang="en-US" sz="1600" dirty="0" smtClean="0">
+                          <a:solidFill>
+                            <a:schemeClr val="tx1"/>
+                          </a:solidFill>
+                        </a:rPr>
+                        <a:t>Could </a:t>
+                      </a:r>
+                      <a:r>
+                        <a:rPr lang="en-US" sz="1600" b="1" dirty="0" smtClean="0">
+                          <a:solidFill>
+                            <a:srgbClr val="0070C0"/>
+                          </a:solidFill>
+                        </a:rPr>
+                        <a:t>guide </a:t>
+                      </a:r>
+                      <a:r>
+                        <a:rPr lang="en-US" sz="1600" b="0" dirty="0" smtClean="0">
+                          <a:solidFill>
+                            <a:schemeClr val="tx1"/>
+                          </a:solidFill>
+                        </a:rPr>
+                        <a:t>new members </a:t>
+                      </a:r>
+                      <a:r>
+                        <a:rPr lang="en-US" sz="1600" dirty="0" smtClean="0">
+                          <a:solidFill>
+                            <a:schemeClr val="tx1"/>
+                          </a:solidFill>
+                        </a:rPr>
+                        <a:t>and </a:t>
+                      </a:r>
+                      <a:r>
+                        <a:rPr lang="en-US" sz="1600" b="1" dirty="0" smtClean="0">
+                          <a:solidFill>
+                            <a:srgbClr val="0070C0"/>
+                          </a:solidFill>
+                        </a:rPr>
+                        <a:t>support</a:t>
+                      </a:r>
+                      <a:r>
+                        <a:rPr lang="en-US" sz="1600" dirty="0" smtClean="0">
+                          <a:solidFill>
+                            <a:srgbClr val="0070C0"/>
+                          </a:solidFill>
+                        </a:rPr>
+                        <a:t> </a:t>
+                      </a:r>
+                      <a:r>
+                        <a:rPr lang="en-US" sz="1600" dirty="0" smtClean="0">
+                          <a:solidFill>
+                            <a:schemeClr val="tx1"/>
+                          </a:solidFill>
+                        </a:rPr>
+                        <a:t>colleagues in their tasks. </a:t>
+                      </a:r>
+                      <a:r>
+                        <a:rPr lang="en-US" sz="1600" b="1" dirty="0" smtClean="0">
+                          <a:solidFill>
+                            <a:srgbClr val="0070C0"/>
+                          </a:solidFill>
+                        </a:rPr>
+                        <a:t>Especially</a:t>
+                      </a:r>
+                      <a:r>
+                        <a:rPr lang="en-US" sz="1600" b="1" dirty="0" smtClean="0">
+                          <a:solidFill>
+                            <a:srgbClr val="FF0000"/>
+                          </a:solidFill>
+                        </a:rPr>
+                        <a:t> </a:t>
+                      </a:r>
+                      <a:r>
+                        <a:rPr lang="en-US" sz="1600" dirty="0" smtClean="0">
+                          <a:solidFill>
+                            <a:schemeClr val="tx1"/>
+                          </a:solidFill>
+                        </a:rPr>
+                        <a:t>for</a:t>
+                      </a:r>
+                      <a:r>
+                        <a:rPr lang="en-US" sz="1600" dirty="0" smtClean="0">
+                          <a:solidFill>
+                            <a:srgbClr val="FF0000"/>
+                          </a:solidFill>
+                        </a:rPr>
+                        <a:t> </a:t>
+                      </a:r>
+                      <a:r>
+                        <a:rPr lang="en-US" sz="1600" dirty="0" smtClean="0">
+                          <a:solidFill>
+                            <a:schemeClr val="tx1"/>
+                          </a:solidFill>
+                        </a:rPr>
+                        <a:t>Android.</a:t>
+                      </a:r>
+                      <a:endParaRPr lang="en-US" sz="1600" dirty="0" smtClean="0">
+                        <a:solidFill>
+                          <a:schemeClr val="tx1"/>
+                        </a:solidFill>
+                      </a:endParaRPr>
+                    </a:p>
+                  </a:txBody>
+                  <a:tcPr/>
+                </a:tc>
+                <a:tc>
+                  <a:txBody>
+                    <a:bodyPr/>
+                    <a:lstStyle/>
+                    <a:p>
+                      <a:endParaRPr lang="en-US" sz="1600" dirty="0" smtClean="0">
+                        <a:solidFill>
+                          <a:schemeClr val="tx1"/>
+                        </a:solidFill>
+                      </a:endParaRPr>
+                    </a:p>
+                  </a:txBody>
+                  <a:tcPr/>
+                </a:tc>
+                <a:extLst>
+                  <a:ext uri="{0D108BD9-81ED-4DB2-BD59-A6C34878D82A}">
+                    <a16:rowId xmlns:a16="http://schemas.microsoft.com/office/drawing/2014/main" val="353684029"/>
+                  </a:ext>
+                </a:extLst>
+              </a:tr>
+              <a:tr h="370840">
+                <a:tc>
+                  <a:txBody>
+                    <a:bodyPr/>
+                    <a:lstStyle/>
+                    <a:p>
+                      <a:pPr marL="0" marR="0" lvl="0" indent="0" algn="l" defTabSz="914400" rtl="0" eaLnBrk="1" fontAlgn="auto" latinLnBrk="0" hangingPunct="1">
+                        <a:lnSpc>
+                          <a:spcPct val="100000"/>
+                        </a:lnSpc>
+                        <a:spcBef>
+                          <a:spcPts val="0"/>
+                        </a:spcBef>
+                        <a:spcAft>
+                          <a:spcPts val="0"/>
+                        </a:spcAft>
+                        <a:buClrTx/>
+                        <a:buSzTx/>
+                        <a:buFontTx/>
+                        <a:buNone/>
+                        <a:tabLst/>
+                        <a:defRPr/>
+                      </a:pPr>
+                      <a:r>
+                        <a:rPr lang="en-US" sz="1600" dirty="0" smtClean="0">
+                          <a:solidFill>
+                            <a:schemeClr val="tx1"/>
+                          </a:solidFill>
+                        </a:rPr>
+                        <a:t>Could do </a:t>
+                      </a:r>
+                      <a:r>
+                        <a:rPr lang="en-US" sz="1600" b="1" dirty="0" smtClean="0">
+                          <a:solidFill>
+                            <a:srgbClr val="0070C0"/>
+                          </a:solidFill>
+                        </a:rPr>
+                        <a:t>similar</a:t>
+                      </a:r>
+                      <a:r>
+                        <a:rPr lang="en-US" sz="1600" dirty="0" smtClean="0">
+                          <a:solidFill>
+                            <a:schemeClr val="tx1"/>
+                          </a:solidFill>
+                        </a:rPr>
+                        <a:t> tasks </a:t>
+                      </a:r>
+                      <a:r>
+                        <a:rPr lang="en-US" sz="1600" b="1" dirty="0" smtClean="0">
+                          <a:solidFill>
+                            <a:srgbClr val="FF0000"/>
+                          </a:solidFill>
+                        </a:rPr>
+                        <a:t>without</a:t>
+                      </a:r>
+                      <a:r>
+                        <a:rPr lang="en-US" sz="1600" dirty="0" smtClean="0">
+                          <a:solidFill>
+                            <a:schemeClr val="tx1"/>
+                          </a:solidFill>
+                        </a:rPr>
+                        <a:t> support and </a:t>
+                      </a:r>
+                      <a:r>
+                        <a:rPr lang="en-US" sz="1600" b="1" dirty="0" smtClean="0">
+                          <a:solidFill>
+                            <a:srgbClr val="0070C0"/>
+                          </a:solidFill>
+                        </a:rPr>
+                        <a:t>parallel</a:t>
+                      </a:r>
+                      <a:r>
+                        <a:rPr lang="en-US" sz="1600" dirty="0" smtClean="0">
+                          <a:solidFill>
+                            <a:schemeClr val="tx1"/>
+                          </a:solidFill>
+                        </a:rPr>
+                        <a:t> task with </a:t>
+                      </a:r>
+                      <a:r>
+                        <a:rPr lang="en-US" sz="1600" b="1" dirty="0" smtClean="0">
+                          <a:solidFill>
+                            <a:srgbClr val="FF0000"/>
+                          </a:solidFill>
+                        </a:rPr>
+                        <a:t>a little bit </a:t>
+                      </a:r>
+                      <a:r>
+                        <a:rPr lang="en-US" sz="1600" dirty="0" smtClean="0">
+                          <a:solidFill>
+                            <a:schemeClr val="tx1"/>
+                          </a:solidFill>
+                        </a:rPr>
+                        <a:t>support from mentor.</a:t>
+                      </a:r>
+                    </a:p>
+                  </a:txBody>
+                  <a:tcPr/>
+                </a:tc>
+                <a:tc>
+                  <a:txBody>
+                    <a:bodyPr/>
+                    <a:lstStyle/>
+                    <a:p>
+                      <a:pPr marL="0" marR="0" lvl="0" indent="0" algn="l" defTabSz="914400" rtl="0" eaLnBrk="1" fontAlgn="auto" latinLnBrk="0" hangingPunct="1">
+                        <a:lnSpc>
+                          <a:spcPct val="100000"/>
+                        </a:lnSpc>
+                        <a:spcBef>
+                          <a:spcPts val="0"/>
+                        </a:spcBef>
+                        <a:spcAft>
+                          <a:spcPts val="0"/>
+                        </a:spcAft>
+                        <a:buClrTx/>
+                        <a:buSzTx/>
+                        <a:buFontTx/>
+                        <a:buNone/>
+                        <a:tabLst/>
+                        <a:defRPr/>
+                      </a:pPr>
+                      <a:r>
+                        <a:rPr lang="en-US" sz="1600" dirty="0" smtClean="0">
+                          <a:solidFill>
+                            <a:schemeClr val="tx1"/>
+                          </a:solidFill>
+                        </a:rPr>
+                        <a:t>Could work </a:t>
+                      </a:r>
+                      <a:r>
+                        <a:rPr lang="en-US" sz="1600" b="1" dirty="0" smtClean="0">
+                          <a:solidFill>
+                            <a:srgbClr val="0070C0"/>
+                          </a:solidFill>
+                        </a:rPr>
+                        <a:t>independent</a:t>
+                      </a:r>
+                      <a:r>
+                        <a:rPr lang="en-US" sz="1600" dirty="0" smtClean="0">
+                          <a:solidFill>
+                            <a:srgbClr val="0070C0"/>
+                          </a:solidFill>
+                        </a:rPr>
+                        <a:t> </a:t>
+                      </a:r>
+                      <a:r>
+                        <a:rPr lang="en-US" sz="1600" dirty="0" smtClean="0">
+                          <a:solidFill>
+                            <a:schemeClr val="tx1"/>
+                          </a:solidFill>
+                        </a:rPr>
+                        <a:t>and do </a:t>
+                      </a:r>
+                      <a:r>
+                        <a:rPr lang="en-US" sz="1600" b="1" dirty="0" smtClean="0">
+                          <a:solidFill>
+                            <a:srgbClr val="FF0000"/>
+                          </a:solidFill>
+                        </a:rPr>
+                        <a:t>NOT </a:t>
+                      </a:r>
+                      <a:r>
+                        <a:rPr lang="en-US" sz="1600" dirty="0" smtClean="0">
+                          <a:solidFill>
+                            <a:schemeClr val="tx1"/>
+                          </a:solidFill>
+                        </a:rPr>
+                        <a:t>need support from mentor anymore. (Android task).</a:t>
+                      </a:r>
+                    </a:p>
+                  </a:txBody>
+                  <a:tcPr/>
+                </a:tc>
+                <a:tc>
+                  <a:txBody>
+                    <a:bodyPr/>
+                    <a:lstStyle/>
+                    <a:p>
+                      <a:pPr marL="0" marR="0" lvl="0" indent="0" algn="l" defTabSz="914400" rtl="0" eaLnBrk="1" fontAlgn="auto" latinLnBrk="0" hangingPunct="1">
+                        <a:lnSpc>
+                          <a:spcPct val="100000"/>
+                        </a:lnSpc>
+                        <a:spcBef>
+                          <a:spcPts val="0"/>
+                        </a:spcBef>
+                        <a:spcAft>
+                          <a:spcPts val="0"/>
+                        </a:spcAft>
+                        <a:buClrTx/>
+                        <a:buSzTx/>
+                        <a:buFontTx/>
+                        <a:buNone/>
+                        <a:tabLst/>
+                        <a:defRPr/>
+                      </a:pPr>
+                      <a:endParaRPr lang="en-US" sz="1600" dirty="0" smtClean="0">
+                        <a:solidFill>
+                          <a:schemeClr val="tx1"/>
+                        </a:solidFill>
+                      </a:endParaRPr>
+                    </a:p>
+                  </a:txBody>
+                  <a:tcPr/>
+                </a:tc>
+                <a:extLst>
+                  <a:ext uri="{0D108BD9-81ED-4DB2-BD59-A6C34878D82A}">
+                    <a16:rowId xmlns:a16="http://schemas.microsoft.com/office/drawing/2014/main" val="3786781831"/>
+                  </a:ext>
+                </a:extLst>
+              </a:tr>
+              <a:tr h="370840">
+                <a:tc>
+                  <a:txBody>
+                    <a:bodyPr/>
+                    <a:lstStyle/>
+                    <a:p>
+                      <a:pPr marL="0" marR="0" lvl="0" indent="0" algn="l" defTabSz="914400" rtl="0" eaLnBrk="1" fontAlgn="auto" latinLnBrk="0" hangingPunct="1">
+                        <a:lnSpc>
+                          <a:spcPct val="100000"/>
+                        </a:lnSpc>
+                        <a:spcBef>
+                          <a:spcPts val="0"/>
+                        </a:spcBef>
+                        <a:spcAft>
+                          <a:spcPts val="0"/>
+                        </a:spcAft>
+                        <a:buClrTx/>
+                        <a:buSzTx/>
+                        <a:buFontTx/>
+                        <a:buNone/>
+                        <a:tabLst/>
+                        <a:defRPr/>
+                      </a:pPr>
+                      <a:endParaRPr lang="en-US" sz="1600" dirty="0" smtClean="0">
+                        <a:solidFill>
+                          <a:schemeClr val="tx1"/>
+                        </a:solidFill>
+                      </a:endParaRPr>
+                    </a:p>
+                  </a:txBody>
+                  <a:tcPr>
+                    <a:solidFill>
+                      <a:schemeClr val="bg1">
+                        <a:lumMod val="75000"/>
+                      </a:schemeClr>
+                    </a:solidFill>
+                  </a:tcPr>
+                </a:tc>
+                <a:tc>
+                  <a:txBody>
+                    <a:bodyPr/>
+                    <a:lstStyle/>
+                    <a:p>
+                      <a:pPr marL="0" marR="0" lvl="0" indent="0" algn="l" defTabSz="914400" rtl="0" eaLnBrk="1" fontAlgn="auto" latinLnBrk="0" hangingPunct="1">
+                        <a:lnSpc>
+                          <a:spcPct val="100000"/>
+                        </a:lnSpc>
+                        <a:spcBef>
+                          <a:spcPts val="0"/>
+                        </a:spcBef>
+                        <a:spcAft>
+                          <a:spcPts val="0"/>
+                        </a:spcAft>
+                        <a:buClrTx/>
+                        <a:buSzTx/>
+                        <a:buFontTx/>
+                        <a:buNone/>
+                        <a:tabLst/>
+                        <a:defRPr/>
+                      </a:pPr>
+                      <a:r>
+                        <a:rPr lang="en-US" sz="1600" dirty="0" smtClean="0">
+                          <a:solidFill>
+                            <a:schemeClr val="tx1"/>
+                          </a:solidFill>
+                        </a:rPr>
+                        <a:t>Be able to </a:t>
+                      </a:r>
+                      <a:r>
+                        <a:rPr lang="en-US" sz="1600" b="1" dirty="0" smtClean="0">
+                          <a:solidFill>
+                            <a:srgbClr val="0070C0"/>
+                          </a:solidFill>
+                        </a:rPr>
+                        <a:t>share</a:t>
+                      </a:r>
+                      <a:r>
+                        <a:rPr lang="en-US" sz="1600" dirty="0" smtClean="0">
+                          <a:solidFill>
+                            <a:srgbClr val="0070C0"/>
+                          </a:solidFill>
+                        </a:rPr>
+                        <a:t> </a:t>
+                      </a:r>
+                      <a:r>
+                        <a:rPr lang="en-US" sz="1600" dirty="0" smtClean="0">
+                          <a:solidFill>
+                            <a:schemeClr val="tx1"/>
+                          </a:solidFill>
+                        </a:rPr>
+                        <a:t>opinion and </a:t>
+                      </a:r>
+                      <a:r>
+                        <a:rPr lang="en-US" sz="1600" b="1" dirty="0" smtClean="0">
+                          <a:solidFill>
+                            <a:srgbClr val="0070C0"/>
+                          </a:solidFill>
+                        </a:rPr>
+                        <a:t>discuss</a:t>
+                      </a:r>
+                      <a:r>
+                        <a:rPr lang="en-US" sz="1600" dirty="0" smtClean="0">
+                          <a:solidFill>
+                            <a:srgbClr val="0070C0"/>
+                          </a:solidFill>
+                        </a:rPr>
+                        <a:t> </a:t>
+                      </a:r>
+                      <a:r>
+                        <a:rPr lang="en-US" sz="1600" dirty="0" smtClean="0">
+                          <a:solidFill>
+                            <a:schemeClr val="tx1"/>
+                          </a:solidFill>
+                        </a:rPr>
+                        <a:t>about Android plan and task assignment.</a:t>
+                      </a:r>
+                    </a:p>
+                  </a:txBody>
+                  <a:tcPr/>
+                </a:tc>
+                <a:tc>
+                  <a:txBody>
+                    <a:bodyPr/>
+                    <a:lstStyle/>
+                    <a:p>
+                      <a:pPr marL="0" marR="0" lvl="0" indent="0" algn="l" defTabSz="914400" rtl="0" eaLnBrk="1" fontAlgn="auto" latinLnBrk="0" hangingPunct="1">
+                        <a:lnSpc>
+                          <a:spcPct val="100000"/>
+                        </a:lnSpc>
+                        <a:spcBef>
+                          <a:spcPts val="0"/>
+                        </a:spcBef>
+                        <a:spcAft>
+                          <a:spcPts val="0"/>
+                        </a:spcAft>
+                        <a:buClrTx/>
+                        <a:buSzTx/>
+                        <a:buFontTx/>
+                        <a:buNone/>
+                        <a:tabLst/>
+                        <a:defRPr/>
+                      </a:pPr>
+                      <a:endParaRPr lang="en-US" sz="1600" dirty="0" smtClean="0">
+                        <a:solidFill>
+                          <a:schemeClr val="tx1"/>
+                        </a:solidFill>
+                      </a:endParaRPr>
+                    </a:p>
+                  </a:txBody>
+                  <a:tcPr/>
+                </a:tc>
+                <a:extLst>
+                  <a:ext uri="{0D108BD9-81ED-4DB2-BD59-A6C34878D82A}">
+                    <a16:rowId xmlns:a16="http://schemas.microsoft.com/office/drawing/2014/main" val="821078069"/>
+                  </a:ext>
+                </a:extLst>
+              </a:tr>
+              <a:tr h="370840">
+                <a:tc>
+                  <a:txBody>
+                    <a:bodyPr/>
+                    <a:lstStyle/>
+                    <a:p>
+                      <a:pPr marL="0" marR="0" lvl="0" indent="0" algn="l" defTabSz="914400" rtl="0" eaLnBrk="1" fontAlgn="auto" latinLnBrk="0" hangingPunct="1">
+                        <a:lnSpc>
+                          <a:spcPct val="100000"/>
+                        </a:lnSpc>
+                        <a:spcBef>
+                          <a:spcPts val="0"/>
+                        </a:spcBef>
+                        <a:spcAft>
+                          <a:spcPts val="0"/>
+                        </a:spcAft>
+                        <a:buClrTx/>
+                        <a:buSzTx/>
+                        <a:buFontTx/>
+                        <a:buNone/>
+                        <a:tabLst/>
+                        <a:defRPr/>
+                      </a:pPr>
+                      <a:endParaRPr lang="en-US" sz="1600" dirty="0" smtClean="0">
+                        <a:solidFill>
+                          <a:schemeClr val="tx1"/>
+                        </a:solidFill>
+                      </a:endParaRPr>
+                    </a:p>
+                  </a:txBody>
+                  <a:tcPr>
+                    <a:solidFill>
+                      <a:schemeClr val="bg1">
+                        <a:lumMod val="75000"/>
+                      </a:schemeClr>
+                    </a:solidFill>
+                  </a:tcPr>
+                </a:tc>
+                <a:tc>
+                  <a:txBody>
+                    <a:bodyPr/>
+                    <a:lstStyle/>
+                    <a:p>
+                      <a:pPr marL="0" marR="0" lvl="0" indent="0" algn="l" defTabSz="914400" rtl="0" eaLnBrk="1" fontAlgn="auto" latinLnBrk="0" hangingPunct="1">
+                        <a:lnSpc>
+                          <a:spcPct val="100000"/>
+                        </a:lnSpc>
+                        <a:spcBef>
+                          <a:spcPts val="0"/>
+                        </a:spcBef>
+                        <a:spcAft>
+                          <a:spcPts val="0"/>
+                        </a:spcAft>
+                        <a:buClrTx/>
+                        <a:buSzTx/>
+                        <a:buFontTx/>
+                        <a:buNone/>
+                        <a:tabLst/>
+                        <a:defRPr/>
+                      </a:pPr>
+                      <a:r>
+                        <a:rPr lang="en-US" sz="1600" b="1" dirty="0" smtClean="0">
+                          <a:solidFill>
+                            <a:srgbClr val="FF0000"/>
+                          </a:solidFill>
+                        </a:rPr>
+                        <a:t>No</a:t>
+                      </a:r>
+                      <a:r>
+                        <a:rPr lang="en-US" sz="1600" dirty="0" smtClean="0">
+                          <a:solidFill>
+                            <a:schemeClr val="tx1"/>
+                          </a:solidFill>
+                        </a:rPr>
+                        <a:t> delay and </a:t>
+                      </a:r>
+                      <a:r>
+                        <a:rPr lang="en-US" sz="1600" b="1" dirty="0" smtClean="0">
+                          <a:solidFill>
+                            <a:srgbClr val="0070C0"/>
+                          </a:solidFill>
+                        </a:rPr>
+                        <a:t>less</a:t>
+                      </a:r>
+                      <a:r>
+                        <a:rPr lang="en-US" sz="1600" dirty="0" smtClean="0">
+                          <a:solidFill>
+                            <a:schemeClr val="tx1"/>
+                          </a:solidFill>
+                        </a:rPr>
+                        <a:t> bug (2 minor bugs)</a:t>
+                      </a:r>
+                      <a:r>
+                        <a:rPr lang="en-US" sz="1600" baseline="0" dirty="0" smtClean="0">
+                          <a:solidFill>
+                            <a:schemeClr val="tx1"/>
+                          </a:solidFill>
+                        </a:rPr>
+                        <a:t> after 2 years.</a:t>
+                      </a:r>
+                      <a:endParaRPr lang="en-US" sz="1600" dirty="0" smtClean="0">
+                        <a:solidFill>
+                          <a:schemeClr val="tx1"/>
+                        </a:solidFill>
+                      </a:endParaRPr>
+                    </a:p>
+                  </a:txBody>
+                  <a:tcPr/>
+                </a:tc>
+                <a:tc>
+                  <a:txBody>
+                    <a:bodyPr/>
+                    <a:lstStyle/>
+                    <a:p>
+                      <a:pPr marL="0" marR="0" lvl="0" indent="0" algn="l" defTabSz="914400" rtl="0" eaLnBrk="1" fontAlgn="auto" latinLnBrk="0" hangingPunct="1">
+                        <a:lnSpc>
+                          <a:spcPct val="100000"/>
+                        </a:lnSpc>
+                        <a:spcBef>
+                          <a:spcPts val="0"/>
+                        </a:spcBef>
+                        <a:spcAft>
+                          <a:spcPts val="0"/>
+                        </a:spcAft>
+                        <a:buClrTx/>
+                        <a:buSzTx/>
+                        <a:buFontTx/>
+                        <a:buNone/>
+                        <a:tabLst/>
+                        <a:defRPr/>
+                      </a:pPr>
+                      <a:endParaRPr lang="en-US" sz="1600" dirty="0" smtClean="0">
+                        <a:solidFill>
+                          <a:schemeClr val="tx1"/>
+                        </a:solidFill>
+                      </a:endParaRPr>
+                    </a:p>
+                  </a:txBody>
+                  <a:tcPr/>
+                </a:tc>
+                <a:extLst>
+                  <a:ext uri="{0D108BD9-81ED-4DB2-BD59-A6C34878D82A}">
+                    <a16:rowId xmlns:a16="http://schemas.microsoft.com/office/drawing/2014/main" val="2193973866"/>
+                  </a:ext>
+                </a:extLst>
+              </a:tr>
+            </a:tbl>
+          </a:graphicData>
+        </a:graphic>
+      </p:graphicFrame>
+      <p:sp>
+        <p:nvSpPr>
+          <p:cNvPr id="7" name="Multiply 6"/>
+          <p:cNvSpPr/>
+          <p:nvPr/>
+        </p:nvSpPr>
+        <p:spPr>
+          <a:xfrm>
+            <a:off x="11280576" y="2276872"/>
+            <a:ext cx="360040" cy="432048"/>
+          </a:xfrm>
+          <a:prstGeom prst="mathMultiply">
+            <a:avLst/>
+          </a:prstGeom>
+        </p:spPr>
+        <p:style>
+          <a:lnRef idx="2">
+            <a:schemeClr val="accent1">
+              <a:shade val="50000"/>
+            </a:schemeClr>
+          </a:lnRef>
+          <a:fillRef idx="1">
+            <a:schemeClr val="accent1"/>
+          </a:fillRef>
+          <a:effectRef idx="0">
+            <a:schemeClr val="accent1"/>
+          </a:effectRef>
+          <a:fontRef idx="minor">
+            <a:schemeClr val="lt1"/>
+          </a:fontRef>
+        </p:style>
+        <p:txBody>
+          <a:bodyPr rtlCol="0" anchor="ctr"/>
+          <a:lstStyle/>
+          <a:p>
+            <a:pPr algn="ctr"/>
+            <a:endParaRPr lang="en-US"/>
+          </a:p>
+        </p:txBody>
+      </p:sp>
+      <p:sp>
+        <p:nvSpPr>
+          <p:cNvPr id="11" name="Multiply 10"/>
+          <p:cNvSpPr/>
+          <p:nvPr/>
+        </p:nvSpPr>
+        <p:spPr>
+          <a:xfrm>
+            <a:off x="11280576" y="2924944"/>
+            <a:ext cx="360040" cy="432048"/>
+          </a:xfrm>
+          <a:prstGeom prst="mathMultiply">
+            <a:avLst/>
+          </a:prstGeom>
+        </p:spPr>
+        <p:style>
+          <a:lnRef idx="2">
+            <a:schemeClr val="accent1">
+              <a:shade val="50000"/>
+            </a:schemeClr>
+          </a:lnRef>
+          <a:fillRef idx="1">
+            <a:schemeClr val="accent1"/>
+          </a:fillRef>
+          <a:effectRef idx="0">
+            <a:schemeClr val="accent1"/>
+          </a:effectRef>
+          <a:fontRef idx="minor">
+            <a:schemeClr val="lt1"/>
+          </a:fontRef>
+        </p:style>
+        <p:txBody>
+          <a:bodyPr rtlCol="0" anchor="ctr"/>
+          <a:lstStyle/>
+          <a:p>
+            <a:pPr algn="ctr"/>
+            <a:endParaRPr lang="en-US"/>
+          </a:p>
+        </p:txBody>
+      </p:sp>
+      <p:sp>
+        <p:nvSpPr>
+          <p:cNvPr id="9" name="TextBox 8"/>
+          <p:cNvSpPr txBox="1"/>
+          <p:nvPr/>
+        </p:nvSpPr>
+        <p:spPr>
+          <a:xfrm>
+            <a:off x="7799512" y="518520"/>
+            <a:ext cx="4392488" cy="369332"/>
+          </a:xfrm>
+          <a:prstGeom prst="rect">
+            <a:avLst/>
+          </a:prstGeom>
+          <a:noFill/>
+        </p:spPr>
+        <p:txBody>
+          <a:bodyPr wrap="square" rtlCol="0">
+            <a:spAutoFit/>
+          </a:bodyPr>
+          <a:lstStyle/>
+          <a:p>
+            <a:r>
+              <a:rPr lang="en-US" dirty="0" smtClean="0"/>
+              <a:t>   Target and achievement are the same</a:t>
+            </a:r>
+            <a:endParaRPr lang="en-US" dirty="0"/>
+          </a:p>
+        </p:txBody>
+      </p:sp>
+      <p:sp>
+        <p:nvSpPr>
+          <p:cNvPr id="10" name="Multiply 9"/>
+          <p:cNvSpPr/>
+          <p:nvPr/>
+        </p:nvSpPr>
+        <p:spPr>
+          <a:xfrm>
+            <a:off x="7704347" y="553945"/>
+            <a:ext cx="263640" cy="298483"/>
+          </a:xfrm>
+          <a:prstGeom prst="mathMultiply">
+            <a:avLst/>
+          </a:prstGeom>
+        </p:spPr>
+        <p:style>
+          <a:lnRef idx="2">
+            <a:schemeClr val="accent1">
+              <a:shade val="50000"/>
+            </a:schemeClr>
+          </a:lnRef>
+          <a:fillRef idx="1">
+            <a:schemeClr val="accent1"/>
+          </a:fillRef>
+          <a:effectRef idx="0">
+            <a:schemeClr val="accent1"/>
+          </a:effectRef>
+          <a:fontRef idx="minor">
+            <a:schemeClr val="lt1"/>
+          </a:fontRef>
+        </p:style>
+        <p:txBody>
+          <a:bodyPr rtlCol="0" anchor="ctr"/>
+          <a:lstStyle/>
+          <a:p>
+            <a:pPr algn="ctr"/>
+            <a:endParaRPr lang="en-US"/>
+          </a:p>
+        </p:txBody>
+      </p:sp>
+    </p:spTree>
+    <p:extLst>
+      <p:ext uri="{BB962C8B-B14F-4D97-AF65-F5344CB8AC3E}">
+        <p14:creationId xmlns:p14="http://schemas.microsoft.com/office/powerpoint/2010/main" val="18368556"/>
+      </p:ext>
+    </p:extLst>
+  </p:cSld>
+  <p:clrMapOvr>
+    <a:masterClrMapping/>
+  </p:clrMapOvr>
+  <p:timing>
+    <p:tnLst>
+      <p:par>
+        <p:cTn id="1" dur="indefinite" restart="never" nodeType="tmRoot"/>
+      </p:par>
+    </p:tnLst>
+  </p:timing>
+</p:sld>
+</file>
+
+<file path=ppt/slides/slide8.xml><?xml version="1.0" encoding="utf-8"?>
+<p:sld xmlns:a="http://schemas.openxmlformats.org/drawingml/2006/main" xmlns:r="http://schemas.openxmlformats.org/officeDocument/2006/relationships" xmlns:p="http://schemas.openxmlformats.org/presentationml/2006/main">
+  <p:cSld>
+    <p:spTree>
+      <p:nvGrpSpPr>
+        <p:cNvPr id="1" name=""/>
+        <p:cNvGrpSpPr/>
+        <p:nvPr/>
+      </p:nvGrpSpPr>
+      <p:grpSpPr>
+        <a:xfrm>
+          <a:off x="0" y="0"/>
+          <a:ext cx="0" cy="0"/>
+          <a:chOff x="0" y="0"/>
+          <a:chExt cx="0" cy="0"/>
+        </a:xfrm>
+      </p:grpSpPr>
+      <p:sp>
+        <p:nvSpPr>
           <p:cNvPr id="2" name="Titel 1"/>
           <p:cNvSpPr>
             <a:spLocks noGrp="1"/>
@@ -27894,7 +29963,7 @@
             <a:fld id="{3FD030EF-7044-4946-962A-5D7D09BD1B34}" type="slidenum">
               <a:rPr lang="de-DE" smtClean="0"/>
               <a:pPr/>
-              <a:t>7</a:t>
+              <a:t>8</a:t>
             </a:fld>
             <a:endParaRPr lang="de-DE" dirty="0"/>
           </a:p>
@@ -27944,7 +30013,7 @@
             </a:r>
             <a:r>
               <a:rPr lang="de-DE" dirty="0" smtClean="0"/>
-              <a:t>06</a:t>
+              <a:t>07</a:t>
             </a:r>
             <a:endParaRPr lang="de-DE" dirty="0"/>
           </a:p>
@@ -27963,7 +30032,7 @@
                   <a:srgbClr val="0070C0"/>
                 </a:solidFill>
               </a:rPr>
-              <a:t>08</a:t>
+              <a:t>09</a:t>
             </a:r>
             <a:endParaRPr lang="de-DE" b="1" dirty="0">
               <a:solidFill>
@@ -27974,8 +30043,13 @@
           <a:p>
             <a:r>
               <a:rPr lang="de-DE" dirty="0" smtClean="0"/>
-              <a:t>Difficulties and Solution	Page 13</a:t>
-            </a:r>
+              <a:t>Difficulties and Solution	Page </a:t>
+            </a:r>
+            <a:r>
+              <a:rPr lang="de-DE" dirty="0" smtClean="0"/>
+              <a:t>14</a:t>
+            </a:r>
+            <a:endParaRPr lang="de-DE" dirty="0" smtClean="0"/>
           </a:p>
           <a:p>
             <a:r>
@@ -27988,7 +30062,7 @@
             </a:r>
             <a:r>
               <a:rPr lang="de-DE" dirty="0" smtClean="0"/>
-              <a:t>16</a:t>
+              <a:t>17</a:t>
             </a:r>
             <a:endParaRPr lang="de-DE" dirty="0"/>
           </a:p>
@@ -28014,7 +30088,7 @@
 </p:sld>
 </file>
 
-<file path=ppt/slides/slide8.xml><?xml version="1.0" encoding="utf-8"?>
+<file path=ppt/slides/slide9.xml><?xml version="1.0" encoding="utf-8"?>
 <p:sld xmlns:a="http://schemas.openxmlformats.org/drawingml/2006/main" xmlns:r="http://schemas.openxmlformats.org/officeDocument/2006/relationships" xmlns:p="http://schemas.openxmlformats.org/presentationml/2006/main">
   <p:cSld>
     <p:spTree>
@@ -28724,7 +30798,7 @@
             <a:fld id="{3FD030EF-7044-4946-962A-5D7D09BD1B34}" type="slidenum">
               <a:rPr lang="de-DE" smtClean="0"/>
               <a:pPr/>
-              <a:t>8</a:t>
+              <a:t>9</a:t>
             </a:fld>
             <a:endParaRPr lang="de-DE" dirty="0"/>
           </a:p>
@@ -31264,1284 +33338,6 @@
 </p:sld>
 </file>
 
-<file path=ppt/slides/slide9.xml><?xml version="1.0" encoding="utf-8"?>
-<p:sld xmlns:a="http://schemas.openxmlformats.org/drawingml/2006/main" xmlns:r="http://schemas.openxmlformats.org/officeDocument/2006/relationships" xmlns:p="http://schemas.openxmlformats.org/presentationml/2006/main">
-  <p:cSld>
-    <p:spTree>
-      <p:nvGrpSpPr>
-        <p:cNvPr id="1" name=""/>
-        <p:cNvGrpSpPr/>
-        <p:nvPr/>
-      </p:nvGrpSpPr>
-      <p:grpSpPr>
-        <a:xfrm>
-          <a:off x="0" y="0"/>
-          <a:ext cx="0" cy="0"/>
-          <a:chOff x="0" y="0"/>
-          <a:chExt cx="0" cy="0"/>
-        </a:xfrm>
-      </p:grpSpPr>
-      <p:sp>
-        <p:nvSpPr>
-          <p:cNvPr id="5" name="Title 4"/>
-          <p:cNvSpPr>
-            <a:spLocks noGrp="1"/>
-          </p:cNvSpPr>
-          <p:nvPr>
-            <p:ph type="title"/>
-          </p:nvPr>
-        </p:nvSpPr>
-        <p:spPr>
-          <a:xfrm>
-            <a:off x="479376" y="266047"/>
-            <a:ext cx="11242224" cy="858697"/>
-          </a:xfrm>
-        </p:spPr>
-        <p:txBody>
-          <a:bodyPr/>
-          <a:lstStyle/>
-          <a:p>
-            <a:r>
-              <a:rPr lang="en-US" dirty="0" smtClean="0"/>
-              <a:t>Current Status(1/3)</a:t>
-            </a:r>
-            <a:br>
-              <a:rPr lang="en-US" dirty="0" smtClean="0"/>
-            </a:br>
-            <a:r>
-              <a:rPr lang="en-US" sz="2800" dirty="0" smtClean="0"/>
-              <a:t>Technical skills</a:t>
-            </a:r>
-            <a:endParaRPr lang="en-US" sz="2800" dirty="0"/>
-          </a:p>
-        </p:txBody>
-      </p:sp>
-      <p:sp>
-        <p:nvSpPr>
-          <p:cNvPr id="4" name="Slide Number Placeholder 3"/>
-          <p:cNvSpPr>
-            <a:spLocks noGrp="1"/>
-          </p:cNvSpPr>
-          <p:nvPr>
-            <p:ph type="sldNum" sz="quarter" idx="10"/>
-          </p:nvPr>
-        </p:nvSpPr>
-        <p:spPr/>
-        <p:txBody>
-          <a:bodyPr/>
-          <a:lstStyle/>
-          <a:p>
-            <a:r>
-              <a:rPr lang="de-DE" dirty="0" smtClean="0"/>
-              <a:t>Page </a:t>
-            </a:r>
-            <a:fld id="{3FD030EF-7044-4946-962A-5D7D09BD1B34}" type="slidenum">
-              <a:rPr lang="de-DE" smtClean="0"/>
-              <a:pPr/>
-              <a:t>9</a:t>
-            </a:fld>
-            <a:endParaRPr lang="de-DE" dirty="0"/>
-          </a:p>
-        </p:txBody>
-      </p:sp>
-      <p:sp>
-        <p:nvSpPr>
-          <p:cNvPr id="7" name="Rectangle 6"/>
-          <p:cNvSpPr/>
-          <p:nvPr/>
-        </p:nvSpPr>
-        <p:spPr>
-          <a:xfrm>
-            <a:off x="6988154" y="411002"/>
-            <a:ext cx="5103358" cy="630942"/>
-          </a:xfrm>
-          <a:prstGeom prst="rect">
-            <a:avLst/>
-          </a:prstGeom>
-          <a:noFill/>
-        </p:spPr>
-        <p:txBody>
-          <a:bodyPr wrap="square" lIns="91440" tIns="45720" rIns="91440" bIns="45720">
-            <a:spAutoFit/>
-          </a:bodyPr>
-          <a:lstStyle/>
-          <a:p>
-            <a:pPr algn="ctr"/>
-            <a:r>
-              <a:rPr lang="en-US" sz="3500" dirty="0" smtClean="0">
-                <a:ln w="0"/>
-                <a:solidFill>
-                  <a:schemeClr val="accent6"/>
-                </a:solidFill>
-              </a:rPr>
-              <a:t>CODING ENGNEER</a:t>
-            </a:r>
-            <a:endParaRPr lang="en-US" sz="3500" dirty="0">
-              <a:ln w="0"/>
-              <a:solidFill>
-                <a:schemeClr val="accent6"/>
-              </a:solidFill>
-            </a:endParaRPr>
-          </a:p>
-        </p:txBody>
-      </p:sp>
-      <p:grpSp>
-        <p:nvGrpSpPr>
-          <p:cNvPr id="8" name="Group 7"/>
-          <p:cNvGrpSpPr/>
-          <p:nvPr/>
-        </p:nvGrpSpPr>
-        <p:grpSpPr>
-          <a:xfrm>
-            <a:off x="464196" y="1818819"/>
-            <a:ext cx="11109138" cy="1906609"/>
-            <a:chOff x="464196" y="1818819"/>
-            <a:chExt cx="11109138" cy="1906609"/>
-          </a:xfrm>
-        </p:grpSpPr>
-        <p:sp>
-          <p:nvSpPr>
-            <p:cNvPr id="9" name="Rounded Rectangle 8"/>
-            <p:cNvSpPr/>
-            <p:nvPr/>
-          </p:nvSpPr>
-          <p:spPr>
-            <a:xfrm>
-              <a:off x="2707698" y="1820428"/>
-              <a:ext cx="8865636" cy="1905000"/>
-            </a:xfrm>
-            <a:prstGeom prst="roundRect">
-              <a:avLst/>
-            </a:prstGeom>
-            <a:solidFill>
-              <a:schemeClr val="accent1">
-                <a:lumMod val="20000"/>
-                <a:lumOff val="80000"/>
-              </a:schemeClr>
-            </a:solidFill>
-            <a:ln w="12700"/>
-          </p:spPr>
-          <p:style>
-            <a:lnRef idx="2">
-              <a:schemeClr val="accent1">
-                <a:shade val="50000"/>
-              </a:schemeClr>
-            </a:lnRef>
-            <a:fillRef idx="1">
-              <a:schemeClr val="accent1"/>
-            </a:fillRef>
-            <a:effectRef idx="0">
-              <a:schemeClr val="accent1"/>
-            </a:effectRef>
-            <a:fontRef idx="minor">
-              <a:schemeClr val="lt1"/>
-            </a:fontRef>
-          </p:style>
-          <p:txBody>
-            <a:bodyPr rtlCol="0" anchor="ctr"/>
-            <a:lstStyle/>
-            <a:p>
-              <a:pPr marL="285750" indent="-285750">
-                <a:spcAft>
-                  <a:spcPts val="400"/>
-                </a:spcAft>
-                <a:buFont typeface="Arial" panose="020B0604020202020204" pitchFamily="34" charset="0"/>
-                <a:buChar char="•"/>
-              </a:pPr>
-              <a:r>
-                <a:rPr lang="en-US" sz="1400" dirty="0" smtClean="0">
-                  <a:solidFill>
-                    <a:schemeClr val="tx1"/>
-                  </a:solidFill>
-                </a:rPr>
-                <a:t>Have </a:t>
-              </a:r>
-              <a:r>
-                <a:rPr lang="en-US" sz="1400" b="1" dirty="0">
-                  <a:solidFill>
-                    <a:srgbClr val="0070C0"/>
-                  </a:solidFill>
-                </a:rPr>
-                <a:t>sufficient</a:t>
-              </a:r>
-              <a:r>
-                <a:rPr lang="en-US" sz="1400" dirty="0" smtClean="0">
-                  <a:solidFill>
-                    <a:schemeClr val="tx1"/>
-                  </a:solidFill>
-                </a:rPr>
-                <a:t> </a:t>
-              </a:r>
-              <a:r>
-                <a:rPr lang="en-US" sz="1400" dirty="0">
-                  <a:solidFill>
-                    <a:schemeClr val="tx1"/>
-                  </a:solidFill>
-                </a:rPr>
-                <a:t>knowledge about </a:t>
-              </a:r>
-              <a:r>
-                <a:rPr lang="en-US" sz="1400" dirty="0" smtClean="0">
-                  <a:solidFill>
-                    <a:schemeClr val="tx1"/>
-                  </a:solidFill>
-                </a:rPr>
-                <a:t>C language and </a:t>
-              </a:r>
-              <a:r>
-                <a:rPr lang="en-US" sz="1400" dirty="0">
-                  <a:solidFill>
-                    <a:schemeClr val="tx1"/>
-                  </a:solidFill>
-                </a:rPr>
-                <a:t>bash scripts when doing </a:t>
-              </a:r>
-              <a:r>
-                <a:rPr lang="en-US" sz="1400" dirty="0" smtClean="0">
-                  <a:solidFill>
-                    <a:schemeClr val="tx1"/>
-                  </a:solidFill>
-                </a:rPr>
-                <a:t>porting drivers/modules task in Linux such as: u-boot, watchdog timer…,etc.</a:t>
-              </a:r>
-            </a:p>
-            <a:p>
-              <a:pPr marL="285750" indent="-285750">
-                <a:spcAft>
-                  <a:spcPts val="400"/>
-                </a:spcAft>
-                <a:buFont typeface="Arial" panose="020B0604020202020204" pitchFamily="34" charset="0"/>
-                <a:buChar char="•"/>
-              </a:pPr>
-              <a:r>
-                <a:rPr lang="en-US" sz="1400" dirty="0" smtClean="0">
-                  <a:solidFill>
-                    <a:schemeClr val="tx1"/>
-                  </a:solidFill>
-                </a:rPr>
-                <a:t>Have </a:t>
-              </a:r>
-              <a:r>
-                <a:rPr lang="en-US" sz="1400" b="1" dirty="0" smtClean="0">
-                  <a:solidFill>
-                    <a:srgbClr val="0070C0"/>
-                  </a:solidFill>
-                </a:rPr>
-                <a:t>sufficient knowledge</a:t>
-              </a:r>
-              <a:r>
-                <a:rPr lang="en-US" sz="1400" dirty="0" smtClean="0">
-                  <a:solidFill>
-                    <a:schemeClr val="tx1"/>
-                  </a:solidFill>
-                </a:rPr>
-                <a:t> about </a:t>
-              </a:r>
-              <a:r>
-                <a:rPr lang="en-US" sz="1400" dirty="0" smtClean="0">
-                  <a:solidFill>
-                    <a:srgbClr val="0070C0"/>
-                  </a:solidFill>
-                </a:rPr>
-                <a:t>C++, Java</a:t>
-              </a:r>
-              <a:r>
-                <a:rPr lang="en-US" sz="1400" dirty="0" smtClean="0">
-                  <a:solidFill>
-                    <a:schemeClr val="tx1"/>
-                  </a:solidFill>
-                </a:rPr>
-                <a:t> language to work with Android tasks.</a:t>
-              </a:r>
-            </a:p>
-            <a:p>
-              <a:pPr marL="285750" indent="-285750">
-                <a:spcAft>
-                  <a:spcPts val="400"/>
-                </a:spcAft>
-                <a:buFont typeface="Arial" panose="020B0604020202020204" pitchFamily="34" charset="0"/>
-                <a:buChar char="•"/>
-              </a:pPr>
-              <a:r>
-                <a:rPr lang="en-US" sz="1400" dirty="0" smtClean="0">
-                  <a:solidFill>
-                    <a:schemeClr val="tx1"/>
-                  </a:solidFill>
-                </a:rPr>
-                <a:t>Can develop simple Java application to improve Android OS.</a:t>
-              </a:r>
-            </a:p>
-            <a:p>
-              <a:pPr marL="285750" indent="-285750">
-                <a:spcAft>
-                  <a:spcPts val="400"/>
-                </a:spcAft>
-                <a:buFont typeface="Arial" panose="020B0604020202020204" pitchFamily="34" charset="0"/>
-                <a:buChar char="•"/>
-              </a:pPr>
-              <a:r>
-                <a:rPr lang="en-US" sz="1400" dirty="0" smtClean="0">
-                  <a:solidFill>
-                    <a:schemeClr val="tx1"/>
-                  </a:solidFill>
-                </a:rPr>
-                <a:t>Be able to </a:t>
-              </a:r>
-              <a:r>
-                <a:rPr lang="en-US" sz="1400" b="1" dirty="0" smtClean="0">
-                  <a:solidFill>
-                    <a:srgbClr val="0070C0"/>
-                  </a:solidFill>
-                </a:rPr>
-                <a:t>review</a:t>
-              </a:r>
-              <a:r>
-                <a:rPr lang="en-US" sz="1400" dirty="0" smtClean="0">
-                  <a:solidFill>
-                    <a:schemeClr val="tx1"/>
-                  </a:solidFill>
-                </a:rPr>
-                <a:t> and </a:t>
-              </a:r>
-              <a:r>
-                <a:rPr lang="en-US" sz="1400" b="1" dirty="0" smtClean="0">
-                  <a:solidFill>
-                    <a:srgbClr val="0070C0"/>
-                  </a:solidFill>
-                </a:rPr>
-                <a:t>improve</a:t>
-              </a:r>
-              <a:r>
-                <a:rPr lang="en-US" sz="1400" dirty="0" smtClean="0">
-                  <a:solidFill>
-                    <a:srgbClr val="0070C0"/>
-                  </a:solidFill>
-                </a:rPr>
-                <a:t> </a:t>
-              </a:r>
-              <a:r>
-                <a:rPr lang="en-US" sz="1400" dirty="0" smtClean="0">
-                  <a:solidFill>
-                    <a:schemeClr val="tx1"/>
-                  </a:solidFill>
-                </a:rPr>
-                <a:t>Android features like </a:t>
-              </a:r>
-              <a:r>
-                <a:rPr lang="en-US" sz="1400" b="1" dirty="0" smtClean="0">
-                  <a:solidFill>
-                    <a:srgbClr val="0070C0"/>
-                  </a:solidFill>
-                </a:rPr>
-                <a:t>Camera</a:t>
-              </a:r>
-              <a:r>
-                <a:rPr lang="en-US" sz="1400" dirty="0" smtClean="0">
-                  <a:solidFill>
-                    <a:schemeClr val="tx1"/>
-                  </a:solidFill>
-                </a:rPr>
-                <a:t>, </a:t>
-              </a:r>
-              <a:r>
-                <a:rPr lang="en-US" sz="1400" b="1" dirty="0" smtClean="0">
-                  <a:solidFill>
-                    <a:srgbClr val="0070C0"/>
-                  </a:solidFill>
-                </a:rPr>
-                <a:t>Bluetooth HAL</a:t>
-              </a:r>
-              <a:r>
-                <a:rPr lang="en-US" sz="1400" dirty="0" smtClean="0">
-                  <a:solidFill>
-                    <a:schemeClr val="tx1"/>
-                  </a:solidFill>
-                </a:rPr>
-                <a:t>,…etc.</a:t>
-              </a:r>
-            </a:p>
-            <a:p>
-              <a:pPr marL="285750" indent="-285750">
-                <a:spcAft>
-                  <a:spcPts val="400"/>
-                </a:spcAft>
-                <a:buFont typeface="Arial" panose="020B0604020202020204" pitchFamily="34" charset="0"/>
-                <a:buChar char="•"/>
-              </a:pPr>
-              <a:r>
-                <a:rPr lang="en-US" sz="1400" b="1" dirty="0">
-                  <a:solidFill>
-                    <a:srgbClr val="0070C0"/>
-                  </a:solidFill>
-                </a:rPr>
-                <a:t>Good</a:t>
-              </a:r>
-              <a:r>
-                <a:rPr lang="en-US" sz="1400" dirty="0">
-                  <a:solidFill>
-                    <a:srgbClr val="0070C0"/>
-                  </a:solidFill>
-                </a:rPr>
-                <a:t> </a:t>
-              </a:r>
-              <a:r>
-                <a:rPr lang="en-US" sz="1400" dirty="0">
-                  <a:solidFill>
-                    <a:schemeClr val="tx1"/>
-                  </a:solidFill>
-                </a:rPr>
-                <a:t>at debugging Android issues. Could </a:t>
-              </a:r>
-              <a:r>
-                <a:rPr lang="en-US" sz="1400" b="1" dirty="0">
-                  <a:solidFill>
-                    <a:srgbClr val="0070C0"/>
-                  </a:solidFill>
-                </a:rPr>
-                <a:t>suggest</a:t>
-              </a:r>
-              <a:r>
-                <a:rPr lang="en-US" sz="1400" dirty="0">
-                  <a:solidFill>
-                    <a:srgbClr val="0070C0"/>
-                  </a:solidFill>
-                </a:rPr>
-                <a:t> </a:t>
-              </a:r>
-              <a:r>
-                <a:rPr lang="en-US" sz="1400" dirty="0">
-                  <a:solidFill>
-                    <a:schemeClr val="tx1"/>
-                  </a:solidFill>
-                </a:rPr>
-                <a:t>more </a:t>
-              </a:r>
-              <a:r>
-                <a:rPr lang="en-US" sz="1400" b="1" dirty="0">
-                  <a:solidFill>
-                    <a:srgbClr val="0070C0"/>
-                  </a:solidFill>
-                </a:rPr>
-                <a:t>ideas</a:t>
-              </a:r>
-              <a:r>
-                <a:rPr lang="en-US" sz="1400" dirty="0">
-                  <a:solidFill>
-                    <a:srgbClr val="0070C0"/>
-                  </a:solidFill>
-                </a:rPr>
-                <a:t> </a:t>
-              </a:r>
-              <a:r>
-                <a:rPr lang="en-US" sz="1400" dirty="0">
-                  <a:solidFill>
-                    <a:schemeClr val="tx1"/>
-                  </a:solidFill>
-                </a:rPr>
-                <a:t>to support colleague to debug Android issues</a:t>
-              </a:r>
-              <a:r>
-                <a:rPr lang="en-US" sz="1400" dirty="0" smtClean="0">
-                  <a:solidFill>
-                    <a:schemeClr val="tx1"/>
-                  </a:solidFill>
-                </a:rPr>
-                <a:t>.</a:t>
-              </a:r>
-              <a:endParaRPr lang="en-US" sz="1400" dirty="0">
-                <a:solidFill>
-                  <a:schemeClr val="tx1"/>
-                </a:solidFill>
-              </a:endParaRPr>
-            </a:p>
-          </p:txBody>
-        </p:sp>
-        <p:grpSp>
-          <p:nvGrpSpPr>
-            <p:cNvPr id="10" name="Group 9"/>
-            <p:cNvGrpSpPr/>
-            <p:nvPr/>
-          </p:nvGrpSpPr>
-          <p:grpSpPr>
-            <a:xfrm>
-              <a:off x="464196" y="1818819"/>
-              <a:ext cx="2089255" cy="1905000"/>
-              <a:chOff x="7239000" y="84563"/>
-              <a:chExt cx="2089255" cy="1905000"/>
-            </a:xfrm>
-          </p:grpSpPr>
-          <p:sp>
-            <p:nvSpPr>
-              <p:cNvPr id="11" name="Rounded Rectangle 10"/>
-              <p:cNvSpPr/>
-              <p:nvPr/>
-            </p:nvSpPr>
-            <p:spPr>
-              <a:xfrm>
-                <a:off x="7239000" y="84563"/>
-                <a:ext cx="2089255" cy="1905000"/>
-              </a:xfrm>
-              <a:prstGeom prst="roundRect">
-                <a:avLst/>
-              </a:prstGeom>
-              <a:solidFill>
-                <a:schemeClr val="accent1">
-                  <a:lumMod val="20000"/>
-                  <a:lumOff val="80000"/>
-                </a:schemeClr>
-              </a:solidFill>
-              <a:ln w="12700"/>
-            </p:spPr>
-            <p:style>
-              <a:lnRef idx="2">
-                <a:schemeClr val="accent1">
-                  <a:shade val="50000"/>
-                </a:schemeClr>
-              </a:lnRef>
-              <a:fillRef idx="1">
-                <a:schemeClr val="accent1"/>
-              </a:fillRef>
-              <a:effectRef idx="0">
-                <a:schemeClr val="accent1"/>
-              </a:effectRef>
-              <a:fontRef idx="minor">
-                <a:schemeClr val="lt1"/>
-              </a:fontRef>
-            </p:style>
-            <p:txBody>
-              <a:bodyPr rtlCol="0" anchor="b"/>
-              <a:lstStyle/>
-              <a:p>
-                <a:endParaRPr lang="en-US" sz="1100" dirty="0">
-                  <a:solidFill>
-                    <a:schemeClr val="tx1"/>
-                  </a:solidFill>
-                </a:endParaRPr>
-              </a:p>
-            </p:txBody>
-          </p:sp>
-          <p:grpSp>
-            <p:nvGrpSpPr>
-              <p:cNvPr id="12" name="Group 11"/>
-              <p:cNvGrpSpPr/>
-              <p:nvPr/>
-            </p:nvGrpSpPr>
-            <p:grpSpPr>
-              <a:xfrm>
-                <a:off x="7500880" y="526402"/>
-                <a:ext cx="1565493" cy="1021322"/>
-                <a:chOff x="6962579" y="286560"/>
-                <a:chExt cx="1565493" cy="1021322"/>
-              </a:xfrm>
-            </p:grpSpPr>
-            <p:grpSp>
-              <p:nvGrpSpPr>
-                <p:cNvPr id="13" name="Group 12"/>
-                <p:cNvGrpSpPr/>
-                <p:nvPr/>
-              </p:nvGrpSpPr>
-              <p:grpSpPr>
-                <a:xfrm>
-                  <a:off x="7315200" y="286560"/>
-                  <a:ext cx="837098" cy="674906"/>
-                  <a:chOff x="1955784" y="2194897"/>
-                  <a:chExt cx="837098" cy="674906"/>
-                </a:xfrm>
-              </p:grpSpPr>
-              <p:grpSp>
-                <p:nvGrpSpPr>
-                  <p:cNvPr id="15" name="Group 14"/>
-                  <p:cNvGrpSpPr/>
-                  <p:nvPr/>
-                </p:nvGrpSpPr>
-                <p:grpSpPr>
-                  <a:xfrm rot="20700000">
-                    <a:off x="1955784" y="2194897"/>
-                    <a:ext cx="506882" cy="660003"/>
-                    <a:chOff x="2286000" y="2209800"/>
-                    <a:chExt cx="506882" cy="660003"/>
-                  </a:xfrm>
-                </p:grpSpPr>
-                <p:pic>
-                  <p:nvPicPr>
-                    <p:cNvPr id="19" name="Picture 18"/>
-                    <p:cNvPicPr>
-                      <a:picLocks noChangeAspect="1"/>
-                    </p:cNvPicPr>
-                    <p:nvPr/>
-                  </p:nvPicPr>
-                  <p:blipFill>
-                    <a:blip r:embed="rId3" cstate="print">
-                      <a:extLst>
-                        <a:ext uri="{28A0092B-C50C-407E-A947-70E740481C1C}">
-                          <a14:useLocalDpi xmlns:a14="http://schemas.microsoft.com/office/drawing/2010/main" val="0"/>
-                        </a:ext>
-                      </a:extLst>
-                    </a:blip>
-                    <a:stretch>
-                      <a:fillRect/>
-                    </a:stretch>
-                  </p:blipFill>
-                  <p:spPr>
-                    <a:xfrm>
-                      <a:off x="2286000" y="2209800"/>
-                      <a:ext cx="506882" cy="660003"/>
-                    </a:xfrm>
-                    <a:prstGeom prst="rect">
-                      <a:avLst/>
-                    </a:prstGeom>
-                  </p:spPr>
-                </p:pic>
-                <p:sp>
-                  <p:nvSpPr>
-                    <p:cNvPr id="20" name="TextBox 19"/>
-                    <p:cNvSpPr txBox="1"/>
-                    <p:nvPr/>
-                  </p:nvSpPr>
-                  <p:spPr>
-                    <a:xfrm>
-                      <a:off x="2377377" y="2378218"/>
-                      <a:ext cx="301686" cy="323165"/>
-                    </a:xfrm>
-                    <a:prstGeom prst="rect">
-                      <a:avLst/>
-                    </a:prstGeom>
-                    <a:noFill/>
-                  </p:spPr>
-                  <p:txBody>
-                    <a:bodyPr wrap="none" rtlCol="0">
-                      <a:spAutoFit/>
-                    </a:bodyPr>
-                    <a:lstStyle/>
-                    <a:p>
-                      <a:r>
-                        <a:rPr lang="en-US" sz="1500" b="1" dirty="0">
-                          <a:solidFill>
-                            <a:schemeClr val="accent2"/>
-                          </a:solidFill>
-                        </a:rPr>
-                        <a:t>h</a:t>
-                      </a:r>
-                    </a:p>
-                  </p:txBody>
-                </p:sp>
-              </p:grpSp>
-              <p:grpSp>
-                <p:nvGrpSpPr>
-                  <p:cNvPr id="16" name="Group 15"/>
-                  <p:cNvGrpSpPr/>
-                  <p:nvPr/>
-                </p:nvGrpSpPr>
-                <p:grpSpPr>
-                  <a:xfrm rot="900000">
-                    <a:off x="2286000" y="2209800"/>
-                    <a:ext cx="506882" cy="660003"/>
-                    <a:chOff x="2286000" y="2209800"/>
-                    <a:chExt cx="506882" cy="660003"/>
-                  </a:xfrm>
-                </p:grpSpPr>
-                <p:pic>
-                  <p:nvPicPr>
-                    <p:cNvPr id="17" name="Picture 16"/>
-                    <p:cNvPicPr>
-                      <a:picLocks noChangeAspect="1"/>
-                    </p:cNvPicPr>
-                    <p:nvPr/>
-                  </p:nvPicPr>
-                  <p:blipFill>
-                    <a:blip r:embed="rId3" cstate="print">
-                      <a:extLst>
-                        <a:ext uri="{28A0092B-C50C-407E-A947-70E740481C1C}">
-                          <a14:useLocalDpi xmlns:a14="http://schemas.microsoft.com/office/drawing/2010/main" val="0"/>
-                        </a:ext>
-                      </a:extLst>
-                    </a:blip>
-                    <a:stretch>
-                      <a:fillRect/>
-                    </a:stretch>
-                  </p:blipFill>
-                  <p:spPr>
-                    <a:xfrm>
-                      <a:off x="2286000" y="2209800"/>
-                      <a:ext cx="506882" cy="660003"/>
-                    </a:xfrm>
-                    <a:prstGeom prst="rect">
-                      <a:avLst/>
-                    </a:prstGeom>
-                  </p:spPr>
-                </p:pic>
-                <p:sp>
-                  <p:nvSpPr>
-                    <p:cNvPr id="18" name="TextBox 17"/>
-                    <p:cNvSpPr txBox="1"/>
-                    <p:nvPr/>
-                  </p:nvSpPr>
-                  <p:spPr>
-                    <a:xfrm>
-                      <a:off x="2377377" y="2378218"/>
-                      <a:ext cx="324128" cy="323165"/>
-                    </a:xfrm>
-                    <a:prstGeom prst="rect">
-                      <a:avLst/>
-                    </a:prstGeom>
-                    <a:noFill/>
-                  </p:spPr>
-                  <p:txBody>
-                    <a:bodyPr wrap="none" rtlCol="0">
-                      <a:spAutoFit/>
-                    </a:bodyPr>
-                    <a:lstStyle/>
-                    <a:p>
-                      <a:r>
-                        <a:rPr lang="en-US" sz="1500" b="1" dirty="0" smtClean="0">
-                          <a:solidFill>
-                            <a:srgbClr val="0070C0"/>
-                          </a:solidFill>
-                        </a:rPr>
-                        <a:t>C</a:t>
-                      </a:r>
-                      <a:endParaRPr lang="en-US" sz="1500" b="1" dirty="0">
-                        <a:solidFill>
-                          <a:srgbClr val="0070C0"/>
-                        </a:solidFill>
-                      </a:endParaRPr>
-                    </a:p>
-                  </p:txBody>
-                </p:sp>
-              </p:grpSp>
-            </p:grpSp>
-            <p:sp>
-              <p:nvSpPr>
-                <p:cNvPr id="14" name="TextBox 13"/>
-                <p:cNvSpPr txBox="1"/>
-                <p:nvPr/>
-              </p:nvSpPr>
-              <p:spPr>
-                <a:xfrm>
-                  <a:off x="6962579" y="938550"/>
-                  <a:ext cx="1565493" cy="369332"/>
-                </a:xfrm>
-                <a:prstGeom prst="rect">
-                  <a:avLst/>
-                </a:prstGeom>
-                <a:noFill/>
-              </p:spPr>
-              <p:txBody>
-                <a:bodyPr wrap="none" rtlCol="0">
-                  <a:spAutoFit/>
-                </a:bodyPr>
-                <a:lstStyle/>
-                <a:p>
-                  <a:r>
-                    <a:rPr lang="en-US" b="1" dirty="0" smtClean="0">
-                      <a:latin typeface="Times New Roman" panose="02020603050405020304" pitchFamily="18" charset="0"/>
-                      <a:cs typeface="Times New Roman" panose="02020603050405020304" pitchFamily="18" charset="0"/>
-                    </a:rPr>
-                    <a:t>Programming</a:t>
-                  </a:r>
-                  <a:endParaRPr lang="en-US" b="1" dirty="0">
-                    <a:latin typeface="Times New Roman" panose="02020603050405020304" pitchFamily="18" charset="0"/>
-                    <a:cs typeface="Times New Roman" panose="02020603050405020304" pitchFamily="18" charset="0"/>
-                  </a:endParaRPr>
-                </a:p>
-              </p:txBody>
-            </p:sp>
-          </p:grpSp>
-        </p:grpSp>
-      </p:grpSp>
-      <p:grpSp>
-        <p:nvGrpSpPr>
-          <p:cNvPr id="21" name="Group 20"/>
-          <p:cNvGrpSpPr/>
-          <p:nvPr/>
-        </p:nvGrpSpPr>
-        <p:grpSpPr>
-          <a:xfrm>
-            <a:off x="479376" y="3951172"/>
-            <a:ext cx="11092886" cy="1489081"/>
-            <a:chOff x="480449" y="3899677"/>
-            <a:chExt cx="11092886" cy="1489081"/>
-          </a:xfrm>
-        </p:grpSpPr>
-        <p:grpSp>
-          <p:nvGrpSpPr>
-            <p:cNvPr id="22" name="Group 21"/>
-            <p:cNvGrpSpPr/>
-            <p:nvPr/>
-          </p:nvGrpSpPr>
-          <p:grpSpPr>
-            <a:xfrm>
-              <a:off x="480449" y="3909867"/>
-              <a:ext cx="2349578" cy="1478891"/>
-              <a:chOff x="480449" y="3909867"/>
-              <a:chExt cx="2349578" cy="1478891"/>
-            </a:xfrm>
-          </p:grpSpPr>
-          <p:sp>
-            <p:nvSpPr>
-              <p:cNvPr id="24" name="Rounded Rectangle 23"/>
-              <p:cNvSpPr/>
-              <p:nvPr/>
-            </p:nvSpPr>
-            <p:spPr>
-              <a:xfrm>
-                <a:off x="480449" y="3909867"/>
-                <a:ext cx="2089255" cy="1478891"/>
-              </a:xfrm>
-              <a:prstGeom prst="roundRect">
-                <a:avLst/>
-              </a:prstGeom>
-              <a:solidFill>
-                <a:schemeClr val="accent2">
-                  <a:lumMod val="20000"/>
-                  <a:lumOff val="80000"/>
-                </a:schemeClr>
-              </a:solidFill>
-              <a:ln w="12700"/>
-            </p:spPr>
-            <p:style>
-              <a:lnRef idx="2">
-                <a:schemeClr val="accent1">
-                  <a:shade val="50000"/>
-                </a:schemeClr>
-              </a:lnRef>
-              <a:fillRef idx="1">
-                <a:schemeClr val="accent1"/>
-              </a:fillRef>
-              <a:effectRef idx="0">
-                <a:schemeClr val="accent1"/>
-              </a:effectRef>
-              <a:fontRef idx="minor">
-                <a:schemeClr val="lt1"/>
-              </a:fontRef>
-            </p:style>
-            <p:txBody>
-              <a:bodyPr rtlCol="0" anchor="b"/>
-              <a:lstStyle/>
-              <a:p>
-                <a:endParaRPr lang="en-US" sz="1100" dirty="0">
-                  <a:solidFill>
-                    <a:schemeClr val="tx1"/>
-                  </a:solidFill>
-                </a:endParaRPr>
-              </a:p>
-            </p:txBody>
-          </p:sp>
-          <p:grpSp>
-            <p:nvGrpSpPr>
-              <p:cNvPr id="25" name="Group 24"/>
-              <p:cNvGrpSpPr/>
-              <p:nvPr/>
-            </p:nvGrpSpPr>
-            <p:grpSpPr>
-              <a:xfrm>
-                <a:off x="768481" y="4256404"/>
-                <a:ext cx="2061546" cy="1132354"/>
-                <a:chOff x="8869288" y="353099"/>
-                <a:chExt cx="2061546" cy="1132354"/>
-              </a:xfrm>
-            </p:grpSpPr>
-            <p:cxnSp>
-              <p:nvCxnSpPr>
-                <p:cNvPr id="40" name="Straight Connector 39"/>
-                <p:cNvCxnSpPr/>
-                <p:nvPr/>
-              </p:nvCxnSpPr>
-              <p:spPr>
-                <a:xfrm rot="5400000">
-                  <a:off x="10881124" y="402809"/>
-                  <a:ext cx="99420" cy="0"/>
-                </a:xfrm>
-                <a:prstGeom prst="line">
-                  <a:avLst/>
-                </a:prstGeom>
-                <a:ln w="28575">
-                  <a:solidFill>
-                    <a:schemeClr val="tx1"/>
-                  </a:solidFill>
-                </a:ln>
-              </p:spPr>
-              <p:style>
-                <a:lnRef idx="1">
-                  <a:schemeClr val="accent1"/>
-                </a:lnRef>
-                <a:fillRef idx="0">
-                  <a:schemeClr val="accent1"/>
-                </a:fillRef>
-                <a:effectRef idx="0">
-                  <a:schemeClr val="accent1"/>
-                </a:effectRef>
-                <a:fontRef idx="minor">
-                  <a:schemeClr val="tx1"/>
-                </a:fontRef>
-              </p:style>
-            </p:cxnSp>
-            <p:sp>
-              <p:nvSpPr>
-                <p:cNvPr id="27" name="TextBox 26"/>
-                <p:cNvSpPr txBox="1"/>
-                <p:nvPr/>
-              </p:nvSpPr>
-              <p:spPr>
-                <a:xfrm>
-                  <a:off x="8869288" y="839122"/>
-                  <a:ext cx="1663927" cy="646331"/>
-                </a:xfrm>
-                <a:prstGeom prst="rect">
-                  <a:avLst/>
-                </a:prstGeom>
-                <a:noFill/>
-              </p:spPr>
-              <p:txBody>
-                <a:bodyPr wrap="square" rtlCol="0">
-                  <a:spAutoFit/>
-                </a:bodyPr>
-                <a:lstStyle/>
-                <a:p>
-                  <a:r>
-                    <a:rPr lang="en-US" b="1" dirty="0" smtClean="0">
-                      <a:latin typeface="Times New Roman" panose="02020603050405020304" pitchFamily="18" charset="0"/>
-                      <a:cs typeface="Times New Roman" panose="02020603050405020304" pitchFamily="18" charset="0"/>
-                    </a:rPr>
-                    <a:t>Development </a:t>
-                  </a:r>
-                </a:p>
-                <a:p>
-                  <a:r>
-                    <a:rPr lang="en-US" b="1" dirty="0" smtClean="0">
-                      <a:latin typeface="Times New Roman" panose="02020603050405020304" pitchFamily="18" charset="0"/>
-                      <a:cs typeface="Times New Roman" panose="02020603050405020304" pitchFamily="18" charset="0"/>
-                    </a:rPr>
-                    <a:t>environment</a:t>
-                  </a:r>
-                  <a:endParaRPr lang="en-US" b="1" dirty="0">
-                    <a:latin typeface="Times New Roman" panose="02020603050405020304" pitchFamily="18" charset="0"/>
-                    <a:cs typeface="Times New Roman" panose="02020603050405020304" pitchFamily="18" charset="0"/>
-                  </a:endParaRPr>
-                </a:p>
-              </p:txBody>
-            </p:sp>
-          </p:grpSp>
-        </p:grpSp>
-        <p:sp>
-          <p:nvSpPr>
-            <p:cNvPr id="23" name="Rounded Rectangle 22"/>
-            <p:cNvSpPr/>
-            <p:nvPr/>
-          </p:nvSpPr>
-          <p:spPr>
-            <a:xfrm>
-              <a:off x="2707698" y="3899677"/>
-              <a:ext cx="8865637" cy="1489081"/>
-            </a:xfrm>
-            <a:prstGeom prst="roundRect">
-              <a:avLst/>
-            </a:prstGeom>
-            <a:solidFill>
-              <a:schemeClr val="accent2">
-                <a:lumMod val="20000"/>
-                <a:lumOff val="80000"/>
-              </a:schemeClr>
-            </a:solidFill>
-            <a:ln w="12700"/>
-          </p:spPr>
-          <p:style>
-            <a:lnRef idx="2">
-              <a:schemeClr val="accent1">
-                <a:shade val="50000"/>
-              </a:schemeClr>
-            </a:lnRef>
-            <a:fillRef idx="1">
-              <a:schemeClr val="accent1"/>
-            </a:fillRef>
-            <a:effectRef idx="0">
-              <a:schemeClr val="accent1"/>
-            </a:effectRef>
-            <a:fontRef idx="minor">
-              <a:schemeClr val="lt1"/>
-            </a:fontRef>
-          </p:style>
-          <p:txBody>
-            <a:bodyPr rtlCol="0" anchor="ctr"/>
-            <a:lstStyle/>
-            <a:p>
-              <a:pPr marL="285750" indent="-285750">
-                <a:spcAft>
-                  <a:spcPts val="400"/>
-                </a:spcAft>
-                <a:buFont typeface="Arial" panose="020B0604020202020204" pitchFamily="34" charset="0"/>
-                <a:buChar char="•"/>
-              </a:pPr>
-              <a:r>
-                <a:rPr kumimoji="1" lang="en-US" sz="1400" dirty="0" smtClean="0">
-                  <a:solidFill>
-                    <a:schemeClr val="tx1"/>
-                  </a:solidFill>
-                  <a:latin typeface="Arial (Body)"/>
-                </a:rPr>
-                <a:t>Can </a:t>
-              </a:r>
-              <a:r>
-                <a:rPr kumimoji="1" lang="en-US" sz="1400" dirty="0">
-                  <a:solidFill>
-                    <a:schemeClr val="tx1"/>
-                  </a:solidFill>
-                  <a:latin typeface="Arial (Body)"/>
-                </a:rPr>
-                <a:t>understand and modify recipes of </a:t>
-              </a:r>
-              <a:r>
-                <a:rPr kumimoji="1" lang="en-US" sz="1400" dirty="0" smtClean="0">
-                  <a:solidFill>
-                    <a:schemeClr val="tx1"/>
-                  </a:solidFill>
-                  <a:latin typeface="Arial (Body)"/>
-                </a:rPr>
-                <a:t>RZ/G environment</a:t>
-              </a:r>
-              <a:r>
-                <a:rPr kumimoji="1" lang="en-US" sz="1400" dirty="0">
-                  <a:solidFill>
-                    <a:schemeClr val="tx1"/>
-                  </a:solidFill>
-                  <a:latin typeface="Arial (Body)"/>
-                </a:rPr>
-                <a:t> </a:t>
-              </a:r>
-              <a:r>
-                <a:rPr kumimoji="1" lang="en-US" sz="1400" dirty="0" smtClean="0">
-                  <a:solidFill>
-                    <a:schemeClr val="tx1"/>
-                  </a:solidFill>
-                  <a:latin typeface="Arial (Body)"/>
-                </a:rPr>
-                <a:t>in </a:t>
-              </a:r>
-              <a:r>
-                <a:rPr kumimoji="1" lang="en-US" sz="1400" dirty="0" err="1" smtClean="0">
-                  <a:solidFill>
-                    <a:schemeClr val="tx1"/>
-                  </a:solidFill>
-                  <a:latin typeface="Arial (Body)"/>
-                </a:rPr>
-                <a:t>Yocto</a:t>
-              </a:r>
-              <a:r>
-                <a:rPr kumimoji="1" lang="en-US" sz="1400" dirty="0" smtClean="0">
-                  <a:solidFill>
-                    <a:schemeClr val="tx1"/>
-                  </a:solidFill>
-                  <a:latin typeface="Arial (Body)"/>
-                </a:rPr>
-                <a:t>.</a:t>
-              </a:r>
-            </a:p>
-            <a:p>
-              <a:pPr marL="285750" indent="-285750">
-                <a:spcAft>
-                  <a:spcPts val="400"/>
-                </a:spcAft>
-                <a:buFont typeface="Arial" panose="020B0604020202020204" pitchFamily="34" charset="0"/>
-                <a:buChar char="•"/>
-              </a:pPr>
-              <a:r>
-                <a:rPr kumimoji="1" lang="en-US" sz="1400" dirty="0" smtClean="0">
-                  <a:solidFill>
-                    <a:schemeClr val="tx1"/>
-                  </a:solidFill>
-                  <a:latin typeface="Arial (Body)"/>
-                </a:rPr>
-                <a:t>Understand </a:t>
-              </a:r>
-              <a:r>
-                <a:rPr kumimoji="1" lang="en-US" sz="1400" b="1" dirty="0" smtClean="0">
-                  <a:solidFill>
-                    <a:srgbClr val="0070C0"/>
-                  </a:solidFill>
-                  <a:latin typeface="Arial (Body)"/>
-                </a:rPr>
-                <a:t>whole RZ/G Android system</a:t>
-              </a:r>
-              <a:r>
-                <a:rPr kumimoji="1" lang="en-US" sz="1400" dirty="0" smtClean="0">
-                  <a:solidFill>
-                    <a:schemeClr val="tx1"/>
-                  </a:solidFill>
-                  <a:latin typeface="Arial (Body)"/>
-                </a:rPr>
-                <a:t>: Kernel, bootloaders, device configuration, HAL,…etc. </a:t>
-              </a:r>
-              <a:r>
-                <a:rPr kumimoji="1" lang="en-US" sz="1400" dirty="0">
-                  <a:solidFill>
-                    <a:schemeClr val="tx1"/>
-                  </a:solidFill>
-                  <a:latin typeface="Arial (Body)"/>
-                </a:rPr>
-                <a:t>H</a:t>
-              </a:r>
-              <a:r>
-                <a:rPr kumimoji="1" lang="en-US" sz="1400" dirty="0" smtClean="0">
-                  <a:solidFill>
-                    <a:schemeClr val="tx1"/>
-                  </a:solidFill>
-                  <a:latin typeface="Arial (Body)"/>
-                </a:rPr>
-                <a:t>ave </a:t>
-              </a:r>
-              <a:r>
-                <a:rPr lang="en-US" sz="1400" b="1" dirty="0" smtClean="0">
-                  <a:solidFill>
-                    <a:srgbClr val="0070C0"/>
-                  </a:solidFill>
-                </a:rPr>
-                <a:t>sufficient knowledge </a:t>
-              </a:r>
-              <a:r>
-                <a:rPr lang="en-US" sz="1400" dirty="0" smtClean="0">
-                  <a:solidFill>
-                    <a:schemeClr val="tx1"/>
-                  </a:solidFill>
-                </a:rPr>
-                <a:t>about </a:t>
-              </a:r>
-              <a:r>
-                <a:rPr lang="en-US" sz="1400" b="1" dirty="0" smtClean="0">
-                  <a:solidFill>
-                    <a:srgbClr val="0070C0"/>
-                  </a:solidFill>
-                </a:rPr>
-                <a:t>Android framework.</a:t>
-              </a:r>
-              <a:r>
-                <a:rPr kumimoji="1" lang="en-US" sz="1400" dirty="0" smtClean="0">
-                  <a:solidFill>
-                    <a:schemeClr val="tx1"/>
-                  </a:solidFill>
-                  <a:latin typeface="Arial (Body)"/>
-                </a:rPr>
-                <a:t> Can </a:t>
-              </a:r>
-              <a:r>
-                <a:rPr kumimoji="1" lang="en-US" sz="1400" b="1" dirty="0" smtClean="0">
-                  <a:solidFill>
-                    <a:srgbClr val="0070C0"/>
-                  </a:solidFill>
-                  <a:latin typeface="Arial (Body)"/>
-                </a:rPr>
-                <a:t>modify </a:t>
-              </a:r>
-              <a:r>
-                <a:rPr kumimoji="1" lang="en-US" sz="1400" dirty="0" smtClean="0">
-                  <a:solidFill>
-                    <a:schemeClr val="tx1"/>
-                  </a:solidFill>
-                  <a:latin typeface="Arial (Body)"/>
-                </a:rPr>
-                <a:t>and</a:t>
-              </a:r>
-              <a:r>
-                <a:rPr kumimoji="1" lang="en-US" sz="1400" b="1" dirty="0" smtClean="0">
-                  <a:solidFill>
-                    <a:srgbClr val="0070C0"/>
-                  </a:solidFill>
-                  <a:latin typeface="Arial (Body)"/>
-                </a:rPr>
-                <a:t> create</a:t>
-              </a:r>
-              <a:r>
-                <a:rPr kumimoji="1" lang="en-US" sz="1400" dirty="0" smtClean="0">
-                  <a:solidFill>
-                    <a:schemeClr val="tx1"/>
-                  </a:solidFill>
-                  <a:latin typeface="Arial (Body)"/>
-                </a:rPr>
-                <a:t> new services to support improve Android OS.</a:t>
-              </a:r>
-            </a:p>
-          </p:txBody>
-        </p:sp>
-      </p:grpSp>
-      <p:pic>
-        <p:nvPicPr>
-          <p:cNvPr id="3" name="Picture 2"/>
-          <p:cNvPicPr>
-            <a:picLocks noChangeAspect="1"/>
-          </p:cNvPicPr>
-          <p:nvPr/>
-        </p:nvPicPr>
-        <p:blipFill>
-          <a:blip r:embed="rId4" cstate="print">
-            <a:extLst>
-              <a:ext uri="{28A0092B-C50C-407E-A947-70E740481C1C}">
-                <a14:useLocalDpi xmlns:a14="http://schemas.microsoft.com/office/drawing/2010/main" val="0"/>
-              </a:ext>
-            </a:extLst>
-          </a:blip>
-          <a:stretch>
-            <a:fillRect/>
-          </a:stretch>
-        </p:blipFill>
-        <p:spPr>
-          <a:xfrm>
-            <a:off x="1541599" y="4066005"/>
-            <a:ext cx="1060383" cy="795287"/>
-          </a:xfrm>
-          <a:prstGeom prst="rect">
-            <a:avLst/>
-          </a:prstGeom>
-        </p:spPr>
-      </p:pic>
-      <p:pic>
-        <p:nvPicPr>
-          <p:cNvPr id="56" name="Picture 55"/>
-          <p:cNvPicPr>
-            <a:picLocks noChangeAspect="1"/>
-          </p:cNvPicPr>
-          <p:nvPr/>
-        </p:nvPicPr>
-        <p:blipFill>
-          <a:blip r:embed="rId5" cstate="print">
-            <a:extLst>
-              <a:ext uri="{28A0092B-C50C-407E-A947-70E740481C1C}">
-                <a14:useLocalDpi xmlns:a14="http://schemas.microsoft.com/office/drawing/2010/main" val="0"/>
-              </a:ext>
-            </a:extLst>
-          </a:blip>
-          <a:stretch>
-            <a:fillRect/>
-          </a:stretch>
-        </p:blipFill>
-        <p:spPr>
-          <a:xfrm>
-            <a:off x="717184" y="4236842"/>
-            <a:ext cx="1134641" cy="429788"/>
-          </a:xfrm>
-          <a:prstGeom prst="rect">
-            <a:avLst/>
-          </a:prstGeom>
-        </p:spPr>
-      </p:pic>
-    </p:spTree>
-    <p:extLst>
-      <p:ext uri="{BB962C8B-B14F-4D97-AF65-F5344CB8AC3E}">
-        <p14:creationId xmlns:p14="http://schemas.microsoft.com/office/powerpoint/2010/main" val="2882065103"/>
-      </p:ext>
-    </p:extLst>
-  </p:cSld>
-  <p:clrMapOvr>
-    <a:masterClrMapping/>
-  </p:clrMapOvr>
-  <p:timing>
-    <p:tnLst>
-      <p:par>
-        <p:cTn id="1" dur="indefinite" restart="never" nodeType="tmRoot"/>
-      </p:par>
-    </p:tnLst>
-  </p:timing>
-</p:sld>
-</file>
-
 <file path=ppt/theme/theme1.xml><?xml version="1.0" encoding="utf-8"?>
 <a:theme xmlns:a="http://schemas.openxmlformats.org/drawingml/2006/main" name="151229_Renesas_Templates_16_9_EN">
   <a:themeElements>

--- a/LAST_TERM/2042_TranChiKha_SS32_MentorMentee_26G.pptx
+++ b/LAST_TERM/2042_TranChiKha_SS32_MentorMentee_26G.pptx
@@ -7096,7 +7096,7 @@
           <a:p>
             <a:fld id="{6417C3E4-834A-4FDE-8876-3ED4986C368E}" type="datetimeFigureOut">
               <a:rPr lang="en-US" smtClean="0"/>
-              <a:t>11/25/2019</a:t>
+              <a:t>11/26/2019</a:t>
             </a:fld>
             <a:endParaRPr lang="en-US"/>
           </a:p>
@@ -23895,7 +23895,23 @@
                     <a:schemeClr val="tx1"/>
                   </a:solidFill>
                 </a:rPr>
-                <a:t>skills to analyze and investigate the task assignment before starting. It includes:</a:t>
+                <a:t>skills </a:t>
+              </a:r>
+              <a:r>
+                <a:rPr lang="en-US" sz="1400" dirty="0" smtClean="0">
+                  <a:solidFill>
+                    <a:schemeClr val="tx1"/>
+                  </a:solidFill>
+                </a:rPr>
+                <a:t>about </a:t>
+              </a:r>
+              <a:r>
+                <a:rPr lang="en-US" sz="1400" dirty="0" smtClean="0">
+                  <a:solidFill>
+                    <a:schemeClr val="tx1"/>
+                  </a:solidFill>
+                </a:rPr>
+                <a:t>analyze and investigate the task assignment before starting. It includes:</a:t>
               </a:r>
               <a:r>
                 <a:rPr lang="en-US" sz="1400" dirty="0">
@@ -25149,21 +25165,8 @@
                   <a:srgbClr val="0070C0"/>
                 </a:solidFill>
               </a:rPr>
-              <a:t>Difficulties and Solution	Page </a:t>
-            </a:r>
-            <a:r>
-              <a:rPr lang="de-DE" b="1" dirty="0" smtClean="0">
-                <a:solidFill>
-                  <a:srgbClr val="0070C0"/>
-                </a:solidFill>
-              </a:rPr>
-              <a:t>14</a:t>
-            </a:r>
-            <a:endParaRPr lang="de-DE" b="1" dirty="0" smtClean="0">
-              <a:solidFill>
-                <a:srgbClr val="0070C0"/>
-              </a:solidFill>
-            </a:endParaRPr>
+              <a:t>Difficulties and Solution	Page 14</a:t>
+            </a:r>
           </a:p>
           <a:p>
             <a:r>
@@ -25866,15 +25869,7 @@
             </a:r>
             <a:r>
               <a:rPr lang="en-US" sz="1800" dirty="0" smtClean="0"/>
-              <a:t>Create clear steps before doing any task and take time to read and learn about Android</a:t>
-            </a:r>
-            <a:r>
-              <a:rPr lang="en-US" sz="1800" dirty="0"/>
-              <a:t> </a:t>
-            </a:r>
-            <a:r>
-              <a:rPr lang="en-US" sz="1800" dirty="0" smtClean="0"/>
-              <a:t>framework.</a:t>
+              <a:t>Investigate the issue, list up all method/investigation to support debugging. Then, evaluate and order all method that need to be done by priority.</a:t>
             </a:r>
             <a:endParaRPr lang="en-US" dirty="0" smtClean="0"/>
           </a:p>
@@ -26030,13 +26025,8 @@
           <a:p>
             <a:r>
               <a:rPr lang="de-DE" dirty="0" smtClean="0"/>
-              <a:t>Difficulties and Solution	Page </a:t>
-            </a:r>
-            <a:r>
-              <a:rPr lang="de-DE" dirty="0" smtClean="0"/>
-              <a:t>14</a:t>
-            </a:r>
-            <a:endParaRPr lang="de-DE" dirty="0" smtClean="0"/>
+              <a:t>Difficulties and Solution	Page 14</a:t>
+            </a:r>
           </a:p>
           <a:p>
             <a:r>
@@ -27020,7 +27010,7 @@
           <a:p>
             <a:r>
               <a:rPr lang="en-US" cap="none" dirty="0" smtClean="0"/>
-              <a:t>LOOKING BACK AFTER 2 YEARS IN RVC</a:t>
+              <a:t>LOOKING BACK AFTER 2 YEARS</a:t>
             </a:r>
             <a:endParaRPr lang="en-US" cap="none" dirty="0"/>
           </a:p>
@@ -27709,40 +27699,6 @@
       </p:pic>
       <p:cxnSp>
         <p:nvCxnSpPr>
-          <p:cNvPr id="12" name="Straight Arrow Connector 11"/>
-          <p:cNvCxnSpPr/>
-          <p:nvPr/>
-        </p:nvCxnSpPr>
-        <p:spPr>
-          <a:xfrm>
-            <a:off x="7320136" y="4262363"/>
-            <a:ext cx="3600400" cy="4960"/>
-          </a:xfrm>
-          <a:prstGeom prst="straightConnector1">
-            <a:avLst/>
-          </a:prstGeom>
-          <a:ln>
-            <a:headEnd type="triangle"/>
-            <a:tailEnd type="triangle"/>
-          </a:ln>
-        </p:spPr>
-        <p:style>
-          <a:lnRef idx="2">
-            <a:schemeClr val="accent2"/>
-          </a:lnRef>
-          <a:fillRef idx="0">
-            <a:schemeClr val="accent2"/>
-          </a:fillRef>
-          <a:effectRef idx="1">
-            <a:schemeClr val="accent2"/>
-          </a:effectRef>
-          <a:fontRef idx="minor">
-            <a:schemeClr val="tx1"/>
-          </a:fontRef>
-        </p:style>
-      </p:cxnSp>
-      <p:cxnSp>
-        <p:nvCxnSpPr>
           <p:cNvPr id="32" name="Curved Connector 31"/>
           <p:cNvCxnSpPr/>
           <p:nvPr/>
@@ -27950,6 +27906,36 @@
           </a:fillRef>
           <a:effectRef idx="0">
             <a:schemeClr val="accent1"/>
+          </a:effectRef>
+          <a:fontRef idx="minor">
+            <a:schemeClr val="tx1"/>
+          </a:fontRef>
+        </p:style>
+      </p:cxnSp>
+      <p:cxnSp>
+        <p:nvCxnSpPr>
+          <p:cNvPr id="5" name="Straight Connector 4"/>
+          <p:cNvCxnSpPr/>
+          <p:nvPr/>
+        </p:nvCxnSpPr>
+        <p:spPr>
+          <a:xfrm>
+            <a:off x="7306403" y="4262362"/>
+            <a:ext cx="3456384" cy="0"/>
+          </a:xfrm>
+          <a:prstGeom prst="line">
+            <a:avLst/>
+          </a:prstGeom>
+        </p:spPr>
+        <p:style>
+          <a:lnRef idx="3">
+            <a:schemeClr val="accent2"/>
+          </a:lnRef>
+          <a:fillRef idx="0">
+            <a:schemeClr val="accent2"/>
+          </a:fillRef>
+          <a:effectRef idx="2">
+            <a:schemeClr val="accent2"/>
           </a:effectRef>
           <a:fontRef idx="minor">
             <a:schemeClr val="tx1"/>
@@ -28015,7 +28001,11 @@
           <a:p>
             <a:r>
               <a:rPr lang="en-US" cap="none" dirty="0" smtClean="0"/>
-              <a:t>LOOKING BACK AFTER 2 YEARS IN RVC</a:t>
+              <a:t>LOOKING BACK AFTER 2 </a:t>
+            </a:r>
+            <a:r>
+              <a:rPr lang="en-US" cap="none" dirty="0" smtClean="0"/>
+              <a:t>YEARS</a:t>
             </a:r>
             <a:endParaRPr lang="en-US" cap="none" dirty="0"/>
           </a:p>
@@ -28456,13 +28446,8 @@
           <a:p>
             <a:r>
               <a:rPr lang="de-DE" dirty="0" smtClean="0"/>
-              <a:t>Difficulties and Solution	Page </a:t>
-            </a:r>
-            <a:r>
-              <a:rPr lang="de-DE" dirty="0" smtClean="0"/>
-              <a:t>14</a:t>
-            </a:r>
-            <a:endParaRPr lang="de-DE" dirty="0" smtClean="0"/>
+              <a:t>Difficulties and Solution	Page 14</a:t>
+            </a:r>
           </a:p>
           <a:p>
             <a:r>
@@ -29075,11 +29060,6 @@
                         </a:rPr>
                         <a:t> new members to do their task.</a:t>
                       </a:r>
-                      <a:endParaRPr lang="en-US" sz="1600" dirty="0" smtClean="0">
-                        <a:solidFill>
-                          <a:schemeClr val="tx1"/>
-                        </a:solidFill>
-                      </a:endParaRPr>
                     </a:p>
                   </a:txBody>
                   <a:tcPr/>
@@ -29185,11 +29165,6 @@
                         </a:rPr>
                         <a:t>Android.</a:t>
                       </a:r>
-                      <a:endParaRPr lang="en-US" sz="1600" dirty="0" smtClean="0">
-                        <a:solidFill>
-                          <a:schemeClr val="tx1"/>
-                        </a:solidFill>
-                      </a:endParaRPr>
                     </a:p>
                   </a:txBody>
                   <a:tcPr/>
@@ -30043,13 +30018,8 @@
           <a:p>
             <a:r>
               <a:rPr lang="de-DE" dirty="0" smtClean="0"/>
-              <a:t>Difficulties and Solution	Page </a:t>
-            </a:r>
-            <a:r>
-              <a:rPr lang="de-DE" dirty="0" smtClean="0"/>
-              <a:t>14</a:t>
-            </a:r>
-            <a:endParaRPr lang="de-DE" dirty="0" smtClean="0"/>
+              <a:t>Difficulties and Solution	Page 14</a:t>
+            </a:r>
           </a:p>
           <a:p>
             <a:r>
